--- a/World Happiness.pptx
+++ b/World Happiness.pptx
@@ -116,6 +116,14 @@
       </a:defRPr>
     </a:lvl9pPr>
   </p:defaultTextStyle>
+  <p:extLst>
+    <p:ext uri="{EFAFB233-063F-42B5-8137-9DF3F51BA10A}">
+      <p15:sldGuideLst xmlns:p15="http://schemas.microsoft.com/office/powerpoint/2012/main"/>
+    </p:ext>
+    <p:ext uri="{2D200454-40CA-4A62-9FC3-DE9A4176ACB9}">
+      <p15:notesGuideLst xmlns:p15="http://schemas.microsoft.com/office/powerpoint/2012/main"/>
+    </p:ext>
+  </p:extLst>
 </p:presentation>
 </file>
 
@@ -201,7 +209,7 @@
           <a:p>
             <a:fld id="{14FECA19-04A7-4E13-9C05-927B7441317C}" type="datetimeFigureOut">
               <a:rPr lang="en-US" smtClean="0"/>
-              <a:t>2/8/2021</a:t>
+              <a:t>2/10/2021</a:t>
             </a:fld>
             <a:endParaRPr lang="en-US"/>
           </a:p>
@@ -790,7 +798,7 @@
           <a:p>
             <a:fld id="{ED291B17-9318-49DB-B28B-6E5994AE9581}" type="datetime1">
               <a:rPr lang="en-US" smtClean="0"/>
-              <a:t>2/8/2021</a:t>
+              <a:t>2/10/2021</a:t>
             </a:fld>
             <a:endParaRPr lang="en-US" dirty="0"/>
           </a:p>
@@ -993,7 +1001,7 @@
           <a:p>
             <a:fld id="{2CED4963-E985-44C4-B8C4-FDD613B7C2F8}" type="datetime1">
               <a:rPr lang="en-US" smtClean="0"/>
-              <a:t>2/8/2021</a:t>
+              <a:t>2/10/2021</a:t>
             </a:fld>
             <a:endParaRPr lang="en-US" dirty="0"/>
           </a:p>
@@ -1355,7 +1363,7 @@
           <a:p>
             <a:fld id="{ED291B17-9318-49DB-B28B-6E5994AE9581}" type="datetime1">
               <a:rPr lang="en-US" smtClean="0"/>
-              <a:t>2/8/2021</a:t>
+              <a:t>2/10/2021</a:t>
             </a:fld>
             <a:endParaRPr lang="en-US" dirty="0"/>
           </a:p>
@@ -1553,7 +1561,7 @@
           <a:p>
             <a:fld id="{78DD82B9-B8EE-4375-B6FF-88FA6ABB15D9}" type="datetime1">
               <a:rPr lang="en-US" smtClean="0"/>
-              <a:t>2/8/2021</a:t>
+              <a:t>2/10/2021</a:t>
             </a:fld>
             <a:endParaRPr lang="en-US" dirty="0"/>
           </a:p>
@@ -1865,7 +1873,7 @@
           <a:p>
             <a:fld id="{B2497495-0637-405E-AE64-5CC7506D51F5}" type="datetime1">
               <a:rPr lang="en-US" smtClean="0"/>
-              <a:t>2/8/2021</a:t>
+              <a:t>2/10/2021</a:t>
             </a:fld>
             <a:endParaRPr lang="en-US" dirty="0"/>
           </a:p>
@@ -2118,7 +2126,7 @@
           <a:p>
             <a:fld id="{7BFFD690-9426-415D-8B65-26881E07B2D4}" type="datetime1">
               <a:rPr lang="en-US" smtClean="0"/>
-              <a:t>2/8/2021</a:t>
+              <a:t>2/10/2021</a:t>
             </a:fld>
             <a:endParaRPr lang="en-US" dirty="0"/>
           </a:p>
@@ -2540,7 +2548,7 @@
           <a:p>
             <a:fld id="{04C4989A-474C-40DE-95B9-011C28B71673}" type="datetime1">
               <a:rPr lang="en-US" smtClean="0"/>
-              <a:t>2/8/2021</a:t>
+              <a:t>2/10/2021</a:t>
             </a:fld>
             <a:endParaRPr lang="en-US" dirty="0"/>
           </a:p>
@@ -2663,7 +2671,7 @@
           <a:p>
             <a:fld id="{5DB4ED54-5B5E-4A04-93D3-5772E3CE3818}" type="datetime1">
               <a:rPr lang="en-US" smtClean="0"/>
-              <a:t>2/8/2021</a:t>
+              <a:t>2/10/2021</a:t>
             </a:fld>
             <a:endParaRPr lang="en-US" dirty="0"/>
           </a:p>
@@ -2758,7 +2766,7 @@
           <a:p>
             <a:fld id="{4EDE50D6-574B-40AF-946F-D52A04ADE379}" type="datetime1">
               <a:rPr lang="en-US" smtClean="0"/>
-              <a:t>2/8/2021</a:t>
+              <a:t>2/10/2021</a:t>
             </a:fld>
             <a:endParaRPr lang="en-US" dirty="0"/>
           </a:p>
@@ -3135,7 +3143,7 @@
           <a:p>
             <a:fld id="{D82884F1-FFEA-405F-9602-3DCA865EDA4E}" type="datetime1">
               <a:rPr lang="en-US" smtClean="0"/>
-              <a:t>2/8/2021</a:t>
+              <a:t>2/10/2021</a:t>
             </a:fld>
             <a:endParaRPr lang="en-US" dirty="0"/>
           </a:p>
@@ -3428,7 +3436,7 @@
           <a:p>
             <a:fld id="{7E18DB4A-8810-4A10-AD5C-D5E2C667F5B3}" type="datetime1">
               <a:rPr lang="en-US" smtClean="0"/>
-              <a:t>2/8/2021</a:t>
+              <a:t>2/10/2021</a:t>
             </a:fld>
             <a:endParaRPr lang="en-US" dirty="0"/>
           </a:p>
@@ -3643,7 +3651,7 @@
           <a:p>
             <a:fld id="{ED291B17-9318-49DB-B28B-6E5994AE9581}" type="datetime1">
               <a:rPr lang="en-US" smtClean="0"/>
-              <a:t>2/8/2021</a:t>
+              <a:t>2/10/2021</a:t>
             </a:fld>
             <a:endParaRPr lang="en-US" dirty="0"/>
           </a:p>
@@ -6942,7 +6950,7 @@
         </p:blipFill>
         <p:spPr>
           <a:xfrm>
-            <a:off x="6096000" y="1132234"/>
+            <a:off x="6096000" y="1220764"/>
             <a:ext cx="5530399" cy="3933745"/>
           </a:xfrm>
           <a:prstGeom prst="rect">
@@ -6986,6 +6994,68 @@
           </a:prstGeom>
         </p:spPr>
       </p:pic>
+      <p:sp>
+        <p:nvSpPr>
+          <p:cNvPr id="8" name="TextBox 7">
+            <a:extLst>
+              <a:ext uri="{FF2B5EF4-FFF2-40B4-BE49-F238E27FC236}">
+                <a16:creationId xmlns:a16="http://schemas.microsoft.com/office/drawing/2014/main" id="{B9A1B1C7-D0BB-47BF-BBBB-260180D69174}"/>
+              </a:ext>
+            </a:extLst>
+          </p:cNvPr>
+          <p:cNvSpPr txBox="1"/>
+          <p:nvPr/>
+        </p:nvSpPr>
+        <p:spPr>
+          <a:xfrm>
+            <a:off x="6794584" y="5045461"/>
+            <a:ext cx="4345996" cy="461665"/>
+          </a:xfrm>
+          <a:prstGeom prst="rect">
+            <a:avLst/>
+          </a:prstGeom>
+          <a:noFill/>
+        </p:spPr>
+        <p:txBody>
+          <a:bodyPr wrap="square">
+            <a:spAutoFit/>
+          </a:bodyPr>
+          <a:lstStyle/>
+          <a:p>
+            <a:r>
+              <a:rPr lang="en-US" sz="1200" b="0" i="0" u="none" strike="noStrike" dirty="0">
+                <a:solidFill>
+                  <a:srgbClr val="000000"/>
+                </a:solidFill>
+                <a:effectLst/>
+                <a:latin typeface="Courier New" panose="02070309020205020404" pitchFamily="49" charset="0"/>
+              </a:rPr>
+              <a:t>The correlation coefficient between GDP Per </a:t>
+            </a:r>
+            <a:r>
+              <a:rPr lang="en-US" sz="1200" b="0" i="0" u="none" strike="noStrike" dirty="0" err="1">
+                <a:solidFill>
+                  <a:srgbClr val="000000"/>
+                </a:solidFill>
+                <a:effectLst/>
+                <a:latin typeface="Courier New" panose="02070309020205020404" pitchFamily="49" charset="0"/>
+              </a:rPr>
+              <a:t>Captia</a:t>
+            </a:r>
+            <a:r>
+              <a:rPr lang="en-US" sz="1200" b="0" i="0" u="none" strike="noStrike" dirty="0">
+                <a:solidFill>
+                  <a:srgbClr val="000000"/>
+                </a:solidFill>
+                <a:effectLst/>
+                <a:latin typeface="Courier New" panose="02070309020205020404" pitchFamily="49" charset="0"/>
+              </a:rPr>
+              <a:t> and Healthy Life Expectancy is 0.78</a:t>
+            </a:r>
+            <a:endParaRPr lang="en-US" sz="1200" dirty="0"/>
+          </a:p>
+        </p:txBody>
+      </p:sp>
     </p:spTree>
     <p:extLst>
       <p:ext uri="{BB962C8B-B14F-4D97-AF65-F5344CB8AC3E}">
@@ -7173,7 +7243,7 @@
         </p:blipFill>
         <p:spPr>
           <a:xfrm>
-            <a:off x="6492579" y="624892"/>
+            <a:off x="6658281" y="624892"/>
             <a:ext cx="4809174" cy="2560320"/>
           </a:xfrm>
           <a:prstGeom prst="rect">
@@ -7264,7 +7334,7 @@
         </p:blipFill>
         <p:spPr>
           <a:xfrm>
-            <a:off x="855330" y="632820"/>
+            <a:off x="824244" y="624892"/>
             <a:ext cx="4844089" cy="2560320"/>
           </a:xfrm>
           <a:prstGeom prst="rect">
@@ -7490,6 +7560,194 @@
           </a:prstGeom>
         </p:spPr>
       </p:pic>
+      <p:sp>
+        <p:nvSpPr>
+          <p:cNvPr id="13" name="TextBox 12">
+            <a:extLst>
+              <a:ext uri="{FF2B5EF4-FFF2-40B4-BE49-F238E27FC236}">
+                <a16:creationId xmlns:a16="http://schemas.microsoft.com/office/drawing/2014/main" id="{6FCACDD4-8719-4E17-8BC2-25440DF4B41B}"/>
+              </a:ext>
+            </a:extLst>
+          </p:cNvPr>
+          <p:cNvSpPr txBox="1"/>
+          <p:nvPr/>
+        </p:nvSpPr>
+        <p:spPr>
+          <a:xfrm>
+            <a:off x="3754139" y="1996580"/>
+            <a:ext cx="1298044" cy="784830"/>
+          </a:xfrm>
+          <a:prstGeom prst="rect">
+            <a:avLst/>
+          </a:prstGeom>
+          <a:noFill/>
+        </p:spPr>
+        <p:txBody>
+          <a:bodyPr wrap="square">
+            <a:spAutoFit/>
+          </a:bodyPr>
+          <a:lstStyle/>
+          <a:p>
+            <a:r>
+              <a:rPr lang="en-US" sz="900" b="0" i="0" u="none" strike="noStrike" dirty="0">
+                <a:solidFill>
+                  <a:srgbClr val="000000"/>
+                </a:solidFill>
+                <a:effectLst/>
+                <a:latin typeface="Courier New" panose="02070309020205020404" pitchFamily="49" charset="0"/>
+              </a:rPr>
+              <a:t>The correlation coefficient between GDP Per </a:t>
+            </a:r>
+            <a:r>
+              <a:rPr lang="en-US" sz="900" b="0" i="0" u="none" strike="noStrike" dirty="0" err="1">
+                <a:solidFill>
+                  <a:srgbClr val="000000"/>
+                </a:solidFill>
+                <a:effectLst/>
+                <a:latin typeface="Courier New" panose="02070309020205020404" pitchFamily="49" charset="0"/>
+              </a:rPr>
+              <a:t>Captia</a:t>
+            </a:r>
+            <a:r>
+              <a:rPr lang="en-US" sz="900" b="0" i="0" u="none" strike="noStrike" dirty="0">
+                <a:solidFill>
+                  <a:srgbClr val="000000"/>
+                </a:solidFill>
+                <a:effectLst/>
+                <a:latin typeface="Courier New" panose="02070309020205020404" pitchFamily="49" charset="0"/>
+              </a:rPr>
+              <a:t> and Score is 0.79</a:t>
+            </a:r>
+            <a:endParaRPr lang="en-US" sz="900" dirty="0"/>
+          </a:p>
+        </p:txBody>
+      </p:sp>
+      <p:sp>
+        <p:nvSpPr>
+          <p:cNvPr id="15" name="TextBox 14">
+            <a:extLst>
+              <a:ext uri="{FF2B5EF4-FFF2-40B4-BE49-F238E27FC236}">
+                <a16:creationId xmlns:a16="http://schemas.microsoft.com/office/drawing/2014/main" id="{93D08CF9-F975-4C5E-8A9F-4AC01DF9CBD6}"/>
+              </a:ext>
+            </a:extLst>
+          </p:cNvPr>
+          <p:cNvSpPr txBox="1"/>
+          <p:nvPr/>
+        </p:nvSpPr>
+        <p:spPr>
+          <a:xfrm>
+            <a:off x="7365534" y="902392"/>
+            <a:ext cx="1237496" cy="784830"/>
+          </a:xfrm>
+          <a:prstGeom prst="rect">
+            <a:avLst/>
+          </a:prstGeom>
+          <a:noFill/>
+        </p:spPr>
+        <p:txBody>
+          <a:bodyPr wrap="square">
+            <a:spAutoFit/>
+          </a:bodyPr>
+          <a:lstStyle/>
+          <a:p>
+            <a:r>
+              <a:rPr lang="en-US" sz="900" b="0" i="0" u="none" strike="noStrike" dirty="0">
+                <a:solidFill>
+                  <a:srgbClr val="000000"/>
+                </a:solidFill>
+                <a:effectLst/>
+                <a:latin typeface="Courier New" panose="02070309020205020404" pitchFamily="49" charset="0"/>
+              </a:rPr>
+              <a:t>The correlation coefficient between Social Support and Score is 0.65</a:t>
+            </a:r>
+            <a:endParaRPr lang="en-US" sz="900" dirty="0"/>
+          </a:p>
+        </p:txBody>
+      </p:sp>
+      <p:sp>
+        <p:nvSpPr>
+          <p:cNvPr id="17" name="TextBox 16">
+            <a:extLst>
+              <a:ext uri="{FF2B5EF4-FFF2-40B4-BE49-F238E27FC236}">
+                <a16:creationId xmlns:a16="http://schemas.microsoft.com/office/drawing/2014/main" id="{DC9D1518-D9F9-4BF4-BB4D-F8CE5C52D611}"/>
+              </a:ext>
+            </a:extLst>
+          </p:cNvPr>
+          <p:cNvSpPr txBox="1"/>
+          <p:nvPr/>
+        </p:nvSpPr>
+        <p:spPr>
+          <a:xfrm>
+            <a:off x="1679895" y="3847147"/>
+            <a:ext cx="1407254" cy="784830"/>
+          </a:xfrm>
+          <a:prstGeom prst="rect">
+            <a:avLst/>
+          </a:prstGeom>
+          <a:noFill/>
+        </p:spPr>
+        <p:txBody>
+          <a:bodyPr wrap="square">
+            <a:spAutoFit/>
+          </a:bodyPr>
+          <a:lstStyle/>
+          <a:p>
+            <a:r>
+              <a:rPr lang="en-US" sz="900" b="0" i="0" u="none" strike="noStrike" dirty="0">
+                <a:solidFill>
+                  <a:srgbClr val="000000"/>
+                </a:solidFill>
+                <a:effectLst/>
+                <a:latin typeface="Courier New" panose="02070309020205020404" pitchFamily="49" charset="0"/>
+              </a:rPr>
+              <a:t>The correlation coefficient between Healthy life expectancy and Score is 0.74</a:t>
+            </a:r>
+            <a:endParaRPr lang="en-US" sz="900" dirty="0"/>
+          </a:p>
+        </p:txBody>
+      </p:sp>
+      <p:sp>
+        <p:nvSpPr>
+          <p:cNvPr id="19" name="TextBox 18">
+            <a:extLst>
+              <a:ext uri="{FF2B5EF4-FFF2-40B4-BE49-F238E27FC236}">
+                <a16:creationId xmlns:a16="http://schemas.microsoft.com/office/drawing/2014/main" id="{ABEFC12A-54A1-4CE3-A1D7-C3E857B1844A}"/>
+              </a:ext>
+            </a:extLst>
+          </p:cNvPr>
+          <p:cNvSpPr txBox="1"/>
+          <p:nvPr/>
+        </p:nvSpPr>
+        <p:spPr>
+          <a:xfrm>
+            <a:off x="7427180" y="3885619"/>
+            <a:ext cx="1339315" cy="707886"/>
+          </a:xfrm>
+          <a:prstGeom prst="rect">
+            <a:avLst/>
+          </a:prstGeom>
+          <a:noFill/>
+        </p:spPr>
+        <p:txBody>
+          <a:bodyPr wrap="square">
+            <a:spAutoFit/>
+          </a:bodyPr>
+          <a:lstStyle/>
+          <a:p>
+            <a:r>
+              <a:rPr lang="en-US" sz="800" b="0" i="0" u="none" strike="noStrike" dirty="0">
+                <a:solidFill>
+                  <a:srgbClr val="000000"/>
+                </a:solidFill>
+                <a:effectLst/>
+                <a:latin typeface="Courier New" panose="02070309020205020404" pitchFamily="49" charset="0"/>
+              </a:rPr>
+              <a:t>The correlation coefficient between Freedom to make life choices and Score is 0.54</a:t>
+            </a:r>
+            <a:endParaRPr lang="en-US" sz="800" dirty="0"/>
+          </a:p>
+        </p:txBody>
+      </p:sp>
     </p:spTree>
     <p:extLst>
       <p:ext uri="{BB962C8B-B14F-4D97-AF65-F5344CB8AC3E}">
@@ -7878,6 +8136,90 @@
           </a:prstGeom>
         </p:spPr>
       </p:pic>
+      <p:sp>
+        <p:nvSpPr>
+          <p:cNvPr id="11" name="TextBox 10">
+            <a:extLst>
+              <a:ext uri="{FF2B5EF4-FFF2-40B4-BE49-F238E27FC236}">
+                <a16:creationId xmlns:a16="http://schemas.microsoft.com/office/drawing/2014/main" id="{D1EF8100-8F57-423E-A7D3-6A262C8BA0F6}"/>
+              </a:ext>
+            </a:extLst>
+          </p:cNvPr>
+          <p:cNvSpPr txBox="1"/>
+          <p:nvPr/>
+        </p:nvSpPr>
+        <p:spPr>
+          <a:xfrm>
+            <a:off x="3827478" y="868071"/>
+            <a:ext cx="1415641" cy="667114"/>
+          </a:xfrm>
+          <a:prstGeom prst="rect">
+            <a:avLst/>
+          </a:prstGeom>
+          <a:noFill/>
+        </p:spPr>
+        <p:txBody>
+          <a:bodyPr wrap="square">
+            <a:spAutoFit/>
+          </a:bodyPr>
+          <a:lstStyle/>
+          <a:p>
+            <a:r>
+              <a:rPr lang="en-US" sz="900" b="0" i="0" u="none" strike="noStrike" dirty="0">
+                <a:solidFill>
+                  <a:srgbClr val="000000"/>
+                </a:solidFill>
+                <a:effectLst/>
+                <a:latin typeface="Courier New" panose="02070309020205020404" pitchFamily="49" charset="0"/>
+              </a:rPr>
+              <a:t>The correlation coefficient between Generosity and Score is 0.14</a:t>
+            </a:r>
+            <a:endParaRPr lang="en-US" sz="900" dirty="0"/>
+          </a:p>
+        </p:txBody>
+      </p:sp>
+      <p:sp>
+        <p:nvSpPr>
+          <p:cNvPr id="13" name="TextBox 12">
+            <a:extLst>
+              <a:ext uri="{FF2B5EF4-FFF2-40B4-BE49-F238E27FC236}">
+                <a16:creationId xmlns:a16="http://schemas.microsoft.com/office/drawing/2014/main" id="{DAB7DE1E-8565-4F84-BDAC-57D2033ED23E}"/>
+              </a:ext>
+            </a:extLst>
+          </p:cNvPr>
+          <p:cNvSpPr txBox="1"/>
+          <p:nvPr/>
+        </p:nvSpPr>
+        <p:spPr>
+          <a:xfrm>
+            <a:off x="9111443" y="1795934"/>
+            <a:ext cx="1257350" cy="922099"/>
+          </a:xfrm>
+          <a:prstGeom prst="rect">
+            <a:avLst/>
+          </a:prstGeom>
+          <a:noFill/>
+        </p:spPr>
+        <p:txBody>
+          <a:bodyPr wrap="square">
+            <a:spAutoFit/>
+          </a:bodyPr>
+          <a:lstStyle/>
+          <a:p>
+            <a:r>
+              <a:rPr lang="en-US" sz="900" b="0" i="0" u="none" strike="noStrike" dirty="0">
+                <a:solidFill>
+                  <a:srgbClr val="000000"/>
+                </a:solidFill>
+                <a:effectLst/>
+                <a:latin typeface="Courier New" panose="02070309020205020404" pitchFamily="49" charset="0"/>
+              </a:rPr>
+              <a:t>The correlation coefficient between Perceptions of corruption and Score is 0.42</a:t>
+            </a:r>
+            <a:endParaRPr lang="en-US" sz="900" dirty="0"/>
+          </a:p>
+        </p:txBody>
+      </p:sp>
     </p:spTree>
     <p:extLst>
       <p:ext uri="{BB962C8B-B14F-4D97-AF65-F5344CB8AC3E}">

--- a/World Happiness.pptx
+++ b/World Happiness.pptx
@@ -5,19 +5,24 @@
     <p:sldMasterId id="2147483673" r:id="rId1"/>
   </p:sldMasterIdLst>
   <p:notesMasterIdLst>
-    <p:notesMasterId r:id="rId12"/>
+    <p:notesMasterId r:id="rId17"/>
   </p:notesMasterIdLst>
   <p:sldIdLst>
     <p:sldId id="256" r:id="rId2"/>
     <p:sldId id="257" r:id="rId3"/>
-    <p:sldId id="259" r:id="rId4"/>
-    <p:sldId id="258" r:id="rId5"/>
+    <p:sldId id="258" r:id="rId4"/>
+    <p:sldId id="259" r:id="rId5"/>
     <p:sldId id="260" r:id="rId6"/>
     <p:sldId id="263" r:id="rId7"/>
     <p:sldId id="265" r:id="rId8"/>
-    <p:sldId id="261" r:id="rId9"/>
-    <p:sldId id="262" r:id="rId10"/>
-    <p:sldId id="266" r:id="rId11"/>
+    <p:sldId id="267" r:id="rId9"/>
+    <p:sldId id="269" r:id="rId10"/>
+    <p:sldId id="271" r:id="rId11"/>
+    <p:sldId id="272" r:id="rId12"/>
+    <p:sldId id="270" r:id="rId13"/>
+    <p:sldId id="261" r:id="rId14"/>
+    <p:sldId id="262" r:id="rId15"/>
+    <p:sldId id="266" r:id="rId16"/>
   </p:sldIdLst>
   <p:sldSz cx="12192000" cy="6858000"/>
   <p:notesSz cx="6858000" cy="9144000"/>
@@ -209,7 +214,7 @@
           <a:p>
             <a:fld id="{14FECA19-04A7-4E13-9C05-927B7441317C}" type="datetimeFigureOut">
               <a:rPr lang="en-US" smtClean="0"/>
-              <a:t>2/10/2021</a:t>
+              <a:t>2/11/2021</a:t>
             </a:fld>
             <a:endParaRPr lang="en-US"/>
           </a:p>
@@ -541,7 +546,7 @@
           <a:p>
             <a:fld id="{97BC1DD7-1A36-459E-BF57-E7DA5200FAEB}" type="slidenum">
               <a:rPr lang="en-US" smtClean="0"/>
-              <a:t>4</a:t>
+              <a:t>3</a:t>
             </a:fld>
             <a:endParaRPr lang="en-US"/>
           </a:p>
@@ -798,7 +803,7 @@
           <a:p>
             <a:fld id="{ED291B17-9318-49DB-B28B-6E5994AE9581}" type="datetime1">
               <a:rPr lang="en-US" smtClean="0"/>
-              <a:t>2/10/2021</a:t>
+              <a:t>2/11/2021</a:t>
             </a:fld>
             <a:endParaRPr lang="en-US" dirty="0"/>
           </a:p>
@@ -1001,7 +1006,7 @@
           <a:p>
             <a:fld id="{2CED4963-E985-44C4-B8C4-FDD613B7C2F8}" type="datetime1">
               <a:rPr lang="en-US" smtClean="0"/>
-              <a:t>2/10/2021</a:t>
+              <a:t>2/11/2021</a:t>
             </a:fld>
             <a:endParaRPr lang="en-US" dirty="0"/>
           </a:p>
@@ -1363,7 +1368,7 @@
           <a:p>
             <a:fld id="{ED291B17-9318-49DB-B28B-6E5994AE9581}" type="datetime1">
               <a:rPr lang="en-US" smtClean="0"/>
-              <a:t>2/10/2021</a:t>
+              <a:t>2/11/2021</a:t>
             </a:fld>
             <a:endParaRPr lang="en-US" dirty="0"/>
           </a:p>
@@ -1561,7 +1566,7 @@
           <a:p>
             <a:fld id="{78DD82B9-B8EE-4375-B6FF-88FA6ABB15D9}" type="datetime1">
               <a:rPr lang="en-US" smtClean="0"/>
-              <a:t>2/10/2021</a:t>
+              <a:t>2/11/2021</a:t>
             </a:fld>
             <a:endParaRPr lang="en-US" dirty="0"/>
           </a:p>
@@ -1873,7 +1878,7 @@
           <a:p>
             <a:fld id="{B2497495-0637-405E-AE64-5CC7506D51F5}" type="datetime1">
               <a:rPr lang="en-US" smtClean="0"/>
-              <a:t>2/10/2021</a:t>
+              <a:t>2/11/2021</a:t>
             </a:fld>
             <a:endParaRPr lang="en-US" dirty="0"/>
           </a:p>
@@ -2126,7 +2131,7 @@
           <a:p>
             <a:fld id="{7BFFD690-9426-415D-8B65-26881E07B2D4}" type="datetime1">
               <a:rPr lang="en-US" smtClean="0"/>
-              <a:t>2/10/2021</a:t>
+              <a:t>2/11/2021</a:t>
             </a:fld>
             <a:endParaRPr lang="en-US" dirty="0"/>
           </a:p>
@@ -2548,7 +2553,7 @@
           <a:p>
             <a:fld id="{04C4989A-474C-40DE-95B9-011C28B71673}" type="datetime1">
               <a:rPr lang="en-US" smtClean="0"/>
-              <a:t>2/10/2021</a:t>
+              <a:t>2/11/2021</a:t>
             </a:fld>
             <a:endParaRPr lang="en-US" dirty="0"/>
           </a:p>
@@ -2671,7 +2676,7 @@
           <a:p>
             <a:fld id="{5DB4ED54-5B5E-4A04-93D3-5772E3CE3818}" type="datetime1">
               <a:rPr lang="en-US" smtClean="0"/>
-              <a:t>2/10/2021</a:t>
+              <a:t>2/11/2021</a:t>
             </a:fld>
             <a:endParaRPr lang="en-US" dirty="0"/>
           </a:p>
@@ -2766,7 +2771,7 @@
           <a:p>
             <a:fld id="{4EDE50D6-574B-40AF-946F-D52A04ADE379}" type="datetime1">
               <a:rPr lang="en-US" smtClean="0"/>
-              <a:t>2/10/2021</a:t>
+              <a:t>2/11/2021</a:t>
             </a:fld>
             <a:endParaRPr lang="en-US" dirty="0"/>
           </a:p>
@@ -3143,7 +3148,7 @@
           <a:p>
             <a:fld id="{D82884F1-FFEA-405F-9602-3DCA865EDA4E}" type="datetime1">
               <a:rPr lang="en-US" smtClean="0"/>
-              <a:t>2/10/2021</a:t>
+              <a:t>2/11/2021</a:t>
             </a:fld>
             <a:endParaRPr lang="en-US" dirty="0"/>
           </a:p>
@@ -3436,7 +3441,7 @@
           <a:p>
             <a:fld id="{7E18DB4A-8810-4A10-AD5C-D5E2C667F5B3}" type="datetime1">
               <a:rPr lang="en-US" smtClean="0"/>
-              <a:t>2/10/2021</a:t>
+              <a:t>2/11/2021</a:t>
             </a:fld>
             <a:endParaRPr lang="en-US" dirty="0"/>
           </a:p>
@@ -3651,7 +3656,7 @@
           <a:p>
             <a:fld id="{ED291B17-9318-49DB-B28B-6E5994AE9581}" type="datetime1">
               <a:rPr lang="en-US" smtClean="0"/>
-              <a:t>2/10/2021</a:t>
+              <a:t>2/11/2021</a:t>
             </a:fld>
             <a:endParaRPr lang="en-US" dirty="0"/>
           </a:p>
@@ -4632,13 +4637,13 @@
         </p:spPr>
         <p:txBody>
           <a:bodyPr>
-            <a:normAutofit/>
+            <a:noAutofit/>
           </a:bodyPr>
           <a:lstStyle/>
           <a:p>
             <a:pPr algn="ctr"/>
             <a:r>
-              <a:rPr lang="en-US" sz="4000" b="1" dirty="0">
+              <a:rPr lang="en-US" sz="7200" b="1" dirty="0">
                 <a:solidFill>
                   <a:srgbClr val="FFFFFF"/>
                 </a:solidFill>
@@ -4938,26 +4943,9 @@
   <p:cSld>
     <p:bg>
       <p:bgPr>
-        <a:gradFill rotWithShape="1">
-          <a:gsLst>
-            <a:gs pos="0">
-              <a:schemeClr val="bg1">
-                <a:tint val="90000"/>
-                <a:lumMod val="110000"/>
-              </a:schemeClr>
-            </a:gs>
-            <a:gs pos="100000">
-              <a:schemeClr val="bg1">
-                <a:shade val="98000"/>
-                <a:satMod val="110000"/>
-                <a:lumMod val="86000"/>
-              </a:schemeClr>
-            </a:gs>
-          </a:gsLst>
-          <a:path path="circle">
-            <a:fillToRect l="50000" t="50000" r="100000" b="100000"/>
-          </a:path>
-        </a:gradFill>
+        <a:solidFill>
+          <a:schemeClr val="bg1"/>
+        </a:solidFill>
         <a:effectLst/>
       </p:bgPr>
     </p:bg>
@@ -4977,10 +4965,10 @@
       </p:grpSpPr>
       <p:sp>
         <p:nvSpPr>
-          <p:cNvPr id="32" name="Rectangle 8">
-            <a:extLst>
-              <a:ext uri="{FF2B5EF4-FFF2-40B4-BE49-F238E27FC236}">
-                <a16:creationId xmlns:a16="http://schemas.microsoft.com/office/drawing/2014/main" id="{DCF4EB5C-ED25-4675-8255-2F5B12CFFCF0}"/>
+          <p:cNvPr id="11" name="Rectangle 10">
+            <a:extLst>
+              <a:ext uri="{FF2B5EF4-FFF2-40B4-BE49-F238E27FC236}">
+                <a16:creationId xmlns:a16="http://schemas.microsoft.com/office/drawing/2014/main" id="{DD651B61-325E-4E73-8445-38B0DE8AAAB6}"/>
               </a:ext>
               <a:ext uri="{C183D7F6-B498-43B3-948B-1728B52AA6E4}">
                 <adec:decorative xmlns:adec="http://schemas.microsoft.com/office/drawing/2017/decorative" val="1"/>
@@ -5031,10 +5019,10 @@
       </p:sp>
       <p:sp>
         <p:nvSpPr>
-          <p:cNvPr id="33" name="Rectangle 10">
-            <a:extLst>
-              <a:ext uri="{FF2B5EF4-FFF2-40B4-BE49-F238E27FC236}">
-                <a16:creationId xmlns:a16="http://schemas.microsoft.com/office/drawing/2014/main" id="{9514EC6E-A557-42A2-BCDC-3ABFFC5E564D}"/>
+          <p:cNvPr id="13" name="Rectangle 12">
+            <a:extLst>
+              <a:ext uri="{FF2B5EF4-FFF2-40B4-BE49-F238E27FC236}">
+                <a16:creationId xmlns:a16="http://schemas.microsoft.com/office/drawing/2014/main" id="{B42E5253-D3AC-4AC2-B766-8B34F13C2F5E}"/>
               </a:ext>
               <a:ext uri="{C183D7F6-B498-43B3-948B-1728B52AA6E4}">
                 <adec:decorative xmlns:adec="http://schemas.microsoft.com/office/drawing/2017/decorative" val="1"/>
@@ -5085,10 +5073,10 @@
       </p:sp>
       <p:sp>
         <p:nvSpPr>
-          <p:cNvPr id="34" name="Rectangle 12">
-            <a:extLst>
-              <a:ext uri="{FF2B5EF4-FFF2-40B4-BE49-F238E27FC236}">
-                <a16:creationId xmlns:a16="http://schemas.microsoft.com/office/drawing/2014/main" id="{905482C9-EB42-4BFE-95BF-7FD661F07657}"/>
+          <p:cNvPr id="15" name="Rectangle 14">
+            <a:extLst>
+              <a:ext uri="{FF2B5EF4-FFF2-40B4-BE49-F238E27FC236}">
+                <a16:creationId xmlns:a16="http://schemas.microsoft.com/office/drawing/2014/main" id="{10AE8D57-436A-4073-9A75-15BB5949F8B4}"/>
               </a:ext>
               <a:ext uri="{C183D7F6-B498-43B3-948B-1728B52AA6E4}">
                 <adec:decorative xmlns:adec="http://schemas.microsoft.com/office/drawing/2017/decorative" val="1"/>
@@ -5137,12 +5125,66 @@
           </a:fontRef>
         </p:style>
       </p:sp>
+      <p:sp>
+        <p:nvSpPr>
+          <p:cNvPr id="17" name="Rectangle 16">
+            <a:extLst>
+              <a:ext uri="{FF2B5EF4-FFF2-40B4-BE49-F238E27FC236}">
+                <a16:creationId xmlns:a16="http://schemas.microsoft.com/office/drawing/2014/main" id="{E2852671-8EB6-4EAF-8AF8-65CF3FD66456}"/>
+              </a:ext>
+              <a:ext uri="{C183D7F6-B498-43B3-948B-1728B52AA6E4}">
+                <adec:decorative xmlns:adec="http://schemas.microsoft.com/office/drawing/2017/decorative" val="1"/>
+              </a:ext>
+            </a:extLst>
+          </p:cNvPr>
+          <p:cNvSpPr>
+            <a:spLocks noGrp="1" noRot="1" noChangeAspect="1" noMove="1" noResize="1" noEditPoints="1" noAdjustHandles="1" noChangeArrowheads="1" noChangeShapeType="1" noTextEdit="1"/>
+          </p:cNvSpPr>
+          <p:nvPr>
+            <p:extLst>
+              <p:ext uri="{386F3935-93C4-4BCD-93E2-E3B085C9AB24}">
+                <p16:designElem xmlns:p16="http://schemas.microsoft.com/office/powerpoint/2015/main" val="1"/>
+              </p:ext>
+            </p:extLst>
+          </p:nvPr>
+        </p:nvSpPr>
+        <p:spPr>
+          <a:xfrm>
+            <a:off x="446534" y="3085764"/>
+            <a:ext cx="11298932" cy="3338149"/>
+          </a:xfrm>
+          <a:prstGeom prst="rect">
+            <a:avLst/>
+          </a:prstGeom>
+          <a:solidFill>
+            <a:srgbClr val="465359"/>
+          </a:solidFill>
+          <a:ln>
+            <a:noFill/>
+          </a:ln>
+          <a:effectLst/>
+        </p:spPr>
+        <p:style>
+          <a:lnRef idx="1">
+            <a:schemeClr val="accent1"/>
+          </a:lnRef>
+          <a:fillRef idx="3">
+            <a:schemeClr val="accent1"/>
+          </a:fillRef>
+          <a:effectRef idx="2">
+            <a:schemeClr val="accent1"/>
+          </a:effectRef>
+          <a:fontRef idx="minor">
+            <a:schemeClr val="lt1"/>
+          </a:fontRef>
+        </p:style>
+      </p:sp>
       <p:sp useBgFill="1">
         <p:nvSpPr>
-          <p:cNvPr id="35" name="Rectangle 14">
-            <a:extLst>
-              <a:ext uri="{FF2B5EF4-FFF2-40B4-BE49-F238E27FC236}">
-                <a16:creationId xmlns:a16="http://schemas.microsoft.com/office/drawing/2014/main" id="{B373F125-DEF3-41D6-9918-AB21A2ACC37A}"/>
+          <p:cNvPr id="19" name="Rectangle 18">
+            <a:extLst>
+              <a:ext uri="{FF2B5EF4-FFF2-40B4-BE49-F238E27FC236}">
+                <a16:creationId xmlns:a16="http://schemas.microsoft.com/office/drawing/2014/main" id="{963FC0CD-F19B-4D9C-9C47-EB7E9D16E444}"/>
               </a:ext>
               <a:ext uri="{C183D7F6-B498-43B3-948B-1728B52AA6E4}">
                 <adec:decorative xmlns:adec="http://schemas.microsoft.com/office/drawing/2017/decorative" val="1"/>
@@ -5199,10 +5241,10 @@
       </p:sp>
       <p:sp>
         <p:nvSpPr>
-          <p:cNvPr id="36" name="Rectangle 16">
-            <a:extLst>
-              <a:ext uri="{FF2B5EF4-FFF2-40B4-BE49-F238E27FC236}">
-                <a16:creationId xmlns:a16="http://schemas.microsoft.com/office/drawing/2014/main" id="{71E9F226-EB6E-48C9-ADDA-636DE4BF4EBE}"/>
+          <p:cNvPr id="21" name="Rectangle 20">
+            <a:extLst>
+              <a:ext uri="{FF2B5EF4-FFF2-40B4-BE49-F238E27FC236}">
+                <a16:creationId xmlns:a16="http://schemas.microsoft.com/office/drawing/2014/main" id="{2E70159E-5269-4C18-AA0B-D50513DB3B3C}"/>
               </a:ext>
               <a:ext uri="{C183D7F6-B498-43B3-948B-1728B52AA6E4}">
                 <adec:decorative xmlns:adec="http://schemas.microsoft.com/office/drawing/2017/decorative" val="1"/>
@@ -5222,8 +5264,8 @@
         </p:nvSpPr>
         <p:spPr>
           <a:xfrm>
-            <a:off x="490581" y="485678"/>
-            <a:ext cx="4174743" cy="5888772"/>
+            <a:off x="446534" y="457200"/>
+            <a:ext cx="3703320" cy="94997"/>
           </a:xfrm>
           <a:prstGeom prst="rect">
             <a:avLst/>
@@ -5231,6 +5273,555 @@
           <a:solidFill>
             <a:srgbClr val="465359"/>
           </a:solidFill>
+          <a:ln>
+            <a:noFill/>
+          </a:ln>
+          <a:effectLst/>
+        </p:spPr>
+        <p:style>
+          <a:lnRef idx="1">
+            <a:schemeClr val="accent1"/>
+          </a:lnRef>
+          <a:fillRef idx="3">
+            <a:schemeClr val="accent1"/>
+          </a:fillRef>
+          <a:effectRef idx="2">
+            <a:schemeClr val="accent1"/>
+          </a:effectRef>
+          <a:fontRef idx="minor">
+            <a:schemeClr val="lt1"/>
+          </a:fontRef>
+        </p:style>
+      </p:sp>
+      <p:sp>
+        <p:nvSpPr>
+          <p:cNvPr id="23" name="Rectangle 22">
+            <a:extLst>
+              <a:ext uri="{FF2B5EF4-FFF2-40B4-BE49-F238E27FC236}">
+                <a16:creationId xmlns:a16="http://schemas.microsoft.com/office/drawing/2014/main" id="{BBBE9C8C-98B2-41C2-B47B-9A396CBA2326}"/>
+              </a:ext>
+              <a:ext uri="{C183D7F6-B498-43B3-948B-1728B52AA6E4}">
+                <adec:decorative xmlns:adec="http://schemas.microsoft.com/office/drawing/2017/decorative" val="1"/>
+              </a:ext>
+            </a:extLst>
+          </p:cNvPr>
+          <p:cNvSpPr>
+            <a:spLocks noGrp="1" noRot="1" noChangeAspect="1" noMove="1" noResize="1" noEditPoints="1" noAdjustHandles="1" noChangeArrowheads="1" noChangeShapeType="1" noTextEdit="1"/>
+          </p:cNvSpPr>
+          <p:nvPr>
+            <p:extLst>
+              <p:ext uri="{386F3935-93C4-4BCD-93E2-E3B085C9AB24}">
+                <p16:designElem xmlns:p16="http://schemas.microsoft.com/office/powerpoint/2015/main" val="1"/>
+              </p:ext>
+            </p:extLst>
+          </p:nvPr>
+        </p:nvSpPr>
+        <p:spPr>
+          <a:xfrm>
+            <a:off x="4241830" y="457200"/>
+            <a:ext cx="3703320" cy="91440"/>
+          </a:xfrm>
+          <a:prstGeom prst="rect">
+            <a:avLst/>
+          </a:prstGeom>
+          <a:solidFill>
+            <a:schemeClr val="accent1"/>
+          </a:solidFill>
+          <a:ln>
+            <a:noFill/>
+          </a:ln>
+          <a:effectLst/>
+        </p:spPr>
+        <p:style>
+          <a:lnRef idx="1">
+            <a:schemeClr val="accent1"/>
+          </a:lnRef>
+          <a:fillRef idx="3">
+            <a:schemeClr val="accent1"/>
+          </a:fillRef>
+          <a:effectRef idx="2">
+            <a:schemeClr val="accent1"/>
+          </a:effectRef>
+          <a:fontRef idx="minor">
+            <a:schemeClr val="lt1"/>
+          </a:fontRef>
+        </p:style>
+      </p:sp>
+      <p:sp>
+        <p:nvSpPr>
+          <p:cNvPr id="25" name="Rectangle 24">
+            <a:extLst>
+              <a:ext uri="{FF2B5EF4-FFF2-40B4-BE49-F238E27FC236}">
+                <a16:creationId xmlns:a16="http://schemas.microsoft.com/office/drawing/2014/main" id="{B2ECCA3D-5ECA-4A8B-B9D7-CE6DEB72B952}"/>
+              </a:ext>
+              <a:ext uri="{C183D7F6-B498-43B3-948B-1728B52AA6E4}">
+                <adec:decorative xmlns:adec="http://schemas.microsoft.com/office/drawing/2017/decorative" val="1"/>
+              </a:ext>
+            </a:extLst>
+          </p:cNvPr>
+          <p:cNvSpPr>
+            <a:spLocks noGrp="1" noRot="1" noChangeAspect="1" noMove="1" noResize="1" noEditPoints="1" noAdjustHandles="1" noChangeArrowheads="1" noChangeShapeType="1" noTextEdit="1"/>
+          </p:cNvSpPr>
+          <p:nvPr>
+            <p:extLst>
+              <p:ext uri="{386F3935-93C4-4BCD-93E2-E3B085C9AB24}">
+                <p16:designElem xmlns:p16="http://schemas.microsoft.com/office/powerpoint/2015/main" val="1"/>
+              </p:ext>
+            </p:extLst>
+          </p:nvPr>
+        </p:nvSpPr>
+        <p:spPr>
+          <a:xfrm>
+            <a:off x="8042147" y="453643"/>
+            <a:ext cx="3703320" cy="98554"/>
+          </a:xfrm>
+          <a:prstGeom prst="rect">
+            <a:avLst/>
+          </a:prstGeom>
+          <a:solidFill>
+            <a:srgbClr val="969FA7"/>
+          </a:solidFill>
+          <a:ln>
+            <a:noFill/>
+          </a:ln>
+          <a:effectLst/>
+        </p:spPr>
+        <p:style>
+          <a:lnRef idx="1">
+            <a:schemeClr val="accent1"/>
+          </a:lnRef>
+          <a:fillRef idx="3">
+            <a:schemeClr val="accent1"/>
+          </a:fillRef>
+          <a:effectRef idx="2">
+            <a:schemeClr val="accent1"/>
+          </a:effectRef>
+          <a:fontRef idx="minor">
+            <a:schemeClr val="lt1"/>
+          </a:fontRef>
+        </p:style>
+      </p:sp>
+      <p:pic>
+        <p:nvPicPr>
+          <p:cNvPr id="3" name="Picture 2">
+            <a:extLst>
+              <a:ext uri="{FF2B5EF4-FFF2-40B4-BE49-F238E27FC236}">
+                <a16:creationId xmlns:a16="http://schemas.microsoft.com/office/drawing/2014/main" id="{DA16714A-7F55-423D-B881-5008843D252E}"/>
+              </a:ext>
+            </a:extLst>
+          </p:cNvPr>
+          <p:cNvPicPr>
+            <a:picLocks noChangeAspect="1"/>
+          </p:cNvPicPr>
+          <p:nvPr/>
+        </p:nvPicPr>
+        <p:blipFill>
+          <a:blip r:embed="rId2"/>
+          <a:stretch>
+            <a:fillRect/>
+          </a:stretch>
+        </p:blipFill>
+        <p:spPr>
+          <a:xfrm>
+            <a:off x="135585" y="2331907"/>
+            <a:ext cx="6129106" cy="3630481"/>
+          </a:xfrm>
+          <a:prstGeom prst="rect">
+            <a:avLst/>
+          </a:prstGeom>
+        </p:spPr>
+      </p:pic>
+      <p:sp>
+        <p:nvSpPr>
+          <p:cNvPr id="12" name="TextBox 11">
+            <a:extLst>
+              <a:ext uri="{FF2B5EF4-FFF2-40B4-BE49-F238E27FC236}">
+                <a16:creationId xmlns:a16="http://schemas.microsoft.com/office/drawing/2014/main" id="{795D2083-801D-429C-9E75-B7A0C456BA0B}"/>
+              </a:ext>
+            </a:extLst>
+          </p:cNvPr>
+          <p:cNvSpPr txBox="1"/>
+          <p:nvPr/>
+        </p:nvSpPr>
+        <p:spPr>
+          <a:xfrm>
+            <a:off x="581191" y="1020431"/>
+            <a:ext cx="10993549" cy="954925"/>
+          </a:xfrm>
+          <a:prstGeom prst="rect">
+            <a:avLst/>
+          </a:prstGeom>
+        </p:spPr>
+        <p:txBody>
+          <a:bodyPr vert="horz" lIns="91440" tIns="45720" rIns="91440" bIns="45720" rtlCol="0" anchor="b">
+            <a:normAutofit fontScale="85000" lnSpcReduction="20000"/>
+          </a:bodyPr>
+          <a:lstStyle/>
+          <a:p>
+            <a:pPr defTabSz="457200">
+              <a:spcBef>
+                <a:spcPct val="0"/>
+              </a:spcBef>
+              <a:spcAft>
+                <a:spcPts val="600"/>
+              </a:spcAft>
+            </a:pPr>
+            <a:r>
+              <a:rPr lang="en-US" sz="3600" cap="all" dirty="0">
+                <a:solidFill>
+                  <a:schemeClr val="tx1">
+                    <a:lumMod val="75000"/>
+                    <a:lumOff val="25000"/>
+                  </a:schemeClr>
+                </a:solidFill>
+                <a:latin typeface="+mj-lt"/>
+                <a:ea typeface="+mj-ea"/>
+                <a:cs typeface="+mj-cs"/>
+              </a:rPr>
+              <a:t>2017  </a:t>
+            </a:r>
+          </a:p>
+          <a:p>
+            <a:pPr defTabSz="457200">
+              <a:spcBef>
+                <a:spcPct val="0"/>
+              </a:spcBef>
+              <a:spcAft>
+                <a:spcPts val="600"/>
+              </a:spcAft>
+            </a:pPr>
+            <a:r>
+              <a:rPr lang="en-US" sz="3600" cap="all" dirty="0">
+                <a:solidFill>
+                  <a:schemeClr val="tx1">
+                    <a:lumMod val="75000"/>
+                    <a:lumOff val="25000"/>
+                  </a:schemeClr>
+                </a:solidFill>
+                <a:latin typeface="+mj-lt"/>
+                <a:ea typeface="+mj-ea"/>
+                <a:cs typeface="+mj-cs"/>
+              </a:rPr>
+              <a:t>Comparison of Top 10 and Bottom 10</a:t>
+            </a:r>
+          </a:p>
+        </p:txBody>
+      </p:sp>
+      <p:pic>
+        <p:nvPicPr>
+          <p:cNvPr id="5" name="Picture 4">
+            <a:extLst>
+              <a:ext uri="{FF2B5EF4-FFF2-40B4-BE49-F238E27FC236}">
+                <a16:creationId xmlns:a16="http://schemas.microsoft.com/office/drawing/2014/main" id="{DBA87D80-A98D-4044-803F-68D9554BD810}"/>
+              </a:ext>
+            </a:extLst>
+          </p:cNvPr>
+          <p:cNvPicPr>
+            <a:picLocks noChangeAspect="1"/>
+          </p:cNvPicPr>
+          <p:nvPr/>
+        </p:nvPicPr>
+        <p:blipFill>
+          <a:blip r:embed="rId3"/>
+          <a:stretch>
+            <a:fillRect/>
+          </a:stretch>
+        </p:blipFill>
+        <p:spPr>
+          <a:xfrm>
+            <a:off x="6110115" y="2331907"/>
+            <a:ext cx="6081885" cy="3630481"/>
+          </a:xfrm>
+          <a:prstGeom prst="rect">
+            <a:avLst/>
+          </a:prstGeom>
+        </p:spPr>
+      </p:pic>
+    </p:spTree>
+    <p:extLst>
+      <p:ext uri="{BB962C8B-B14F-4D97-AF65-F5344CB8AC3E}">
+        <p14:creationId xmlns:p14="http://schemas.microsoft.com/office/powerpoint/2010/main" val="2890033628"/>
+      </p:ext>
+    </p:extLst>
+  </p:cSld>
+  <p:clrMapOvr>
+    <a:masterClrMapping/>
+  </p:clrMapOvr>
+</p:sld>
+</file>
+
+<file path=ppt/slides/slide11.xml><?xml version="1.0" encoding="utf-8"?>
+<p:sld xmlns:a="http://schemas.openxmlformats.org/drawingml/2006/main" xmlns:r="http://schemas.openxmlformats.org/officeDocument/2006/relationships" xmlns:p="http://schemas.openxmlformats.org/presentationml/2006/main">
+  <p:cSld>
+    <p:bg>
+      <p:bgPr>
+        <a:solidFill>
+          <a:schemeClr val="bg1"/>
+        </a:solidFill>
+        <a:effectLst/>
+      </p:bgPr>
+    </p:bg>
+    <p:spTree>
+      <p:nvGrpSpPr>
+        <p:cNvPr id="1" name=""/>
+        <p:cNvGrpSpPr/>
+        <p:nvPr/>
+      </p:nvGrpSpPr>
+      <p:grpSpPr>
+        <a:xfrm>
+          <a:off x="0" y="0"/>
+          <a:ext cx="0" cy="0"/>
+          <a:chOff x="0" y="0"/>
+          <a:chExt cx="0" cy="0"/>
+        </a:xfrm>
+      </p:grpSpPr>
+      <p:sp>
+        <p:nvSpPr>
+          <p:cNvPr id="11" name="Rectangle 10">
+            <a:extLst>
+              <a:ext uri="{FF2B5EF4-FFF2-40B4-BE49-F238E27FC236}">
+                <a16:creationId xmlns:a16="http://schemas.microsoft.com/office/drawing/2014/main" id="{DD651B61-325E-4E73-8445-38B0DE8AAAB6}"/>
+              </a:ext>
+              <a:ext uri="{C183D7F6-B498-43B3-948B-1728B52AA6E4}">
+                <adec:decorative xmlns:adec="http://schemas.microsoft.com/office/drawing/2017/decorative" val="1"/>
+              </a:ext>
+            </a:extLst>
+          </p:cNvPr>
+          <p:cNvSpPr>
+            <a:spLocks noGrp="1" noRot="1" noChangeAspect="1" noMove="1" noResize="1" noEditPoints="1" noAdjustHandles="1" noChangeArrowheads="1" noChangeShapeType="1" noTextEdit="1"/>
+          </p:cNvSpPr>
+          <p:nvPr>
+            <p:extLst>
+              <p:ext uri="{386F3935-93C4-4BCD-93E2-E3B085C9AB24}">
+                <p16:designElem xmlns:p16="http://schemas.microsoft.com/office/powerpoint/2015/main" val="1"/>
+              </p:ext>
+            </p:extLst>
+          </p:nvPr>
+        </p:nvSpPr>
+        <p:spPr>
+          <a:xfrm>
+            <a:off x="446534" y="457200"/>
+            <a:ext cx="3703320" cy="94997"/>
+          </a:xfrm>
+          <a:prstGeom prst="rect">
+            <a:avLst/>
+          </a:prstGeom>
+          <a:solidFill>
+            <a:srgbClr val="465359"/>
+          </a:solidFill>
+          <a:ln>
+            <a:noFill/>
+          </a:ln>
+          <a:effectLst/>
+        </p:spPr>
+        <p:style>
+          <a:lnRef idx="1">
+            <a:schemeClr val="accent1"/>
+          </a:lnRef>
+          <a:fillRef idx="3">
+            <a:schemeClr val="accent1"/>
+          </a:fillRef>
+          <a:effectRef idx="2">
+            <a:schemeClr val="accent1"/>
+          </a:effectRef>
+          <a:fontRef idx="minor">
+            <a:schemeClr val="lt1"/>
+          </a:fontRef>
+        </p:style>
+      </p:sp>
+      <p:sp>
+        <p:nvSpPr>
+          <p:cNvPr id="13" name="Rectangle 12">
+            <a:extLst>
+              <a:ext uri="{FF2B5EF4-FFF2-40B4-BE49-F238E27FC236}">
+                <a16:creationId xmlns:a16="http://schemas.microsoft.com/office/drawing/2014/main" id="{B42E5253-D3AC-4AC2-B766-8B34F13C2F5E}"/>
+              </a:ext>
+              <a:ext uri="{C183D7F6-B498-43B3-948B-1728B52AA6E4}">
+                <adec:decorative xmlns:adec="http://schemas.microsoft.com/office/drawing/2017/decorative" val="1"/>
+              </a:ext>
+            </a:extLst>
+          </p:cNvPr>
+          <p:cNvSpPr>
+            <a:spLocks noGrp="1" noRot="1" noChangeAspect="1" noMove="1" noResize="1" noEditPoints="1" noAdjustHandles="1" noChangeArrowheads="1" noChangeShapeType="1" noTextEdit="1"/>
+          </p:cNvSpPr>
+          <p:nvPr>
+            <p:extLst>
+              <p:ext uri="{386F3935-93C4-4BCD-93E2-E3B085C9AB24}">
+                <p16:designElem xmlns:p16="http://schemas.microsoft.com/office/powerpoint/2015/main" val="1"/>
+              </p:ext>
+            </p:extLst>
+          </p:nvPr>
+        </p:nvSpPr>
+        <p:spPr>
+          <a:xfrm>
+            <a:off x="8042147" y="453643"/>
+            <a:ext cx="3703320" cy="98554"/>
+          </a:xfrm>
+          <a:prstGeom prst="rect">
+            <a:avLst/>
+          </a:prstGeom>
+          <a:solidFill>
+            <a:srgbClr val="969FA7"/>
+          </a:solidFill>
+          <a:ln>
+            <a:noFill/>
+          </a:ln>
+          <a:effectLst/>
+        </p:spPr>
+        <p:style>
+          <a:lnRef idx="1">
+            <a:schemeClr val="accent1"/>
+          </a:lnRef>
+          <a:fillRef idx="3">
+            <a:schemeClr val="accent1"/>
+          </a:fillRef>
+          <a:effectRef idx="2">
+            <a:schemeClr val="accent1"/>
+          </a:effectRef>
+          <a:fontRef idx="minor">
+            <a:schemeClr val="lt1"/>
+          </a:fontRef>
+        </p:style>
+      </p:sp>
+      <p:sp>
+        <p:nvSpPr>
+          <p:cNvPr id="15" name="Rectangle 14">
+            <a:extLst>
+              <a:ext uri="{FF2B5EF4-FFF2-40B4-BE49-F238E27FC236}">
+                <a16:creationId xmlns:a16="http://schemas.microsoft.com/office/drawing/2014/main" id="{10AE8D57-436A-4073-9A75-15BB5949F8B4}"/>
+              </a:ext>
+              <a:ext uri="{C183D7F6-B498-43B3-948B-1728B52AA6E4}">
+                <adec:decorative xmlns:adec="http://schemas.microsoft.com/office/drawing/2017/decorative" val="1"/>
+              </a:ext>
+            </a:extLst>
+          </p:cNvPr>
+          <p:cNvSpPr>
+            <a:spLocks noGrp="1" noRot="1" noChangeAspect="1" noMove="1" noResize="1" noEditPoints="1" noAdjustHandles="1" noChangeArrowheads="1" noChangeShapeType="1" noTextEdit="1"/>
+          </p:cNvSpPr>
+          <p:nvPr>
+            <p:extLst>
+              <p:ext uri="{386F3935-93C4-4BCD-93E2-E3B085C9AB24}">
+                <p16:designElem xmlns:p16="http://schemas.microsoft.com/office/powerpoint/2015/main" val="1"/>
+              </p:ext>
+            </p:extLst>
+          </p:nvPr>
+        </p:nvSpPr>
+        <p:spPr>
+          <a:xfrm>
+            <a:off x="4241830" y="457200"/>
+            <a:ext cx="3703320" cy="91440"/>
+          </a:xfrm>
+          <a:prstGeom prst="rect">
+            <a:avLst/>
+          </a:prstGeom>
+          <a:solidFill>
+            <a:schemeClr val="accent1"/>
+          </a:solidFill>
+          <a:ln>
+            <a:noFill/>
+          </a:ln>
+          <a:effectLst/>
+        </p:spPr>
+        <p:style>
+          <a:lnRef idx="1">
+            <a:schemeClr val="accent1"/>
+          </a:lnRef>
+          <a:fillRef idx="3">
+            <a:schemeClr val="accent1"/>
+          </a:fillRef>
+          <a:effectRef idx="2">
+            <a:schemeClr val="accent1"/>
+          </a:effectRef>
+          <a:fontRef idx="minor">
+            <a:schemeClr val="lt1"/>
+          </a:fontRef>
+        </p:style>
+      </p:sp>
+      <p:sp>
+        <p:nvSpPr>
+          <p:cNvPr id="17" name="Rectangle 16">
+            <a:extLst>
+              <a:ext uri="{FF2B5EF4-FFF2-40B4-BE49-F238E27FC236}">
+                <a16:creationId xmlns:a16="http://schemas.microsoft.com/office/drawing/2014/main" id="{E2852671-8EB6-4EAF-8AF8-65CF3FD66456}"/>
+              </a:ext>
+              <a:ext uri="{C183D7F6-B498-43B3-948B-1728B52AA6E4}">
+                <adec:decorative xmlns:adec="http://schemas.microsoft.com/office/drawing/2017/decorative" val="1"/>
+              </a:ext>
+            </a:extLst>
+          </p:cNvPr>
+          <p:cNvSpPr>
+            <a:spLocks noGrp="1" noRot="1" noChangeAspect="1" noMove="1" noResize="1" noEditPoints="1" noAdjustHandles="1" noChangeArrowheads="1" noChangeShapeType="1" noTextEdit="1"/>
+          </p:cNvSpPr>
+          <p:nvPr>
+            <p:extLst>
+              <p:ext uri="{386F3935-93C4-4BCD-93E2-E3B085C9AB24}">
+                <p16:designElem xmlns:p16="http://schemas.microsoft.com/office/powerpoint/2015/main" val="1"/>
+              </p:ext>
+            </p:extLst>
+          </p:nvPr>
+        </p:nvSpPr>
+        <p:spPr>
+          <a:xfrm>
+            <a:off x="446534" y="3085764"/>
+            <a:ext cx="11298932" cy="3338149"/>
+          </a:xfrm>
+          <a:prstGeom prst="rect">
+            <a:avLst/>
+          </a:prstGeom>
+          <a:solidFill>
+            <a:srgbClr val="465359"/>
+          </a:solidFill>
+          <a:ln>
+            <a:noFill/>
+          </a:ln>
+          <a:effectLst/>
+        </p:spPr>
+        <p:style>
+          <a:lnRef idx="1">
+            <a:schemeClr val="accent1"/>
+          </a:lnRef>
+          <a:fillRef idx="3">
+            <a:schemeClr val="accent1"/>
+          </a:fillRef>
+          <a:effectRef idx="2">
+            <a:schemeClr val="accent1"/>
+          </a:effectRef>
+          <a:fontRef idx="minor">
+            <a:schemeClr val="lt1"/>
+          </a:fontRef>
+        </p:style>
+      </p:sp>
+      <p:sp useBgFill="1">
+        <p:nvSpPr>
+          <p:cNvPr id="19" name="Rectangle 18">
+            <a:extLst>
+              <a:ext uri="{FF2B5EF4-FFF2-40B4-BE49-F238E27FC236}">
+                <a16:creationId xmlns:a16="http://schemas.microsoft.com/office/drawing/2014/main" id="{963FC0CD-F19B-4D9C-9C47-EB7E9D16E444}"/>
+              </a:ext>
+              <a:ext uri="{C183D7F6-B498-43B3-948B-1728B52AA6E4}">
+                <adec:decorative xmlns:adec="http://schemas.microsoft.com/office/drawing/2017/decorative" val="1"/>
+              </a:ext>
+            </a:extLst>
+          </p:cNvPr>
+          <p:cNvSpPr>
+            <a:spLocks noGrp="1" noRot="1" noChangeAspect="1" noMove="1" noResize="1" noEditPoints="1" noAdjustHandles="1" noChangeArrowheads="1" noChangeShapeType="1" noTextEdit="1"/>
+          </p:cNvSpPr>
+          <p:nvPr>
+            <p:extLst>
+              <p:ext uri="{386F3935-93C4-4BCD-93E2-E3B085C9AB24}">
+                <p16:designElem xmlns:p16="http://schemas.microsoft.com/office/powerpoint/2015/main" val="1"/>
+              </p:ext>
+            </p:extLst>
+          </p:nvPr>
+        </p:nvSpPr>
+        <p:spPr>
+          <a:xfrm>
+            <a:off x="0" y="0"/>
+            <a:ext cx="12192000" cy="6858000"/>
+          </a:xfrm>
+          <a:prstGeom prst="rect">
+            <a:avLst/>
+          </a:prstGeom>
           <a:ln>
             <a:noFill/>
           </a:ln>
@@ -5262,49 +5853,1234 @@
       </p:sp>
       <p:sp>
         <p:nvSpPr>
-          <p:cNvPr id="2" name="Title 1">
-            <a:extLst>
-              <a:ext uri="{FF2B5EF4-FFF2-40B4-BE49-F238E27FC236}">
-                <a16:creationId xmlns:a16="http://schemas.microsoft.com/office/drawing/2014/main" id="{36DFBBEB-F626-4E8F-A62A-8B1F1CCC237A}"/>
-              </a:ext>
-            </a:extLst>
-          </p:cNvPr>
-          <p:cNvSpPr>
-            <a:spLocks noGrp="1"/>
-          </p:cNvSpPr>
-          <p:nvPr>
-            <p:ph type="title"/>
-          </p:nvPr>
-        </p:nvSpPr>
-        <p:spPr>
-          <a:xfrm>
-            <a:off x="959157" y="1113764"/>
-            <a:ext cx="3269749" cy="4624327"/>
-          </a:xfrm>
+          <p:cNvPr id="21" name="Rectangle 20">
+            <a:extLst>
+              <a:ext uri="{FF2B5EF4-FFF2-40B4-BE49-F238E27FC236}">
+                <a16:creationId xmlns:a16="http://schemas.microsoft.com/office/drawing/2014/main" id="{2E70159E-5269-4C18-AA0B-D50513DB3B3C}"/>
+              </a:ext>
+              <a:ext uri="{C183D7F6-B498-43B3-948B-1728B52AA6E4}">
+                <adec:decorative xmlns:adec="http://schemas.microsoft.com/office/drawing/2017/decorative" val="1"/>
+              </a:ext>
+            </a:extLst>
+          </p:cNvPr>
+          <p:cNvSpPr>
+            <a:spLocks noGrp="1" noRot="1" noChangeAspect="1" noMove="1" noResize="1" noEditPoints="1" noAdjustHandles="1" noChangeArrowheads="1" noChangeShapeType="1" noTextEdit="1"/>
+          </p:cNvSpPr>
+          <p:nvPr>
+            <p:extLst>
+              <p:ext uri="{386F3935-93C4-4BCD-93E2-E3B085C9AB24}">
+                <p16:designElem xmlns:p16="http://schemas.microsoft.com/office/powerpoint/2015/main" val="1"/>
+              </p:ext>
+            </p:extLst>
+          </p:nvPr>
+        </p:nvSpPr>
+        <p:spPr>
+          <a:xfrm>
+            <a:off x="446534" y="457200"/>
+            <a:ext cx="3703320" cy="94997"/>
+          </a:xfrm>
+          <a:prstGeom prst="rect">
+            <a:avLst/>
+          </a:prstGeom>
+          <a:solidFill>
+            <a:srgbClr val="465359"/>
+          </a:solidFill>
+          <a:ln>
+            <a:noFill/>
+          </a:ln>
+          <a:effectLst/>
+        </p:spPr>
+        <p:style>
+          <a:lnRef idx="1">
+            <a:schemeClr val="accent1"/>
+          </a:lnRef>
+          <a:fillRef idx="3">
+            <a:schemeClr val="accent1"/>
+          </a:fillRef>
+          <a:effectRef idx="2">
+            <a:schemeClr val="accent1"/>
+          </a:effectRef>
+          <a:fontRef idx="minor">
+            <a:schemeClr val="lt1"/>
+          </a:fontRef>
+        </p:style>
+      </p:sp>
+      <p:sp>
+        <p:nvSpPr>
+          <p:cNvPr id="23" name="Rectangle 22">
+            <a:extLst>
+              <a:ext uri="{FF2B5EF4-FFF2-40B4-BE49-F238E27FC236}">
+                <a16:creationId xmlns:a16="http://schemas.microsoft.com/office/drawing/2014/main" id="{BBBE9C8C-98B2-41C2-B47B-9A396CBA2326}"/>
+              </a:ext>
+              <a:ext uri="{C183D7F6-B498-43B3-948B-1728B52AA6E4}">
+                <adec:decorative xmlns:adec="http://schemas.microsoft.com/office/drawing/2017/decorative" val="1"/>
+              </a:ext>
+            </a:extLst>
+          </p:cNvPr>
+          <p:cNvSpPr>
+            <a:spLocks noGrp="1" noRot="1" noChangeAspect="1" noMove="1" noResize="1" noEditPoints="1" noAdjustHandles="1" noChangeArrowheads="1" noChangeShapeType="1" noTextEdit="1"/>
+          </p:cNvSpPr>
+          <p:nvPr>
+            <p:extLst>
+              <p:ext uri="{386F3935-93C4-4BCD-93E2-E3B085C9AB24}">
+                <p16:designElem xmlns:p16="http://schemas.microsoft.com/office/powerpoint/2015/main" val="1"/>
+              </p:ext>
+            </p:extLst>
+          </p:nvPr>
+        </p:nvSpPr>
+        <p:spPr>
+          <a:xfrm>
+            <a:off x="4241830" y="457200"/>
+            <a:ext cx="3703320" cy="91440"/>
+          </a:xfrm>
+          <a:prstGeom prst="rect">
+            <a:avLst/>
+          </a:prstGeom>
+          <a:solidFill>
+            <a:schemeClr val="accent1"/>
+          </a:solidFill>
+          <a:ln>
+            <a:noFill/>
+          </a:ln>
+          <a:effectLst/>
+        </p:spPr>
+        <p:style>
+          <a:lnRef idx="1">
+            <a:schemeClr val="accent1"/>
+          </a:lnRef>
+          <a:fillRef idx="3">
+            <a:schemeClr val="accent1"/>
+          </a:fillRef>
+          <a:effectRef idx="2">
+            <a:schemeClr val="accent1"/>
+          </a:effectRef>
+          <a:fontRef idx="minor">
+            <a:schemeClr val="lt1"/>
+          </a:fontRef>
+        </p:style>
+      </p:sp>
+      <p:sp>
+        <p:nvSpPr>
+          <p:cNvPr id="25" name="Rectangle 24">
+            <a:extLst>
+              <a:ext uri="{FF2B5EF4-FFF2-40B4-BE49-F238E27FC236}">
+                <a16:creationId xmlns:a16="http://schemas.microsoft.com/office/drawing/2014/main" id="{B2ECCA3D-5ECA-4A8B-B9D7-CE6DEB72B952}"/>
+              </a:ext>
+              <a:ext uri="{C183D7F6-B498-43B3-948B-1728B52AA6E4}">
+                <adec:decorative xmlns:adec="http://schemas.microsoft.com/office/drawing/2017/decorative" val="1"/>
+              </a:ext>
+            </a:extLst>
+          </p:cNvPr>
+          <p:cNvSpPr>
+            <a:spLocks noGrp="1" noRot="1" noChangeAspect="1" noMove="1" noResize="1" noEditPoints="1" noAdjustHandles="1" noChangeArrowheads="1" noChangeShapeType="1" noTextEdit="1"/>
+          </p:cNvSpPr>
+          <p:nvPr>
+            <p:extLst>
+              <p:ext uri="{386F3935-93C4-4BCD-93E2-E3B085C9AB24}">
+                <p16:designElem xmlns:p16="http://schemas.microsoft.com/office/powerpoint/2015/main" val="1"/>
+              </p:ext>
+            </p:extLst>
+          </p:nvPr>
+        </p:nvSpPr>
+        <p:spPr>
+          <a:xfrm>
+            <a:off x="8042147" y="453643"/>
+            <a:ext cx="3703320" cy="98554"/>
+          </a:xfrm>
+          <a:prstGeom prst="rect">
+            <a:avLst/>
+          </a:prstGeom>
+          <a:solidFill>
+            <a:srgbClr val="969FA7"/>
+          </a:solidFill>
+          <a:ln>
+            <a:noFill/>
+          </a:ln>
+          <a:effectLst/>
+        </p:spPr>
+        <p:style>
+          <a:lnRef idx="1">
+            <a:schemeClr val="accent1"/>
+          </a:lnRef>
+          <a:fillRef idx="3">
+            <a:schemeClr val="accent1"/>
+          </a:fillRef>
+          <a:effectRef idx="2">
+            <a:schemeClr val="accent1"/>
+          </a:effectRef>
+          <a:fontRef idx="minor">
+            <a:schemeClr val="lt1"/>
+          </a:fontRef>
+        </p:style>
+      </p:sp>
+      <p:pic>
+        <p:nvPicPr>
+          <p:cNvPr id="3" name="Picture 2">
+            <a:extLst>
+              <a:ext uri="{FF2B5EF4-FFF2-40B4-BE49-F238E27FC236}">
+                <a16:creationId xmlns:a16="http://schemas.microsoft.com/office/drawing/2014/main" id="{E4CB7C30-90E2-49D5-8757-72C81C40ED88}"/>
+              </a:ext>
+            </a:extLst>
+          </p:cNvPr>
+          <p:cNvPicPr>
+            <a:picLocks noChangeAspect="1"/>
+          </p:cNvPicPr>
+          <p:nvPr/>
+        </p:nvPicPr>
+        <p:blipFill>
+          <a:blip r:embed="rId2"/>
+          <a:stretch>
+            <a:fillRect/>
+          </a:stretch>
+        </p:blipFill>
+        <p:spPr>
+          <a:xfrm>
+            <a:off x="145909" y="2443589"/>
+            <a:ext cx="5885609" cy="3556545"/>
+          </a:xfrm>
+          <a:prstGeom prst="rect">
+            <a:avLst/>
+          </a:prstGeom>
+        </p:spPr>
+      </p:pic>
+      <p:sp>
+        <p:nvSpPr>
+          <p:cNvPr id="12" name="TextBox 11">
+            <a:extLst>
+              <a:ext uri="{FF2B5EF4-FFF2-40B4-BE49-F238E27FC236}">
+                <a16:creationId xmlns:a16="http://schemas.microsoft.com/office/drawing/2014/main" id="{EB440D1A-20A0-4E53-9435-16BE25A3EE41}"/>
+              </a:ext>
+            </a:extLst>
+          </p:cNvPr>
+          <p:cNvSpPr txBox="1"/>
+          <p:nvPr/>
+        </p:nvSpPr>
+        <p:spPr>
+          <a:xfrm>
+            <a:off x="581191" y="1020431"/>
+            <a:ext cx="10993549" cy="954925"/>
+          </a:xfrm>
+          <a:prstGeom prst="rect">
+            <a:avLst/>
+          </a:prstGeom>
         </p:spPr>
         <p:txBody>
-          <a:bodyPr vert="horz" lIns="91440" tIns="45720" rIns="91440" bIns="45720" rtlCol="0" anchor="ctr">
-            <a:normAutofit/>
+          <a:bodyPr vert="horz" lIns="91440" tIns="45720" rIns="91440" bIns="45720" rtlCol="0" anchor="b">
+            <a:normAutofit fontScale="85000" lnSpcReduction="20000"/>
           </a:bodyPr>
           <a:lstStyle/>
           <a:p>
+            <a:pPr defTabSz="457200">
+              <a:spcBef>
+                <a:spcPct val="0"/>
+              </a:spcBef>
+              <a:spcAft>
+                <a:spcPts val="600"/>
+              </a:spcAft>
+            </a:pPr>
             <a:r>
-              <a:rPr lang="en-US" sz="2800" b="0" kern="1200" cap="all">
+              <a:rPr lang="en-US" sz="3600" cap="all" dirty="0">
+                <a:solidFill>
+                  <a:schemeClr val="tx1">
+                    <a:lumMod val="75000"/>
+                    <a:lumOff val="25000"/>
+                  </a:schemeClr>
+                </a:solidFill>
                 <a:latin typeface="+mj-lt"/>
                 <a:ea typeface="+mj-ea"/>
                 <a:cs typeface="+mj-cs"/>
               </a:rPr>
-              <a:t>conclusion</a:t>
+              <a:t>2018 </a:t>
             </a:r>
           </a:p>
+          <a:p>
+            <a:pPr defTabSz="457200">
+              <a:spcBef>
+                <a:spcPct val="0"/>
+              </a:spcBef>
+              <a:spcAft>
+                <a:spcPts val="600"/>
+              </a:spcAft>
+            </a:pPr>
+            <a:r>
+              <a:rPr lang="en-US" sz="3600" cap="all" dirty="0">
+                <a:solidFill>
+                  <a:schemeClr val="tx1">
+                    <a:lumMod val="75000"/>
+                    <a:lumOff val="25000"/>
+                  </a:schemeClr>
+                </a:solidFill>
+                <a:latin typeface="+mj-lt"/>
+                <a:ea typeface="+mj-ea"/>
+                <a:cs typeface="+mj-cs"/>
+              </a:rPr>
+              <a:t>Comparison of Top 10 and Bottom 10</a:t>
+            </a:r>
+          </a:p>
         </p:txBody>
       </p:sp>
-      <p:sp>
-        <p:nvSpPr>
-          <p:cNvPr id="4" name="Text Placeholder 3">
-            <a:extLst>
-              <a:ext uri="{FF2B5EF4-FFF2-40B4-BE49-F238E27FC236}">
-                <a16:creationId xmlns:a16="http://schemas.microsoft.com/office/drawing/2014/main" id="{B33150C9-730A-43F7-B5B2-E73931849E80}"/>
+      <p:pic>
+        <p:nvPicPr>
+          <p:cNvPr id="5" name="Picture 4">
+            <a:extLst>
+              <a:ext uri="{FF2B5EF4-FFF2-40B4-BE49-F238E27FC236}">
+                <a16:creationId xmlns:a16="http://schemas.microsoft.com/office/drawing/2014/main" id="{DA17822C-C008-4794-AF33-873842947234}"/>
+              </a:ext>
+            </a:extLst>
+          </p:cNvPr>
+          <p:cNvPicPr>
+            <a:picLocks noChangeAspect="1"/>
+          </p:cNvPicPr>
+          <p:nvPr/>
+        </p:nvPicPr>
+        <p:blipFill>
+          <a:blip r:embed="rId3"/>
+          <a:stretch>
+            <a:fillRect/>
+          </a:stretch>
+        </p:blipFill>
+        <p:spPr>
+          <a:xfrm>
+            <a:off x="6199787" y="2499420"/>
+            <a:ext cx="5992213" cy="3500714"/>
+          </a:xfrm>
+          <a:prstGeom prst="rect">
+            <a:avLst/>
+          </a:prstGeom>
+        </p:spPr>
+      </p:pic>
+    </p:spTree>
+    <p:extLst>
+      <p:ext uri="{BB962C8B-B14F-4D97-AF65-F5344CB8AC3E}">
+        <p14:creationId xmlns:p14="http://schemas.microsoft.com/office/powerpoint/2010/main" val="867965941"/>
+      </p:ext>
+    </p:extLst>
+  </p:cSld>
+  <p:clrMapOvr>
+    <a:masterClrMapping/>
+  </p:clrMapOvr>
+</p:sld>
+</file>
+
+<file path=ppt/slides/slide12.xml><?xml version="1.0" encoding="utf-8"?>
+<p:sld xmlns:a="http://schemas.openxmlformats.org/drawingml/2006/main" xmlns:r="http://schemas.openxmlformats.org/officeDocument/2006/relationships" xmlns:p="http://schemas.openxmlformats.org/presentationml/2006/main">
+  <p:cSld>
+    <p:bg>
+      <p:bgPr>
+        <a:solidFill>
+          <a:schemeClr val="bg1"/>
+        </a:solidFill>
+        <a:effectLst/>
+      </p:bgPr>
+    </p:bg>
+    <p:spTree>
+      <p:nvGrpSpPr>
+        <p:cNvPr id="1" name=""/>
+        <p:cNvGrpSpPr/>
+        <p:nvPr/>
+      </p:nvGrpSpPr>
+      <p:grpSpPr>
+        <a:xfrm>
+          <a:off x="0" y="0"/>
+          <a:ext cx="0" cy="0"/>
+          <a:chOff x="0" y="0"/>
+          <a:chExt cx="0" cy="0"/>
+        </a:xfrm>
+      </p:grpSpPr>
+      <p:sp>
+        <p:nvSpPr>
+          <p:cNvPr id="11" name="Rectangle 10">
+            <a:extLst>
+              <a:ext uri="{FF2B5EF4-FFF2-40B4-BE49-F238E27FC236}">
+                <a16:creationId xmlns:a16="http://schemas.microsoft.com/office/drawing/2014/main" id="{DD651B61-325E-4E73-8445-38B0DE8AAAB6}"/>
+              </a:ext>
+              <a:ext uri="{C183D7F6-B498-43B3-948B-1728B52AA6E4}">
+                <adec:decorative xmlns:adec="http://schemas.microsoft.com/office/drawing/2017/decorative" val="1"/>
+              </a:ext>
+            </a:extLst>
+          </p:cNvPr>
+          <p:cNvSpPr>
+            <a:spLocks noGrp="1" noRot="1" noChangeAspect="1" noMove="1" noResize="1" noEditPoints="1" noAdjustHandles="1" noChangeArrowheads="1" noChangeShapeType="1" noTextEdit="1"/>
+          </p:cNvSpPr>
+          <p:nvPr>
+            <p:extLst>
+              <p:ext uri="{386F3935-93C4-4BCD-93E2-E3B085C9AB24}">
+                <p16:designElem xmlns:p16="http://schemas.microsoft.com/office/powerpoint/2015/main" val="1"/>
+              </p:ext>
+            </p:extLst>
+          </p:nvPr>
+        </p:nvSpPr>
+        <p:spPr>
+          <a:xfrm>
+            <a:off x="446534" y="457200"/>
+            <a:ext cx="3703320" cy="94997"/>
+          </a:xfrm>
+          <a:prstGeom prst="rect">
+            <a:avLst/>
+          </a:prstGeom>
+          <a:solidFill>
+            <a:srgbClr val="465359"/>
+          </a:solidFill>
+          <a:ln>
+            <a:noFill/>
+          </a:ln>
+          <a:effectLst/>
+        </p:spPr>
+        <p:style>
+          <a:lnRef idx="1">
+            <a:schemeClr val="accent1"/>
+          </a:lnRef>
+          <a:fillRef idx="3">
+            <a:schemeClr val="accent1"/>
+          </a:fillRef>
+          <a:effectRef idx="2">
+            <a:schemeClr val="accent1"/>
+          </a:effectRef>
+          <a:fontRef idx="minor">
+            <a:schemeClr val="lt1"/>
+          </a:fontRef>
+        </p:style>
+      </p:sp>
+      <p:sp>
+        <p:nvSpPr>
+          <p:cNvPr id="13" name="Rectangle 12">
+            <a:extLst>
+              <a:ext uri="{FF2B5EF4-FFF2-40B4-BE49-F238E27FC236}">
+                <a16:creationId xmlns:a16="http://schemas.microsoft.com/office/drawing/2014/main" id="{B42E5253-D3AC-4AC2-B766-8B34F13C2F5E}"/>
+              </a:ext>
+              <a:ext uri="{C183D7F6-B498-43B3-948B-1728B52AA6E4}">
+                <adec:decorative xmlns:adec="http://schemas.microsoft.com/office/drawing/2017/decorative" val="1"/>
+              </a:ext>
+            </a:extLst>
+          </p:cNvPr>
+          <p:cNvSpPr>
+            <a:spLocks noGrp="1" noRot="1" noChangeAspect="1" noMove="1" noResize="1" noEditPoints="1" noAdjustHandles="1" noChangeArrowheads="1" noChangeShapeType="1" noTextEdit="1"/>
+          </p:cNvSpPr>
+          <p:nvPr>
+            <p:extLst>
+              <p:ext uri="{386F3935-93C4-4BCD-93E2-E3B085C9AB24}">
+                <p16:designElem xmlns:p16="http://schemas.microsoft.com/office/powerpoint/2015/main" val="1"/>
+              </p:ext>
+            </p:extLst>
+          </p:nvPr>
+        </p:nvSpPr>
+        <p:spPr>
+          <a:xfrm>
+            <a:off x="8042147" y="453643"/>
+            <a:ext cx="3703320" cy="98554"/>
+          </a:xfrm>
+          <a:prstGeom prst="rect">
+            <a:avLst/>
+          </a:prstGeom>
+          <a:solidFill>
+            <a:srgbClr val="969FA7"/>
+          </a:solidFill>
+          <a:ln>
+            <a:noFill/>
+          </a:ln>
+          <a:effectLst/>
+        </p:spPr>
+        <p:style>
+          <a:lnRef idx="1">
+            <a:schemeClr val="accent1"/>
+          </a:lnRef>
+          <a:fillRef idx="3">
+            <a:schemeClr val="accent1"/>
+          </a:fillRef>
+          <a:effectRef idx="2">
+            <a:schemeClr val="accent1"/>
+          </a:effectRef>
+          <a:fontRef idx="minor">
+            <a:schemeClr val="lt1"/>
+          </a:fontRef>
+        </p:style>
+      </p:sp>
+      <p:sp>
+        <p:nvSpPr>
+          <p:cNvPr id="15" name="Rectangle 14">
+            <a:extLst>
+              <a:ext uri="{FF2B5EF4-FFF2-40B4-BE49-F238E27FC236}">
+                <a16:creationId xmlns:a16="http://schemas.microsoft.com/office/drawing/2014/main" id="{10AE8D57-436A-4073-9A75-15BB5949F8B4}"/>
+              </a:ext>
+              <a:ext uri="{C183D7F6-B498-43B3-948B-1728B52AA6E4}">
+                <adec:decorative xmlns:adec="http://schemas.microsoft.com/office/drawing/2017/decorative" val="1"/>
+              </a:ext>
+            </a:extLst>
+          </p:cNvPr>
+          <p:cNvSpPr>
+            <a:spLocks noGrp="1" noRot="1" noChangeAspect="1" noMove="1" noResize="1" noEditPoints="1" noAdjustHandles="1" noChangeArrowheads="1" noChangeShapeType="1" noTextEdit="1"/>
+          </p:cNvSpPr>
+          <p:nvPr>
+            <p:extLst>
+              <p:ext uri="{386F3935-93C4-4BCD-93E2-E3B085C9AB24}">
+                <p16:designElem xmlns:p16="http://schemas.microsoft.com/office/powerpoint/2015/main" val="1"/>
+              </p:ext>
+            </p:extLst>
+          </p:nvPr>
+        </p:nvSpPr>
+        <p:spPr>
+          <a:xfrm>
+            <a:off x="4241830" y="457200"/>
+            <a:ext cx="3703320" cy="91440"/>
+          </a:xfrm>
+          <a:prstGeom prst="rect">
+            <a:avLst/>
+          </a:prstGeom>
+          <a:solidFill>
+            <a:schemeClr val="accent1"/>
+          </a:solidFill>
+          <a:ln>
+            <a:noFill/>
+          </a:ln>
+          <a:effectLst/>
+        </p:spPr>
+        <p:style>
+          <a:lnRef idx="1">
+            <a:schemeClr val="accent1"/>
+          </a:lnRef>
+          <a:fillRef idx="3">
+            <a:schemeClr val="accent1"/>
+          </a:fillRef>
+          <a:effectRef idx="2">
+            <a:schemeClr val="accent1"/>
+          </a:effectRef>
+          <a:fontRef idx="minor">
+            <a:schemeClr val="lt1"/>
+          </a:fontRef>
+        </p:style>
+      </p:sp>
+      <p:sp>
+        <p:nvSpPr>
+          <p:cNvPr id="17" name="Rectangle 16">
+            <a:extLst>
+              <a:ext uri="{FF2B5EF4-FFF2-40B4-BE49-F238E27FC236}">
+                <a16:creationId xmlns:a16="http://schemas.microsoft.com/office/drawing/2014/main" id="{E2852671-8EB6-4EAF-8AF8-65CF3FD66456}"/>
+              </a:ext>
+              <a:ext uri="{C183D7F6-B498-43B3-948B-1728B52AA6E4}">
+                <adec:decorative xmlns:adec="http://schemas.microsoft.com/office/drawing/2017/decorative" val="1"/>
+              </a:ext>
+            </a:extLst>
+          </p:cNvPr>
+          <p:cNvSpPr>
+            <a:spLocks noGrp="1" noRot="1" noChangeAspect="1" noMove="1" noResize="1" noEditPoints="1" noAdjustHandles="1" noChangeArrowheads="1" noChangeShapeType="1" noTextEdit="1"/>
+          </p:cNvSpPr>
+          <p:nvPr>
+            <p:extLst>
+              <p:ext uri="{386F3935-93C4-4BCD-93E2-E3B085C9AB24}">
+                <p16:designElem xmlns:p16="http://schemas.microsoft.com/office/powerpoint/2015/main" val="1"/>
+              </p:ext>
+            </p:extLst>
+          </p:nvPr>
+        </p:nvSpPr>
+        <p:spPr>
+          <a:xfrm>
+            <a:off x="446534" y="3085764"/>
+            <a:ext cx="11298932" cy="3338149"/>
+          </a:xfrm>
+          <a:prstGeom prst="rect">
+            <a:avLst/>
+          </a:prstGeom>
+          <a:solidFill>
+            <a:srgbClr val="465359"/>
+          </a:solidFill>
+          <a:ln>
+            <a:noFill/>
+          </a:ln>
+          <a:effectLst/>
+        </p:spPr>
+        <p:style>
+          <a:lnRef idx="1">
+            <a:schemeClr val="accent1"/>
+          </a:lnRef>
+          <a:fillRef idx="3">
+            <a:schemeClr val="accent1"/>
+          </a:fillRef>
+          <a:effectRef idx="2">
+            <a:schemeClr val="accent1"/>
+          </a:effectRef>
+          <a:fontRef idx="minor">
+            <a:schemeClr val="lt1"/>
+          </a:fontRef>
+        </p:style>
+      </p:sp>
+      <p:sp useBgFill="1">
+        <p:nvSpPr>
+          <p:cNvPr id="19" name="Rectangle 18">
+            <a:extLst>
+              <a:ext uri="{FF2B5EF4-FFF2-40B4-BE49-F238E27FC236}">
+                <a16:creationId xmlns:a16="http://schemas.microsoft.com/office/drawing/2014/main" id="{963FC0CD-F19B-4D9C-9C47-EB7E9D16E444}"/>
+              </a:ext>
+              <a:ext uri="{C183D7F6-B498-43B3-948B-1728B52AA6E4}">
+                <adec:decorative xmlns:adec="http://schemas.microsoft.com/office/drawing/2017/decorative" val="1"/>
+              </a:ext>
+            </a:extLst>
+          </p:cNvPr>
+          <p:cNvSpPr>
+            <a:spLocks noGrp="1" noRot="1" noChangeAspect="1" noMove="1" noResize="1" noEditPoints="1" noAdjustHandles="1" noChangeArrowheads="1" noChangeShapeType="1" noTextEdit="1"/>
+          </p:cNvSpPr>
+          <p:nvPr>
+            <p:extLst>
+              <p:ext uri="{386F3935-93C4-4BCD-93E2-E3B085C9AB24}">
+                <p16:designElem xmlns:p16="http://schemas.microsoft.com/office/powerpoint/2015/main" val="1"/>
+              </p:ext>
+            </p:extLst>
+          </p:nvPr>
+        </p:nvSpPr>
+        <p:spPr>
+          <a:xfrm>
+            <a:off x="0" y="0"/>
+            <a:ext cx="12192000" cy="6858000"/>
+          </a:xfrm>
+          <a:prstGeom prst="rect">
+            <a:avLst/>
+          </a:prstGeom>
+          <a:ln>
+            <a:noFill/>
+          </a:ln>
+        </p:spPr>
+        <p:style>
+          <a:lnRef idx="2">
+            <a:schemeClr val="accent1">
+              <a:shade val="50000"/>
+            </a:schemeClr>
+          </a:lnRef>
+          <a:fillRef idx="1">
+            <a:schemeClr val="accent1"/>
+          </a:fillRef>
+          <a:effectRef idx="0">
+            <a:schemeClr val="accent1"/>
+          </a:effectRef>
+          <a:fontRef idx="minor">
+            <a:schemeClr val="lt1"/>
+          </a:fontRef>
+        </p:style>
+        <p:txBody>
+          <a:bodyPr rtlCol="0" anchor="ctr"/>
+          <a:lstStyle/>
+          <a:p>
+            <a:pPr algn="ctr"/>
+            <a:endParaRPr lang="en-US"/>
+          </a:p>
+        </p:txBody>
+      </p:sp>
+      <p:sp>
+        <p:nvSpPr>
+          <p:cNvPr id="21" name="Rectangle 20">
+            <a:extLst>
+              <a:ext uri="{FF2B5EF4-FFF2-40B4-BE49-F238E27FC236}">
+                <a16:creationId xmlns:a16="http://schemas.microsoft.com/office/drawing/2014/main" id="{2E70159E-5269-4C18-AA0B-D50513DB3B3C}"/>
+              </a:ext>
+              <a:ext uri="{C183D7F6-B498-43B3-948B-1728B52AA6E4}">
+                <adec:decorative xmlns:adec="http://schemas.microsoft.com/office/drawing/2017/decorative" val="1"/>
+              </a:ext>
+            </a:extLst>
+          </p:cNvPr>
+          <p:cNvSpPr>
+            <a:spLocks noGrp="1" noRot="1" noChangeAspect="1" noMove="1" noResize="1" noEditPoints="1" noAdjustHandles="1" noChangeArrowheads="1" noChangeShapeType="1" noTextEdit="1"/>
+          </p:cNvSpPr>
+          <p:nvPr>
+            <p:extLst>
+              <p:ext uri="{386F3935-93C4-4BCD-93E2-E3B085C9AB24}">
+                <p16:designElem xmlns:p16="http://schemas.microsoft.com/office/powerpoint/2015/main" val="1"/>
+              </p:ext>
+            </p:extLst>
+          </p:nvPr>
+        </p:nvSpPr>
+        <p:spPr>
+          <a:xfrm>
+            <a:off x="446534" y="457200"/>
+            <a:ext cx="3703320" cy="94997"/>
+          </a:xfrm>
+          <a:prstGeom prst="rect">
+            <a:avLst/>
+          </a:prstGeom>
+          <a:solidFill>
+            <a:srgbClr val="465359"/>
+          </a:solidFill>
+          <a:ln>
+            <a:noFill/>
+          </a:ln>
+          <a:effectLst/>
+        </p:spPr>
+        <p:style>
+          <a:lnRef idx="1">
+            <a:schemeClr val="accent1"/>
+          </a:lnRef>
+          <a:fillRef idx="3">
+            <a:schemeClr val="accent1"/>
+          </a:fillRef>
+          <a:effectRef idx="2">
+            <a:schemeClr val="accent1"/>
+          </a:effectRef>
+          <a:fontRef idx="minor">
+            <a:schemeClr val="lt1"/>
+          </a:fontRef>
+        </p:style>
+      </p:sp>
+      <p:sp>
+        <p:nvSpPr>
+          <p:cNvPr id="23" name="Rectangle 22">
+            <a:extLst>
+              <a:ext uri="{FF2B5EF4-FFF2-40B4-BE49-F238E27FC236}">
+                <a16:creationId xmlns:a16="http://schemas.microsoft.com/office/drawing/2014/main" id="{BBBE9C8C-98B2-41C2-B47B-9A396CBA2326}"/>
+              </a:ext>
+              <a:ext uri="{C183D7F6-B498-43B3-948B-1728B52AA6E4}">
+                <adec:decorative xmlns:adec="http://schemas.microsoft.com/office/drawing/2017/decorative" val="1"/>
+              </a:ext>
+            </a:extLst>
+          </p:cNvPr>
+          <p:cNvSpPr>
+            <a:spLocks noGrp="1" noRot="1" noChangeAspect="1" noMove="1" noResize="1" noEditPoints="1" noAdjustHandles="1" noChangeArrowheads="1" noChangeShapeType="1" noTextEdit="1"/>
+          </p:cNvSpPr>
+          <p:nvPr>
+            <p:extLst>
+              <p:ext uri="{386F3935-93C4-4BCD-93E2-E3B085C9AB24}">
+                <p16:designElem xmlns:p16="http://schemas.microsoft.com/office/powerpoint/2015/main" val="1"/>
+              </p:ext>
+            </p:extLst>
+          </p:nvPr>
+        </p:nvSpPr>
+        <p:spPr>
+          <a:xfrm>
+            <a:off x="4241830" y="457200"/>
+            <a:ext cx="3703320" cy="91440"/>
+          </a:xfrm>
+          <a:prstGeom prst="rect">
+            <a:avLst/>
+          </a:prstGeom>
+          <a:solidFill>
+            <a:schemeClr val="accent1"/>
+          </a:solidFill>
+          <a:ln>
+            <a:noFill/>
+          </a:ln>
+          <a:effectLst/>
+        </p:spPr>
+        <p:style>
+          <a:lnRef idx="1">
+            <a:schemeClr val="accent1"/>
+          </a:lnRef>
+          <a:fillRef idx="3">
+            <a:schemeClr val="accent1"/>
+          </a:fillRef>
+          <a:effectRef idx="2">
+            <a:schemeClr val="accent1"/>
+          </a:effectRef>
+          <a:fontRef idx="minor">
+            <a:schemeClr val="lt1"/>
+          </a:fontRef>
+        </p:style>
+      </p:sp>
+      <p:sp>
+        <p:nvSpPr>
+          <p:cNvPr id="25" name="Rectangle 24">
+            <a:extLst>
+              <a:ext uri="{FF2B5EF4-FFF2-40B4-BE49-F238E27FC236}">
+                <a16:creationId xmlns:a16="http://schemas.microsoft.com/office/drawing/2014/main" id="{B2ECCA3D-5ECA-4A8B-B9D7-CE6DEB72B952}"/>
+              </a:ext>
+              <a:ext uri="{C183D7F6-B498-43B3-948B-1728B52AA6E4}">
+                <adec:decorative xmlns:adec="http://schemas.microsoft.com/office/drawing/2017/decorative" val="1"/>
+              </a:ext>
+            </a:extLst>
+          </p:cNvPr>
+          <p:cNvSpPr>
+            <a:spLocks noGrp="1" noRot="1" noChangeAspect="1" noMove="1" noResize="1" noEditPoints="1" noAdjustHandles="1" noChangeArrowheads="1" noChangeShapeType="1" noTextEdit="1"/>
+          </p:cNvSpPr>
+          <p:nvPr>
+            <p:extLst>
+              <p:ext uri="{386F3935-93C4-4BCD-93E2-E3B085C9AB24}">
+                <p16:designElem xmlns:p16="http://schemas.microsoft.com/office/powerpoint/2015/main" val="1"/>
+              </p:ext>
+            </p:extLst>
+          </p:nvPr>
+        </p:nvSpPr>
+        <p:spPr>
+          <a:xfrm>
+            <a:off x="8042147" y="453643"/>
+            <a:ext cx="3703320" cy="98554"/>
+          </a:xfrm>
+          <a:prstGeom prst="rect">
+            <a:avLst/>
+          </a:prstGeom>
+          <a:solidFill>
+            <a:srgbClr val="969FA7"/>
+          </a:solidFill>
+          <a:ln>
+            <a:noFill/>
+          </a:ln>
+          <a:effectLst/>
+        </p:spPr>
+        <p:style>
+          <a:lnRef idx="1">
+            <a:schemeClr val="accent1"/>
+          </a:lnRef>
+          <a:fillRef idx="3">
+            <a:schemeClr val="accent1"/>
+          </a:fillRef>
+          <a:effectRef idx="2">
+            <a:schemeClr val="accent1"/>
+          </a:effectRef>
+          <a:fontRef idx="minor">
+            <a:schemeClr val="lt1"/>
+          </a:fontRef>
+        </p:style>
+      </p:sp>
+      <p:pic>
+        <p:nvPicPr>
+          <p:cNvPr id="3" name="Picture 2">
+            <a:extLst>
+              <a:ext uri="{FF2B5EF4-FFF2-40B4-BE49-F238E27FC236}">
+                <a16:creationId xmlns:a16="http://schemas.microsoft.com/office/drawing/2014/main" id="{6C210ECC-4CE4-49C2-AF93-FA9D1552D94B}"/>
+              </a:ext>
+            </a:extLst>
+          </p:cNvPr>
+          <p:cNvPicPr>
+            <a:picLocks noChangeAspect="1"/>
+          </p:cNvPicPr>
+          <p:nvPr/>
+        </p:nvPicPr>
+        <p:blipFill>
+          <a:blip r:embed="rId2"/>
+          <a:stretch>
+            <a:fillRect/>
+          </a:stretch>
+        </p:blipFill>
+        <p:spPr>
+          <a:xfrm>
+            <a:off x="264416" y="2299449"/>
+            <a:ext cx="5903845" cy="3538119"/>
+          </a:xfrm>
+          <a:prstGeom prst="rect">
+            <a:avLst/>
+          </a:prstGeom>
+        </p:spPr>
+      </p:pic>
+      <p:sp>
+        <p:nvSpPr>
+          <p:cNvPr id="12" name="TextBox 11">
+            <a:extLst>
+              <a:ext uri="{FF2B5EF4-FFF2-40B4-BE49-F238E27FC236}">
+                <a16:creationId xmlns:a16="http://schemas.microsoft.com/office/drawing/2014/main" id="{6555A007-49A4-4016-9F14-E20F2561A994}"/>
+              </a:ext>
+            </a:extLst>
+          </p:cNvPr>
+          <p:cNvSpPr txBox="1"/>
+          <p:nvPr/>
+        </p:nvSpPr>
+        <p:spPr>
+          <a:xfrm>
+            <a:off x="581191" y="1020431"/>
+            <a:ext cx="10993549" cy="954925"/>
+          </a:xfrm>
+          <a:prstGeom prst="rect">
+            <a:avLst/>
+          </a:prstGeom>
+        </p:spPr>
+        <p:txBody>
+          <a:bodyPr vert="horz" lIns="91440" tIns="45720" rIns="91440" bIns="45720" rtlCol="0" anchor="b">
+            <a:normAutofit fontScale="85000" lnSpcReduction="20000"/>
+          </a:bodyPr>
+          <a:lstStyle/>
+          <a:p>
+            <a:pPr defTabSz="457200">
+              <a:spcBef>
+                <a:spcPct val="0"/>
+              </a:spcBef>
+              <a:spcAft>
+                <a:spcPts val="600"/>
+              </a:spcAft>
+            </a:pPr>
+            <a:r>
+              <a:rPr lang="en-US" sz="3600" cap="all" dirty="0">
+                <a:solidFill>
+                  <a:schemeClr val="tx1">
+                    <a:lumMod val="75000"/>
+                    <a:lumOff val="25000"/>
+                  </a:schemeClr>
+                </a:solidFill>
+                <a:latin typeface="+mj-lt"/>
+                <a:ea typeface="+mj-ea"/>
+                <a:cs typeface="+mj-cs"/>
+              </a:rPr>
+              <a:t>2019  </a:t>
+            </a:r>
+          </a:p>
+          <a:p>
+            <a:pPr defTabSz="457200">
+              <a:spcBef>
+                <a:spcPct val="0"/>
+              </a:spcBef>
+              <a:spcAft>
+                <a:spcPts val="600"/>
+              </a:spcAft>
+            </a:pPr>
+            <a:r>
+              <a:rPr lang="en-US" sz="3600" cap="all" dirty="0">
+                <a:solidFill>
+                  <a:schemeClr val="tx1">
+                    <a:lumMod val="75000"/>
+                    <a:lumOff val="25000"/>
+                  </a:schemeClr>
+                </a:solidFill>
+                <a:latin typeface="+mj-lt"/>
+                <a:ea typeface="+mj-ea"/>
+                <a:cs typeface="+mj-cs"/>
+              </a:rPr>
+              <a:t>Comparison of Top 10 and Bottom 10</a:t>
+            </a:r>
+          </a:p>
+        </p:txBody>
+      </p:sp>
+      <p:pic>
+        <p:nvPicPr>
+          <p:cNvPr id="5" name="Picture 4">
+            <a:extLst>
+              <a:ext uri="{FF2B5EF4-FFF2-40B4-BE49-F238E27FC236}">
+                <a16:creationId xmlns:a16="http://schemas.microsoft.com/office/drawing/2014/main" id="{E9E202A0-F2E6-40DD-B4B7-6CA49B3B3255}"/>
+              </a:ext>
+            </a:extLst>
+          </p:cNvPr>
+          <p:cNvPicPr>
+            <a:picLocks noChangeAspect="1"/>
+          </p:cNvPicPr>
+          <p:nvPr/>
+        </p:nvPicPr>
+        <p:blipFill>
+          <a:blip r:embed="rId3"/>
+          <a:stretch>
+            <a:fillRect/>
+          </a:stretch>
+        </p:blipFill>
+        <p:spPr>
+          <a:xfrm>
+            <a:off x="6048451" y="2295892"/>
+            <a:ext cx="6089344" cy="3538119"/>
+          </a:xfrm>
+          <a:prstGeom prst="rect">
+            <a:avLst/>
+          </a:prstGeom>
+        </p:spPr>
+      </p:pic>
+    </p:spTree>
+    <p:extLst>
+      <p:ext uri="{BB962C8B-B14F-4D97-AF65-F5344CB8AC3E}">
+        <p14:creationId xmlns:p14="http://schemas.microsoft.com/office/powerpoint/2010/main" val="980066650"/>
+      </p:ext>
+    </p:extLst>
+  </p:cSld>
+  <p:clrMapOvr>
+    <a:masterClrMapping/>
+  </p:clrMapOvr>
+</p:sld>
+</file>
+
+<file path=ppt/slides/slide13.xml><?xml version="1.0" encoding="utf-8"?>
+<p:sld xmlns:a="http://schemas.openxmlformats.org/drawingml/2006/main" xmlns:r="http://schemas.openxmlformats.org/officeDocument/2006/relationships" xmlns:p="http://schemas.openxmlformats.org/presentationml/2006/main">
+  <p:cSld>
+    <p:bg>
+      <p:bgPr>
+        <a:solidFill>
+          <a:schemeClr val="bg1"/>
+        </a:solidFill>
+        <a:effectLst/>
+      </p:bgPr>
+    </p:bg>
+    <p:spTree>
+      <p:nvGrpSpPr>
+        <p:cNvPr id="1" name=""/>
+        <p:cNvGrpSpPr/>
+        <p:nvPr/>
+      </p:nvGrpSpPr>
+      <p:grpSpPr>
+        <a:xfrm>
+          <a:off x="0" y="0"/>
+          <a:ext cx="0" cy="0"/>
+          <a:chOff x="0" y="0"/>
+          <a:chExt cx="0" cy="0"/>
+        </a:xfrm>
+      </p:grpSpPr>
+      <p:sp>
+        <p:nvSpPr>
+          <p:cNvPr id="11" name="Rectangle 10">
+            <a:extLst>
+              <a:ext uri="{FF2B5EF4-FFF2-40B4-BE49-F238E27FC236}">
+                <a16:creationId xmlns:a16="http://schemas.microsoft.com/office/drawing/2014/main" id="{E6C8E6EB-4C59-429B-97E4-72A058CFC4FB}"/>
+              </a:ext>
+              <a:ext uri="{C183D7F6-B498-43B3-948B-1728B52AA6E4}">
+                <adec:decorative xmlns:adec="http://schemas.microsoft.com/office/drawing/2017/decorative" val="1"/>
+              </a:ext>
+            </a:extLst>
+          </p:cNvPr>
+          <p:cNvSpPr>
+            <a:spLocks noGrp="1" noRot="1" noChangeAspect="1" noMove="1" noResize="1" noEditPoints="1" noAdjustHandles="1" noChangeArrowheads="1" noChangeShapeType="1" noTextEdit="1"/>
+          </p:cNvSpPr>
+          <p:nvPr>
+            <p:extLst>
+              <p:ext uri="{386F3935-93C4-4BCD-93E2-E3B085C9AB24}">
+                <p16:designElem xmlns:p16="http://schemas.microsoft.com/office/powerpoint/2015/main" val="1"/>
+              </p:ext>
+            </p:extLst>
+          </p:nvPr>
+        </p:nvSpPr>
+        <p:spPr>
+          <a:xfrm>
+            <a:off x="446534" y="457200"/>
+            <a:ext cx="3703320" cy="94997"/>
+          </a:xfrm>
+          <a:prstGeom prst="rect">
+            <a:avLst/>
+          </a:prstGeom>
+          <a:solidFill>
+            <a:srgbClr val="465359"/>
+          </a:solidFill>
+          <a:ln>
+            <a:noFill/>
+          </a:ln>
+          <a:effectLst/>
+        </p:spPr>
+        <p:style>
+          <a:lnRef idx="1">
+            <a:schemeClr val="accent1"/>
+          </a:lnRef>
+          <a:fillRef idx="3">
+            <a:schemeClr val="accent1"/>
+          </a:fillRef>
+          <a:effectRef idx="2">
+            <a:schemeClr val="accent1"/>
+          </a:effectRef>
+          <a:fontRef idx="minor">
+            <a:schemeClr val="lt1"/>
+          </a:fontRef>
+        </p:style>
+      </p:sp>
+      <p:sp>
+        <p:nvSpPr>
+          <p:cNvPr id="13" name="Rectangle 12">
+            <a:extLst>
+              <a:ext uri="{FF2B5EF4-FFF2-40B4-BE49-F238E27FC236}">
+                <a16:creationId xmlns:a16="http://schemas.microsoft.com/office/drawing/2014/main" id="{B5B90362-AFCC-46A9-B41C-A257A8C5B314}"/>
+              </a:ext>
+              <a:ext uri="{C183D7F6-B498-43B3-948B-1728B52AA6E4}">
+                <adec:decorative xmlns:adec="http://schemas.microsoft.com/office/drawing/2017/decorative" val="1"/>
+              </a:ext>
+            </a:extLst>
+          </p:cNvPr>
+          <p:cNvSpPr>
+            <a:spLocks noGrp="1" noRot="1" noChangeAspect="1" noMove="1" noResize="1" noEditPoints="1" noAdjustHandles="1" noChangeArrowheads="1" noChangeShapeType="1" noTextEdit="1"/>
+          </p:cNvSpPr>
+          <p:nvPr>
+            <p:extLst>
+              <p:ext uri="{386F3935-93C4-4BCD-93E2-E3B085C9AB24}">
+                <p16:designElem xmlns:p16="http://schemas.microsoft.com/office/powerpoint/2015/main" val="1"/>
+              </p:ext>
+            </p:extLst>
+          </p:nvPr>
+        </p:nvSpPr>
+        <p:spPr>
+          <a:xfrm>
+            <a:off x="8042147" y="453643"/>
+            <a:ext cx="3703320" cy="98554"/>
+          </a:xfrm>
+          <a:prstGeom prst="rect">
+            <a:avLst/>
+          </a:prstGeom>
+          <a:solidFill>
+            <a:srgbClr val="969FA7"/>
+          </a:solidFill>
+          <a:ln>
+            <a:noFill/>
+          </a:ln>
+          <a:effectLst/>
+        </p:spPr>
+        <p:style>
+          <a:lnRef idx="1">
+            <a:schemeClr val="accent1"/>
+          </a:lnRef>
+          <a:fillRef idx="3">
+            <a:schemeClr val="accent1"/>
+          </a:fillRef>
+          <a:effectRef idx="2">
+            <a:schemeClr val="accent1"/>
+          </a:effectRef>
+          <a:fontRef idx="minor">
+            <a:schemeClr val="lt1"/>
+          </a:fontRef>
+        </p:style>
+      </p:sp>
+      <p:sp>
+        <p:nvSpPr>
+          <p:cNvPr id="15" name="Rectangle 14">
+            <a:extLst>
+              <a:ext uri="{FF2B5EF4-FFF2-40B4-BE49-F238E27FC236}">
+                <a16:creationId xmlns:a16="http://schemas.microsoft.com/office/drawing/2014/main" id="{F71EF7F1-38BA-471D-8CD4-2A9AE8E35527}"/>
+              </a:ext>
+              <a:ext uri="{C183D7F6-B498-43B3-948B-1728B52AA6E4}">
+                <adec:decorative xmlns:adec="http://schemas.microsoft.com/office/drawing/2017/decorative" val="1"/>
+              </a:ext>
+            </a:extLst>
+          </p:cNvPr>
+          <p:cNvSpPr>
+            <a:spLocks noGrp="1" noRot="1" noChangeAspect="1" noMove="1" noResize="1" noEditPoints="1" noAdjustHandles="1" noChangeArrowheads="1" noChangeShapeType="1" noTextEdit="1"/>
+          </p:cNvSpPr>
+          <p:nvPr>
+            <p:extLst>
+              <p:ext uri="{386F3935-93C4-4BCD-93E2-E3B085C9AB24}">
+                <p16:designElem xmlns:p16="http://schemas.microsoft.com/office/powerpoint/2015/main" val="1"/>
+              </p:ext>
+            </p:extLst>
+          </p:nvPr>
+        </p:nvSpPr>
+        <p:spPr>
+          <a:xfrm>
+            <a:off x="4241830" y="457200"/>
+            <a:ext cx="3703320" cy="91440"/>
+          </a:xfrm>
+          <a:prstGeom prst="rect">
+            <a:avLst/>
+          </a:prstGeom>
+          <a:solidFill>
+            <a:schemeClr val="accent1"/>
+          </a:solidFill>
+          <a:ln>
+            <a:noFill/>
+          </a:ln>
+          <a:effectLst/>
+        </p:spPr>
+        <p:style>
+          <a:lnRef idx="1">
+            <a:schemeClr val="accent1"/>
+          </a:lnRef>
+          <a:fillRef idx="3">
+            <a:schemeClr val="accent1"/>
+          </a:fillRef>
+          <a:effectRef idx="2">
+            <a:schemeClr val="accent1"/>
+          </a:effectRef>
+          <a:fontRef idx="minor">
+            <a:schemeClr val="lt1"/>
+          </a:fontRef>
+        </p:style>
+      </p:sp>
+      <p:sp>
+        <p:nvSpPr>
+          <p:cNvPr id="17" name="Rectangle 16">
+            <a:extLst>
+              <a:ext uri="{FF2B5EF4-FFF2-40B4-BE49-F238E27FC236}">
+                <a16:creationId xmlns:a16="http://schemas.microsoft.com/office/drawing/2014/main" id="{C0524398-BFB4-4C4A-8317-83B8729F9B26}"/>
+              </a:ext>
+              <a:ext uri="{C183D7F6-B498-43B3-948B-1728B52AA6E4}">
+                <adec:decorative xmlns:adec="http://schemas.microsoft.com/office/drawing/2017/decorative" val="1"/>
+              </a:ext>
+            </a:extLst>
+          </p:cNvPr>
+          <p:cNvSpPr>
+            <a:spLocks noGrp="1" noRot="1" noChangeAspect="1" noMove="1" noResize="1" noEditPoints="1" noAdjustHandles="1" noChangeArrowheads="1" noChangeShapeType="1" noTextEdit="1"/>
+          </p:cNvSpPr>
+          <p:nvPr>
+            <p:extLst>
+              <p:ext uri="{386F3935-93C4-4BCD-93E2-E3B085C9AB24}">
+                <p16:designElem xmlns:p16="http://schemas.microsoft.com/office/powerpoint/2015/main" val="1"/>
+              </p:ext>
+            </p:extLst>
+          </p:nvPr>
+        </p:nvSpPr>
+        <p:spPr>
+          <a:xfrm>
+            <a:off x="446534" y="3085764"/>
+            <a:ext cx="11298932" cy="3338149"/>
+          </a:xfrm>
+          <a:prstGeom prst="rect">
+            <a:avLst/>
+          </a:prstGeom>
+          <a:solidFill>
+            <a:srgbClr val="465359"/>
+          </a:solidFill>
+          <a:ln>
+            <a:noFill/>
+          </a:ln>
+          <a:effectLst/>
+        </p:spPr>
+        <p:style>
+          <a:lnRef idx="1">
+            <a:schemeClr val="accent1"/>
+          </a:lnRef>
+          <a:fillRef idx="3">
+            <a:schemeClr val="accent1"/>
+          </a:fillRef>
+          <a:effectRef idx="2">
+            <a:schemeClr val="accent1"/>
+          </a:effectRef>
+          <a:fontRef idx="minor">
+            <a:schemeClr val="lt1"/>
+          </a:fontRef>
+        </p:style>
+      </p:sp>
+      <p:sp useBgFill="1">
+        <p:nvSpPr>
+          <p:cNvPr id="19" name="Rectangle 18">
+            <a:extLst>
+              <a:ext uri="{FF2B5EF4-FFF2-40B4-BE49-F238E27FC236}">
+                <a16:creationId xmlns:a16="http://schemas.microsoft.com/office/drawing/2014/main" id="{D6D7A0BC-0046-4CAA-8E7F-DCAFE511EA0E}"/>
+              </a:ext>
+              <a:ext uri="{C183D7F6-B498-43B3-948B-1728B52AA6E4}">
+                <adec:decorative xmlns:adec="http://schemas.microsoft.com/office/drawing/2017/decorative" val="1"/>
+              </a:ext>
+            </a:extLst>
+          </p:cNvPr>
+          <p:cNvSpPr>
+            <a:spLocks noGrp="1" noRot="1" noChangeAspect="1" noMove="1" noResize="1" noEditPoints="1" noAdjustHandles="1" noChangeArrowheads="1" noChangeShapeType="1" noTextEdit="1"/>
+          </p:cNvSpPr>
+          <p:nvPr>
+            <p:extLst>
+              <p:ext uri="{386F3935-93C4-4BCD-93E2-E3B085C9AB24}">
+                <p16:designElem xmlns:p16="http://schemas.microsoft.com/office/powerpoint/2015/main" val="1"/>
+              </p:ext>
+            </p:extLst>
+          </p:nvPr>
+        </p:nvSpPr>
+        <p:spPr>
+          <a:xfrm>
+            <a:off x="0" y="0"/>
+            <a:ext cx="12192000" cy="6858000"/>
+          </a:xfrm>
+          <a:prstGeom prst="rect">
+            <a:avLst/>
+          </a:prstGeom>
+          <a:ln>
+            <a:noFill/>
+          </a:ln>
+        </p:spPr>
+        <p:style>
+          <a:lnRef idx="2">
+            <a:schemeClr val="accent1">
+              <a:shade val="50000"/>
+            </a:schemeClr>
+          </a:lnRef>
+          <a:fillRef idx="1">
+            <a:schemeClr val="accent1"/>
+          </a:fillRef>
+          <a:effectRef idx="0">
+            <a:schemeClr val="accent1"/>
+          </a:effectRef>
+          <a:fontRef idx="minor">
+            <a:schemeClr val="lt1"/>
+          </a:fontRef>
+        </p:style>
+        <p:txBody>
+          <a:bodyPr rtlCol="0" anchor="ctr"/>
+          <a:lstStyle/>
+          <a:p>
+            <a:pPr algn="ctr"/>
+            <a:endParaRPr lang="en-US"/>
+          </a:p>
+        </p:txBody>
+      </p:sp>
+      <p:sp>
+        <p:nvSpPr>
+          <p:cNvPr id="2" name="Title 1">
+            <a:extLst>
+              <a:ext uri="{FF2B5EF4-FFF2-40B4-BE49-F238E27FC236}">
+                <a16:creationId xmlns:a16="http://schemas.microsoft.com/office/drawing/2014/main" id="{26F5B401-CE8D-4EB0-A846-EEB401443669}"/>
               </a:ext>
             </a:extLst>
           </p:cNvPr>
@@ -5312,35 +7088,1220 @@
             <a:spLocks noGrp="1"/>
           </p:cNvSpPr>
           <p:nvPr>
-            <p:ph type="body" sz="half" idx="2"/>
-          </p:nvPr>
-        </p:nvSpPr>
-        <p:spPr>
-          <a:xfrm>
-            <a:off x="5155905" y="1113764"/>
-            <a:ext cx="6108179" cy="4624327"/>
+            <p:ph type="title"/>
+          </p:nvPr>
+        </p:nvSpPr>
+        <p:spPr>
+          <a:xfrm>
+            <a:off x="596715" y="736885"/>
+            <a:ext cx="3645115" cy="1588513"/>
           </a:xfrm>
         </p:spPr>
         <p:txBody>
-          <a:bodyPr vert="horz" lIns="91440" tIns="45720" rIns="91440" bIns="45720" rtlCol="0" anchor="ctr">
+          <a:bodyPr vert="horz" lIns="91440" tIns="45720" rIns="91440" bIns="45720" rtlCol="0" anchor="b">
             <a:normAutofit/>
           </a:bodyPr>
           <a:lstStyle/>
           <a:p>
-            <a:pPr>
-              <a:buFont typeface="Wingdings 2" panose="05020102010507070707" pitchFamily="18" charset="2"/>
-              <a:buChar char=""/>
-            </a:pPr>
-            <a:endParaRPr lang="en-US">
-              <a:solidFill>
-                <a:schemeClr val="tx1">
-                  <a:lumMod val="75000"/>
-                  <a:lumOff val="25000"/>
-                </a:schemeClr>
-              </a:solidFill>
-            </a:endParaRPr>
+            <a:r>
+              <a:rPr lang="en-US" sz="3600" dirty="0">
+                <a:solidFill>
+                  <a:schemeClr val="tx1">
+                    <a:lumMod val="75000"/>
+                    <a:lumOff val="25000"/>
+                  </a:schemeClr>
+                </a:solidFill>
+              </a:rPr>
+              <a:t>Correlation map</a:t>
+            </a:r>
           </a:p>
         </p:txBody>
+      </p:sp>
+      <p:sp>
+        <p:nvSpPr>
+          <p:cNvPr id="21" name="Rectangle 20">
+            <a:extLst>
+              <a:ext uri="{FF2B5EF4-FFF2-40B4-BE49-F238E27FC236}">
+                <a16:creationId xmlns:a16="http://schemas.microsoft.com/office/drawing/2014/main" id="{E7C6334F-6411-41EC-AD7D-179EDD8B58CB}"/>
+              </a:ext>
+              <a:ext uri="{C183D7F6-B498-43B3-948B-1728B52AA6E4}">
+                <adec:decorative xmlns:adec="http://schemas.microsoft.com/office/drawing/2017/decorative" val="1"/>
+              </a:ext>
+            </a:extLst>
+          </p:cNvPr>
+          <p:cNvSpPr>
+            <a:spLocks noGrp="1" noRot="1" noChangeAspect="1" noMove="1" noResize="1" noEditPoints="1" noAdjustHandles="1" noChangeArrowheads="1" noChangeShapeType="1" noTextEdit="1"/>
+          </p:cNvSpPr>
+          <p:nvPr>
+            <p:extLst>
+              <p:ext uri="{386F3935-93C4-4BCD-93E2-E3B085C9AB24}">
+                <p16:designElem xmlns:p16="http://schemas.microsoft.com/office/powerpoint/2015/main" val="1"/>
+              </p:ext>
+            </p:extLst>
+          </p:nvPr>
+        </p:nvSpPr>
+        <p:spPr>
+          <a:xfrm>
+            <a:off x="446534" y="457200"/>
+            <a:ext cx="3703320" cy="94997"/>
+          </a:xfrm>
+          <a:prstGeom prst="rect">
+            <a:avLst/>
+          </a:prstGeom>
+          <a:solidFill>
+            <a:srgbClr val="465359"/>
+          </a:solidFill>
+          <a:ln>
+            <a:noFill/>
+          </a:ln>
+          <a:effectLst/>
+        </p:spPr>
+        <p:style>
+          <a:lnRef idx="1">
+            <a:schemeClr val="accent1"/>
+          </a:lnRef>
+          <a:fillRef idx="3">
+            <a:schemeClr val="accent1"/>
+          </a:fillRef>
+          <a:effectRef idx="2">
+            <a:schemeClr val="accent1"/>
+          </a:effectRef>
+          <a:fontRef idx="minor">
+            <a:schemeClr val="lt1"/>
+          </a:fontRef>
+        </p:style>
+      </p:sp>
+      <p:sp>
+        <p:nvSpPr>
+          <p:cNvPr id="23" name="Rectangle 22">
+            <a:extLst>
+              <a:ext uri="{FF2B5EF4-FFF2-40B4-BE49-F238E27FC236}">
+                <a16:creationId xmlns:a16="http://schemas.microsoft.com/office/drawing/2014/main" id="{E6B02CEE-3AF8-4349-9B3E-8970E6DF62B3}"/>
+              </a:ext>
+              <a:ext uri="{C183D7F6-B498-43B3-948B-1728B52AA6E4}">
+                <adec:decorative xmlns:adec="http://schemas.microsoft.com/office/drawing/2017/decorative" val="1"/>
+              </a:ext>
+            </a:extLst>
+          </p:cNvPr>
+          <p:cNvSpPr>
+            <a:spLocks noGrp="1" noRot="1" noChangeAspect="1" noMove="1" noResize="1" noEditPoints="1" noAdjustHandles="1" noChangeArrowheads="1" noChangeShapeType="1" noTextEdit="1"/>
+          </p:cNvSpPr>
+          <p:nvPr>
+            <p:extLst>
+              <p:ext uri="{386F3935-93C4-4BCD-93E2-E3B085C9AB24}">
+                <p16:designElem xmlns:p16="http://schemas.microsoft.com/office/powerpoint/2015/main" val="1"/>
+              </p:ext>
+            </p:extLst>
+          </p:nvPr>
+        </p:nvSpPr>
+        <p:spPr>
+          <a:xfrm>
+            <a:off x="4241830" y="457200"/>
+            <a:ext cx="3703320" cy="91440"/>
+          </a:xfrm>
+          <a:prstGeom prst="rect">
+            <a:avLst/>
+          </a:prstGeom>
+          <a:solidFill>
+            <a:schemeClr val="accent1"/>
+          </a:solidFill>
+          <a:ln>
+            <a:noFill/>
+          </a:ln>
+          <a:effectLst/>
+        </p:spPr>
+        <p:style>
+          <a:lnRef idx="1">
+            <a:schemeClr val="accent1"/>
+          </a:lnRef>
+          <a:fillRef idx="3">
+            <a:schemeClr val="accent1"/>
+          </a:fillRef>
+          <a:effectRef idx="2">
+            <a:schemeClr val="accent1"/>
+          </a:effectRef>
+          <a:fontRef idx="minor">
+            <a:schemeClr val="lt1"/>
+          </a:fontRef>
+        </p:style>
+      </p:sp>
+      <p:sp>
+        <p:nvSpPr>
+          <p:cNvPr id="25" name="Rectangle 24">
+            <a:extLst>
+              <a:ext uri="{FF2B5EF4-FFF2-40B4-BE49-F238E27FC236}">
+                <a16:creationId xmlns:a16="http://schemas.microsoft.com/office/drawing/2014/main" id="{AAA01CF0-3FB5-44EB-B7DE-F2E86374C2FB}"/>
+              </a:ext>
+              <a:ext uri="{C183D7F6-B498-43B3-948B-1728B52AA6E4}">
+                <adec:decorative xmlns:adec="http://schemas.microsoft.com/office/drawing/2017/decorative" val="1"/>
+              </a:ext>
+            </a:extLst>
+          </p:cNvPr>
+          <p:cNvSpPr>
+            <a:spLocks noGrp="1" noRot="1" noChangeAspect="1" noMove="1" noResize="1" noEditPoints="1" noAdjustHandles="1" noChangeArrowheads="1" noChangeShapeType="1" noTextEdit="1"/>
+          </p:cNvSpPr>
+          <p:nvPr>
+            <p:extLst>
+              <p:ext uri="{386F3935-93C4-4BCD-93E2-E3B085C9AB24}">
+                <p16:designElem xmlns:p16="http://schemas.microsoft.com/office/powerpoint/2015/main" val="1"/>
+              </p:ext>
+            </p:extLst>
+          </p:nvPr>
+        </p:nvSpPr>
+        <p:spPr>
+          <a:xfrm>
+            <a:off x="8042147" y="453643"/>
+            <a:ext cx="3703320" cy="98554"/>
+          </a:xfrm>
+          <a:prstGeom prst="rect">
+            <a:avLst/>
+          </a:prstGeom>
+          <a:solidFill>
+            <a:srgbClr val="969FA7"/>
+          </a:solidFill>
+          <a:ln>
+            <a:noFill/>
+          </a:ln>
+          <a:effectLst/>
+        </p:spPr>
+        <p:style>
+          <a:lnRef idx="1">
+            <a:schemeClr val="accent1"/>
+          </a:lnRef>
+          <a:fillRef idx="3">
+            <a:schemeClr val="accent1"/>
+          </a:fillRef>
+          <a:effectRef idx="2">
+            <a:schemeClr val="accent1"/>
+          </a:effectRef>
+          <a:fontRef idx="minor">
+            <a:schemeClr val="lt1"/>
+          </a:fontRef>
+        </p:style>
+      </p:sp>
+      <p:pic>
+        <p:nvPicPr>
+          <p:cNvPr id="8" name="Picture 7">
+            <a:extLst>
+              <a:ext uri="{FF2B5EF4-FFF2-40B4-BE49-F238E27FC236}">
+                <a16:creationId xmlns:a16="http://schemas.microsoft.com/office/drawing/2014/main" id="{45B31718-E9CF-4C0D-826F-3D40E8F1AE06}"/>
+              </a:ext>
+            </a:extLst>
+          </p:cNvPr>
+          <p:cNvPicPr>
+            <a:picLocks noChangeAspect="1"/>
+          </p:cNvPicPr>
+          <p:nvPr/>
+        </p:nvPicPr>
+        <p:blipFill>
+          <a:blip r:embed="rId2"/>
+          <a:stretch>
+            <a:fillRect/>
+          </a:stretch>
+        </p:blipFill>
+        <p:spPr>
+          <a:xfrm>
+            <a:off x="3523545" y="1017800"/>
+            <a:ext cx="7850088" cy="5794441"/>
+          </a:xfrm>
+          <a:prstGeom prst="rect">
+            <a:avLst/>
+          </a:prstGeom>
+        </p:spPr>
+      </p:pic>
+    </p:spTree>
+    <p:extLst>
+      <p:ext uri="{BB962C8B-B14F-4D97-AF65-F5344CB8AC3E}">
+        <p14:creationId xmlns:p14="http://schemas.microsoft.com/office/powerpoint/2010/main" val="4189587326"/>
+      </p:ext>
+    </p:extLst>
+  </p:cSld>
+  <p:clrMapOvr>
+    <a:masterClrMapping/>
+  </p:clrMapOvr>
+</p:sld>
+</file>
+
+<file path=ppt/slides/slide14.xml><?xml version="1.0" encoding="utf-8"?>
+<p:sld xmlns:a="http://schemas.openxmlformats.org/drawingml/2006/main" xmlns:r="http://schemas.openxmlformats.org/officeDocument/2006/relationships" xmlns:p="http://schemas.openxmlformats.org/presentationml/2006/main">
+  <p:cSld>
+    <p:bg>
+      <p:bgPr>
+        <a:solidFill>
+          <a:schemeClr val="bg1"/>
+        </a:solidFill>
+        <a:effectLst/>
+      </p:bgPr>
+    </p:bg>
+    <p:spTree>
+      <p:nvGrpSpPr>
+        <p:cNvPr id="1" name=""/>
+        <p:cNvGrpSpPr/>
+        <p:nvPr/>
+      </p:nvGrpSpPr>
+      <p:grpSpPr>
+        <a:xfrm>
+          <a:off x="0" y="0"/>
+          <a:ext cx="0" cy="0"/>
+          <a:chOff x="0" y="0"/>
+          <a:chExt cx="0" cy="0"/>
+        </a:xfrm>
+      </p:grpSpPr>
+      <p:sp>
+        <p:nvSpPr>
+          <p:cNvPr id="9" name="Rectangle 8">
+            <a:extLst>
+              <a:ext uri="{FF2B5EF4-FFF2-40B4-BE49-F238E27FC236}">
+                <a16:creationId xmlns:a16="http://schemas.microsoft.com/office/drawing/2014/main" id="{DD651B61-325E-4E73-8445-38B0DE8AAAB6}"/>
+              </a:ext>
+              <a:ext uri="{C183D7F6-B498-43B3-948B-1728B52AA6E4}">
+                <adec:decorative xmlns:adec="http://schemas.microsoft.com/office/drawing/2017/decorative" val="1"/>
+              </a:ext>
+            </a:extLst>
+          </p:cNvPr>
+          <p:cNvSpPr>
+            <a:spLocks noGrp="1" noRot="1" noChangeAspect="1" noMove="1" noResize="1" noEditPoints="1" noAdjustHandles="1" noChangeArrowheads="1" noChangeShapeType="1" noTextEdit="1"/>
+          </p:cNvSpPr>
+          <p:nvPr>
+            <p:extLst>
+              <p:ext uri="{386F3935-93C4-4BCD-93E2-E3B085C9AB24}">
+                <p16:designElem xmlns:p16="http://schemas.microsoft.com/office/powerpoint/2015/main" val="1"/>
+              </p:ext>
+            </p:extLst>
+          </p:nvPr>
+        </p:nvSpPr>
+        <p:spPr>
+          <a:xfrm>
+            <a:off x="446534" y="457200"/>
+            <a:ext cx="3703320" cy="94997"/>
+          </a:xfrm>
+          <a:prstGeom prst="rect">
+            <a:avLst/>
+          </a:prstGeom>
+          <a:solidFill>
+            <a:srgbClr val="465359"/>
+          </a:solidFill>
+          <a:ln>
+            <a:noFill/>
+          </a:ln>
+          <a:effectLst/>
+        </p:spPr>
+        <p:style>
+          <a:lnRef idx="1">
+            <a:schemeClr val="accent1"/>
+          </a:lnRef>
+          <a:fillRef idx="3">
+            <a:schemeClr val="accent1"/>
+          </a:fillRef>
+          <a:effectRef idx="2">
+            <a:schemeClr val="accent1"/>
+          </a:effectRef>
+          <a:fontRef idx="minor">
+            <a:schemeClr val="lt1"/>
+          </a:fontRef>
+        </p:style>
+      </p:sp>
+      <p:sp>
+        <p:nvSpPr>
+          <p:cNvPr id="11" name="Rectangle 10">
+            <a:extLst>
+              <a:ext uri="{FF2B5EF4-FFF2-40B4-BE49-F238E27FC236}">
+                <a16:creationId xmlns:a16="http://schemas.microsoft.com/office/drawing/2014/main" id="{B42E5253-D3AC-4AC2-B766-8B34F13C2F5E}"/>
+              </a:ext>
+              <a:ext uri="{C183D7F6-B498-43B3-948B-1728B52AA6E4}">
+                <adec:decorative xmlns:adec="http://schemas.microsoft.com/office/drawing/2017/decorative" val="1"/>
+              </a:ext>
+            </a:extLst>
+          </p:cNvPr>
+          <p:cNvSpPr>
+            <a:spLocks noGrp="1" noRot="1" noChangeAspect="1" noMove="1" noResize="1" noEditPoints="1" noAdjustHandles="1" noChangeArrowheads="1" noChangeShapeType="1" noTextEdit="1"/>
+          </p:cNvSpPr>
+          <p:nvPr>
+            <p:extLst>
+              <p:ext uri="{386F3935-93C4-4BCD-93E2-E3B085C9AB24}">
+                <p16:designElem xmlns:p16="http://schemas.microsoft.com/office/powerpoint/2015/main" val="1"/>
+              </p:ext>
+            </p:extLst>
+          </p:nvPr>
+        </p:nvSpPr>
+        <p:spPr>
+          <a:xfrm>
+            <a:off x="8042147" y="453643"/>
+            <a:ext cx="3703320" cy="98554"/>
+          </a:xfrm>
+          <a:prstGeom prst="rect">
+            <a:avLst/>
+          </a:prstGeom>
+          <a:solidFill>
+            <a:srgbClr val="969FA7"/>
+          </a:solidFill>
+          <a:ln>
+            <a:noFill/>
+          </a:ln>
+          <a:effectLst/>
+        </p:spPr>
+        <p:style>
+          <a:lnRef idx="1">
+            <a:schemeClr val="accent1"/>
+          </a:lnRef>
+          <a:fillRef idx="3">
+            <a:schemeClr val="accent1"/>
+          </a:fillRef>
+          <a:effectRef idx="2">
+            <a:schemeClr val="accent1"/>
+          </a:effectRef>
+          <a:fontRef idx="minor">
+            <a:schemeClr val="lt1"/>
+          </a:fontRef>
+        </p:style>
+      </p:sp>
+      <p:sp>
+        <p:nvSpPr>
+          <p:cNvPr id="13" name="Rectangle 12">
+            <a:extLst>
+              <a:ext uri="{FF2B5EF4-FFF2-40B4-BE49-F238E27FC236}">
+                <a16:creationId xmlns:a16="http://schemas.microsoft.com/office/drawing/2014/main" id="{10AE8D57-436A-4073-9A75-15BB5949F8B4}"/>
+              </a:ext>
+              <a:ext uri="{C183D7F6-B498-43B3-948B-1728B52AA6E4}">
+                <adec:decorative xmlns:adec="http://schemas.microsoft.com/office/drawing/2017/decorative" val="1"/>
+              </a:ext>
+            </a:extLst>
+          </p:cNvPr>
+          <p:cNvSpPr>
+            <a:spLocks noGrp="1" noRot="1" noChangeAspect="1" noMove="1" noResize="1" noEditPoints="1" noAdjustHandles="1" noChangeArrowheads="1" noChangeShapeType="1" noTextEdit="1"/>
+          </p:cNvSpPr>
+          <p:nvPr>
+            <p:extLst>
+              <p:ext uri="{386F3935-93C4-4BCD-93E2-E3B085C9AB24}">
+                <p16:designElem xmlns:p16="http://schemas.microsoft.com/office/powerpoint/2015/main" val="1"/>
+              </p:ext>
+            </p:extLst>
+          </p:nvPr>
+        </p:nvSpPr>
+        <p:spPr>
+          <a:xfrm>
+            <a:off x="4241830" y="457200"/>
+            <a:ext cx="3703320" cy="91440"/>
+          </a:xfrm>
+          <a:prstGeom prst="rect">
+            <a:avLst/>
+          </a:prstGeom>
+          <a:solidFill>
+            <a:schemeClr val="accent1"/>
+          </a:solidFill>
+          <a:ln>
+            <a:noFill/>
+          </a:ln>
+          <a:effectLst/>
+        </p:spPr>
+        <p:style>
+          <a:lnRef idx="1">
+            <a:schemeClr val="accent1"/>
+          </a:lnRef>
+          <a:fillRef idx="3">
+            <a:schemeClr val="accent1"/>
+          </a:fillRef>
+          <a:effectRef idx="2">
+            <a:schemeClr val="accent1"/>
+          </a:effectRef>
+          <a:fontRef idx="minor">
+            <a:schemeClr val="lt1"/>
+          </a:fontRef>
+        </p:style>
+      </p:sp>
+      <p:sp>
+        <p:nvSpPr>
+          <p:cNvPr id="15" name="Rectangle 14">
+            <a:extLst>
+              <a:ext uri="{FF2B5EF4-FFF2-40B4-BE49-F238E27FC236}">
+                <a16:creationId xmlns:a16="http://schemas.microsoft.com/office/drawing/2014/main" id="{E2852671-8EB6-4EAF-8AF8-65CF3FD66456}"/>
+              </a:ext>
+              <a:ext uri="{C183D7F6-B498-43B3-948B-1728B52AA6E4}">
+                <adec:decorative xmlns:adec="http://schemas.microsoft.com/office/drawing/2017/decorative" val="1"/>
+              </a:ext>
+            </a:extLst>
+          </p:cNvPr>
+          <p:cNvSpPr>
+            <a:spLocks noGrp="1" noRot="1" noChangeAspect="1" noMove="1" noResize="1" noEditPoints="1" noAdjustHandles="1" noChangeArrowheads="1" noChangeShapeType="1" noTextEdit="1"/>
+          </p:cNvSpPr>
+          <p:nvPr>
+            <p:extLst>
+              <p:ext uri="{386F3935-93C4-4BCD-93E2-E3B085C9AB24}">
+                <p16:designElem xmlns:p16="http://schemas.microsoft.com/office/powerpoint/2015/main" val="1"/>
+              </p:ext>
+            </p:extLst>
+          </p:nvPr>
+        </p:nvSpPr>
+        <p:spPr>
+          <a:xfrm>
+            <a:off x="446534" y="3085764"/>
+            <a:ext cx="11298932" cy="3338149"/>
+          </a:xfrm>
+          <a:prstGeom prst="rect">
+            <a:avLst/>
+          </a:prstGeom>
+          <a:solidFill>
+            <a:srgbClr val="465359"/>
+          </a:solidFill>
+          <a:ln>
+            <a:noFill/>
+          </a:ln>
+          <a:effectLst/>
+        </p:spPr>
+        <p:style>
+          <a:lnRef idx="1">
+            <a:schemeClr val="accent1"/>
+          </a:lnRef>
+          <a:fillRef idx="3">
+            <a:schemeClr val="accent1"/>
+          </a:fillRef>
+          <a:effectRef idx="2">
+            <a:schemeClr val="accent1"/>
+          </a:effectRef>
+          <a:fontRef idx="minor">
+            <a:schemeClr val="lt1"/>
+          </a:fontRef>
+        </p:style>
+      </p:sp>
+      <p:sp useBgFill="1">
+        <p:nvSpPr>
+          <p:cNvPr id="17" name="Rectangle 16">
+            <a:extLst>
+              <a:ext uri="{FF2B5EF4-FFF2-40B4-BE49-F238E27FC236}">
+                <a16:creationId xmlns:a16="http://schemas.microsoft.com/office/drawing/2014/main" id="{963FC0CD-F19B-4D9C-9C47-EB7E9D16E444}"/>
+              </a:ext>
+              <a:ext uri="{C183D7F6-B498-43B3-948B-1728B52AA6E4}">
+                <adec:decorative xmlns:adec="http://schemas.microsoft.com/office/drawing/2017/decorative" val="1"/>
+              </a:ext>
+            </a:extLst>
+          </p:cNvPr>
+          <p:cNvSpPr>
+            <a:spLocks noGrp="1" noRot="1" noChangeAspect="1" noMove="1" noResize="1" noEditPoints="1" noAdjustHandles="1" noChangeArrowheads="1" noChangeShapeType="1" noTextEdit="1"/>
+          </p:cNvSpPr>
+          <p:nvPr>
+            <p:extLst>
+              <p:ext uri="{386F3935-93C4-4BCD-93E2-E3B085C9AB24}">
+                <p16:designElem xmlns:p16="http://schemas.microsoft.com/office/powerpoint/2015/main" val="1"/>
+              </p:ext>
+            </p:extLst>
+          </p:nvPr>
+        </p:nvSpPr>
+        <p:spPr>
+          <a:xfrm>
+            <a:off x="0" y="0"/>
+            <a:ext cx="12192000" cy="6858000"/>
+          </a:xfrm>
+          <a:prstGeom prst="rect">
+            <a:avLst/>
+          </a:prstGeom>
+          <a:ln>
+            <a:noFill/>
+          </a:ln>
+        </p:spPr>
+        <p:style>
+          <a:lnRef idx="2">
+            <a:schemeClr val="accent1">
+              <a:shade val="50000"/>
+            </a:schemeClr>
+          </a:lnRef>
+          <a:fillRef idx="1">
+            <a:schemeClr val="accent1"/>
+          </a:fillRef>
+          <a:effectRef idx="0">
+            <a:schemeClr val="accent1"/>
+          </a:effectRef>
+          <a:fontRef idx="minor">
+            <a:schemeClr val="lt1"/>
+          </a:fontRef>
+        </p:style>
+        <p:txBody>
+          <a:bodyPr rtlCol="0" anchor="ctr"/>
+          <a:lstStyle/>
+          <a:p>
+            <a:pPr algn="ctr"/>
+            <a:endParaRPr lang="en-US"/>
+          </a:p>
+        </p:txBody>
+      </p:sp>
+      <p:sp>
+        <p:nvSpPr>
+          <p:cNvPr id="2" name="Title 1">
+            <a:extLst>
+              <a:ext uri="{FF2B5EF4-FFF2-40B4-BE49-F238E27FC236}">
+                <a16:creationId xmlns:a16="http://schemas.microsoft.com/office/drawing/2014/main" id="{817454E1-9483-4FD7-8B28-52A799E91058}"/>
+              </a:ext>
+            </a:extLst>
+          </p:cNvPr>
+          <p:cNvSpPr>
+            <a:spLocks noGrp="1"/>
+          </p:cNvSpPr>
+          <p:nvPr>
+            <p:ph type="title"/>
+          </p:nvPr>
+        </p:nvSpPr>
+        <p:spPr>
+          <a:xfrm>
+            <a:off x="581191" y="723901"/>
+            <a:ext cx="10993549" cy="741644"/>
+          </a:xfrm>
+        </p:spPr>
+        <p:txBody>
+          <a:bodyPr vert="horz" lIns="91440" tIns="45720" rIns="91440" bIns="45720" rtlCol="0" anchor="b">
+            <a:normAutofit/>
+          </a:bodyPr>
+          <a:lstStyle/>
+          <a:p>
+            <a:r>
+              <a:rPr lang="en-US" sz="3600" dirty="0">
+                <a:solidFill>
+                  <a:schemeClr val="tx1">
+                    <a:lumMod val="75000"/>
+                    <a:lumOff val="25000"/>
+                  </a:schemeClr>
+                </a:solidFill>
+              </a:rPr>
+              <a:t>World Heat map</a:t>
+            </a:r>
+          </a:p>
+        </p:txBody>
+      </p:sp>
+      <p:sp>
+        <p:nvSpPr>
+          <p:cNvPr id="19" name="Rectangle 18">
+            <a:extLst>
+              <a:ext uri="{FF2B5EF4-FFF2-40B4-BE49-F238E27FC236}">
+                <a16:creationId xmlns:a16="http://schemas.microsoft.com/office/drawing/2014/main" id="{2E70159E-5269-4C18-AA0B-D50513DB3B3C}"/>
+              </a:ext>
+              <a:ext uri="{C183D7F6-B498-43B3-948B-1728B52AA6E4}">
+                <adec:decorative xmlns:adec="http://schemas.microsoft.com/office/drawing/2017/decorative" val="1"/>
+              </a:ext>
+            </a:extLst>
+          </p:cNvPr>
+          <p:cNvSpPr>
+            <a:spLocks noGrp="1" noRot="1" noChangeAspect="1" noMove="1" noResize="1" noEditPoints="1" noAdjustHandles="1" noChangeArrowheads="1" noChangeShapeType="1" noTextEdit="1"/>
+          </p:cNvSpPr>
+          <p:nvPr>
+            <p:extLst>
+              <p:ext uri="{386F3935-93C4-4BCD-93E2-E3B085C9AB24}">
+                <p16:designElem xmlns:p16="http://schemas.microsoft.com/office/powerpoint/2015/main" val="1"/>
+              </p:ext>
+            </p:extLst>
+          </p:nvPr>
+        </p:nvSpPr>
+        <p:spPr>
+          <a:xfrm>
+            <a:off x="446534" y="457200"/>
+            <a:ext cx="3703320" cy="94997"/>
+          </a:xfrm>
+          <a:prstGeom prst="rect">
+            <a:avLst/>
+          </a:prstGeom>
+          <a:solidFill>
+            <a:srgbClr val="465359"/>
+          </a:solidFill>
+          <a:ln>
+            <a:noFill/>
+          </a:ln>
+          <a:effectLst/>
+        </p:spPr>
+        <p:style>
+          <a:lnRef idx="1">
+            <a:schemeClr val="accent1"/>
+          </a:lnRef>
+          <a:fillRef idx="3">
+            <a:schemeClr val="accent1"/>
+          </a:fillRef>
+          <a:effectRef idx="2">
+            <a:schemeClr val="accent1"/>
+          </a:effectRef>
+          <a:fontRef idx="minor">
+            <a:schemeClr val="lt1"/>
+          </a:fontRef>
+        </p:style>
+      </p:sp>
+      <p:sp>
+        <p:nvSpPr>
+          <p:cNvPr id="21" name="Rectangle 20">
+            <a:extLst>
+              <a:ext uri="{FF2B5EF4-FFF2-40B4-BE49-F238E27FC236}">
+                <a16:creationId xmlns:a16="http://schemas.microsoft.com/office/drawing/2014/main" id="{BBBE9C8C-98B2-41C2-B47B-9A396CBA2326}"/>
+              </a:ext>
+              <a:ext uri="{C183D7F6-B498-43B3-948B-1728B52AA6E4}">
+                <adec:decorative xmlns:adec="http://schemas.microsoft.com/office/drawing/2017/decorative" val="1"/>
+              </a:ext>
+            </a:extLst>
+          </p:cNvPr>
+          <p:cNvSpPr>
+            <a:spLocks noGrp="1" noRot="1" noChangeAspect="1" noMove="1" noResize="1" noEditPoints="1" noAdjustHandles="1" noChangeArrowheads="1" noChangeShapeType="1" noTextEdit="1"/>
+          </p:cNvSpPr>
+          <p:nvPr>
+            <p:extLst>
+              <p:ext uri="{386F3935-93C4-4BCD-93E2-E3B085C9AB24}">
+                <p16:designElem xmlns:p16="http://schemas.microsoft.com/office/powerpoint/2015/main" val="1"/>
+              </p:ext>
+            </p:extLst>
+          </p:nvPr>
+        </p:nvSpPr>
+        <p:spPr>
+          <a:xfrm>
+            <a:off x="4241830" y="457200"/>
+            <a:ext cx="3703320" cy="91440"/>
+          </a:xfrm>
+          <a:prstGeom prst="rect">
+            <a:avLst/>
+          </a:prstGeom>
+          <a:solidFill>
+            <a:schemeClr val="accent1"/>
+          </a:solidFill>
+          <a:ln>
+            <a:noFill/>
+          </a:ln>
+          <a:effectLst/>
+        </p:spPr>
+        <p:style>
+          <a:lnRef idx="1">
+            <a:schemeClr val="accent1"/>
+          </a:lnRef>
+          <a:fillRef idx="3">
+            <a:schemeClr val="accent1"/>
+          </a:fillRef>
+          <a:effectRef idx="2">
+            <a:schemeClr val="accent1"/>
+          </a:effectRef>
+          <a:fontRef idx="minor">
+            <a:schemeClr val="lt1"/>
+          </a:fontRef>
+        </p:style>
+      </p:sp>
+      <p:sp>
+        <p:nvSpPr>
+          <p:cNvPr id="23" name="Rectangle 22">
+            <a:extLst>
+              <a:ext uri="{FF2B5EF4-FFF2-40B4-BE49-F238E27FC236}">
+                <a16:creationId xmlns:a16="http://schemas.microsoft.com/office/drawing/2014/main" id="{B2ECCA3D-5ECA-4A8B-B9D7-CE6DEB72B952}"/>
+              </a:ext>
+              <a:ext uri="{C183D7F6-B498-43B3-948B-1728B52AA6E4}">
+                <adec:decorative xmlns:adec="http://schemas.microsoft.com/office/drawing/2017/decorative" val="1"/>
+              </a:ext>
+            </a:extLst>
+          </p:cNvPr>
+          <p:cNvSpPr>
+            <a:spLocks noGrp="1" noRot="1" noChangeAspect="1" noMove="1" noResize="1" noEditPoints="1" noAdjustHandles="1" noChangeArrowheads="1" noChangeShapeType="1" noTextEdit="1"/>
+          </p:cNvSpPr>
+          <p:nvPr>
+            <p:extLst>
+              <p:ext uri="{386F3935-93C4-4BCD-93E2-E3B085C9AB24}">
+                <p16:designElem xmlns:p16="http://schemas.microsoft.com/office/powerpoint/2015/main" val="1"/>
+              </p:ext>
+            </p:extLst>
+          </p:nvPr>
+        </p:nvSpPr>
+        <p:spPr>
+          <a:xfrm>
+            <a:off x="8042147" y="453643"/>
+            <a:ext cx="3703320" cy="98554"/>
+          </a:xfrm>
+          <a:prstGeom prst="rect">
+            <a:avLst/>
+          </a:prstGeom>
+          <a:solidFill>
+            <a:srgbClr val="969FA7"/>
+          </a:solidFill>
+          <a:ln>
+            <a:noFill/>
+          </a:ln>
+          <a:effectLst/>
+        </p:spPr>
+        <p:style>
+          <a:lnRef idx="1">
+            <a:schemeClr val="accent1"/>
+          </a:lnRef>
+          <a:fillRef idx="3">
+            <a:schemeClr val="accent1"/>
+          </a:fillRef>
+          <a:effectRef idx="2">
+            <a:schemeClr val="accent1"/>
+          </a:effectRef>
+          <a:fontRef idx="minor">
+            <a:schemeClr val="lt1"/>
+          </a:fontRef>
+        </p:style>
+      </p:sp>
+    </p:spTree>
+    <p:extLst>
+      <p:ext uri="{BB962C8B-B14F-4D97-AF65-F5344CB8AC3E}">
+        <p14:creationId xmlns:p14="http://schemas.microsoft.com/office/powerpoint/2010/main" val="881537250"/>
+      </p:ext>
+    </p:extLst>
+  </p:cSld>
+  <p:clrMapOvr>
+    <a:masterClrMapping/>
+  </p:clrMapOvr>
+</p:sld>
+</file>
+
+<file path=ppt/slides/slide15.xml><?xml version="1.0" encoding="utf-8"?>
+<p:sld xmlns:a="http://schemas.openxmlformats.org/drawingml/2006/main" xmlns:r="http://schemas.openxmlformats.org/officeDocument/2006/relationships" xmlns:p="http://schemas.openxmlformats.org/presentationml/2006/main">
+  <p:cSld>
+    <p:bg>
+      <p:bgPr>
+        <a:solidFill>
+          <a:schemeClr val="bg1"/>
+        </a:solidFill>
+        <a:effectLst/>
+      </p:bgPr>
+    </p:bg>
+    <p:spTree>
+      <p:nvGrpSpPr>
+        <p:cNvPr id="1" name=""/>
+        <p:cNvGrpSpPr/>
+        <p:nvPr/>
+      </p:nvGrpSpPr>
+      <p:grpSpPr>
+        <a:xfrm>
+          <a:off x="0" y="0"/>
+          <a:ext cx="0" cy="0"/>
+          <a:chOff x="0" y="0"/>
+          <a:chExt cx="0" cy="0"/>
+        </a:xfrm>
+      </p:grpSpPr>
+      <p:sp>
+        <p:nvSpPr>
+          <p:cNvPr id="41" name="Rectangle 40">
+            <a:extLst>
+              <a:ext uri="{FF2B5EF4-FFF2-40B4-BE49-F238E27FC236}">
+                <a16:creationId xmlns:a16="http://schemas.microsoft.com/office/drawing/2014/main" id="{DD651B61-325E-4E73-8445-38B0DE8AAAB6}"/>
+              </a:ext>
+              <a:ext uri="{C183D7F6-B498-43B3-948B-1728B52AA6E4}">
+                <adec:decorative xmlns:adec="http://schemas.microsoft.com/office/drawing/2017/decorative" val="1"/>
+              </a:ext>
+            </a:extLst>
+          </p:cNvPr>
+          <p:cNvSpPr>
+            <a:spLocks noGrp="1" noRot="1" noChangeAspect="1" noMove="1" noResize="1" noEditPoints="1" noAdjustHandles="1" noChangeArrowheads="1" noChangeShapeType="1" noTextEdit="1"/>
+          </p:cNvSpPr>
+          <p:nvPr>
+            <p:extLst>
+              <p:ext uri="{386F3935-93C4-4BCD-93E2-E3B085C9AB24}">
+                <p16:designElem xmlns:p16="http://schemas.microsoft.com/office/powerpoint/2015/main" val="1"/>
+              </p:ext>
+            </p:extLst>
+          </p:nvPr>
+        </p:nvSpPr>
+        <p:spPr>
+          <a:xfrm>
+            <a:off x="446534" y="457200"/>
+            <a:ext cx="3703320" cy="94997"/>
+          </a:xfrm>
+          <a:prstGeom prst="rect">
+            <a:avLst/>
+          </a:prstGeom>
+          <a:solidFill>
+            <a:srgbClr val="465359"/>
+          </a:solidFill>
+          <a:ln>
+            <a:noFill/>
+          </a:ln>
+          <a:effectLst/>
+        </p:spPr>
+        <p:style>
+          <a:lnRef idx="1">
+            <a:schemeClr val="accent1"/>
+          </a:lnRef>
+          <a:fillRef idx="3">
+            <a:schemeClr val="accent1"/>
+          </a:fillRef>
+          <a:effectRef idx="2">
+            <a:schemeClr val="accent1"/>
+          </a:effectRef>
+          <a:fontRef idx="minor">
+            <a:schemeClr val="lt1"/>
+          </a:fontRef>
+        </p:style>
+      </p:sp>
+      <p:sp>
+        <p:nvSpPr>
+          <p:cNvPr id="43" name="Rectangle 42">
+            <a:extLst>
+              <a:ext uri="{FF2B5EF4-FFF2-40B4-BE49-F238E27FC236}">
+                <a16:creationId xmlns:a16="http://schemas.microsoft.com/office/drawing/2014/main" id="{B42E5253-D3AC-4AC2-B766-8B34F13C2F5E}"/>
+              </a:ext>
+              <a:ext uri="{C183D7F6-B498-43B3-948B-1728B52AA6E4}">
+                <adec:decorative xmlns:adec="http://schemas.microsoft.com/office/drawing/2017/decorative" val="1"/>
+              </a:ext>
+            </a:extLst>
+          </p:cNvPr>
+          <p:cNvSpPr>
+            <a:spLocks noGrp="1" noRot="1" noChangeAspect="1" noMove="1" noResize="1" noEditPoints="1" noAdjustHandles="1" noChangeArrowheads="1" noChangeShapeType="1" noTextEdit="1"/>
+          </p:cNvSpPr>
+          <p:nvPr>
+            <p:extLst>
+              <p:ext uri="{386F3935-93C4-4BCD-93E2-E3B085C9AB24}">
+                <p16:designElem xmlns:p16="http://schemas.microsoft.com/office/powerpoint/2015/main" val="1"/>
+              </p:ext>
+            </p:extLst>
+          </p:nvPr>
+        </p:nvSpPr>
+        <p:spPr>
+          <a:xfrm>
+            <a:off x="8042147" y="453643"/>
+            <a:ext cx="3703320" cy="98554"/>
+          </a:xfrm>
+          <a:prstGeom prst="rect">
+            <a:avLst/>
+          </a:prstGeom>
+          <a:solidFill>
+            <a:srgbClr val="969FA7"/>
+          </a:solidFill>
+          <a:ln>
+            <a:noFill/>
+          </a:ln>
+          <a:effectLst/>
+        </p:spPr>
+        <p:style>
+          <a:lnRef idx="1">
+            <a:schemeClr val="accent1"/>
+          </a:lnRef>
+          <a:fillRef idx="3">
+            <a:schemeClr val="accent1"/>
+          </a:fillRef>
+          <a:effectRef idx="2">
+            <a:schemeClr val="accent1"/>
+          </a:effectRef>
+          <a:fontRef idx="minor">
+            <a:schemeClr val="lt1"/>
+          </a:fontRef>
+        </p:style>
+      </p:sp>
+      <p:sp>
+        <p:nvSpPr>
+          <p:cNvPr id="45" name="Rectangle 44">
+            <a:extLst>
+              <a:ext uri="{FF2B5EF4-FFF2-40B4-BE49-F238E27FC236}">
+                <a16:creationId xmlns:a16="http://schemas.microsoft.com/office/drawing/2014/main" id="{10AE8D57-436A-4073-9A75-15BB5949F8B4}"/>
+              </a:ext>
+              <a:ext uri="{C183D7F6-B498-43B3-948B-1728B52AA6E4}">
+                <adec:decorative xmlns:adec="http://schemas.microsoft.com/office/drawing/2017/decorative" val="1"/>
+              </a:ext>
+            </a:extLst>
+          </p:cNvPr>
+          <p:cNvSpPr>
+            <a:spLocks noGrp="1" noRot="1" noChangeAspect="1" noMove="1" noResize="1" noEditPoints="1" noAdjustHandles="1" noChangeArrowheads="1" noChangeShapeType="1" noTextEdit="1"/>
+          </p:cNvSpPr>
+          <p:nvPr>
+            <p:extLst>
+              <p:ext uri="{386F3935-93C4-4BCD-93E2-E3B085C9AB24}">
+                <p16:designElem xmlns:p16="http://schemas.microsoft.com/office/powerpoint/2015/main" val="1"/>
+              </p:ext>
+            </p:extLst>
+          </p:nvPr>
+        </p:nvSpPr>
+        <p:spPr>
+          <a:xfrm>
+            <a:off x="4241830" y="457200"/>
+            <a:ext cx="3703320" cy="91440"/>
+          </a:xfrm>
+          <a:prstGeom prst="rect">
+            <a:avLst/>
+          </a:prstGeom>
+          <a:solidFill>
+            <a:schemeClr val="accent1"/>
+          </a:solidFill>
+          <a:ln>
+            <a:noFill/>
+          </a:ln>
+          <a:effectLst/>
+        </p:spPr>
+        <p:style>
+          <a:lnRef idx="1">
+            <a:schemeClr val="accent1"/>
+          </a:lnRef>
+          <a:fillRef idx="3">
+            <a:schemeClr val="accent1"/>
+          </a:fillRef>
+          <a:effectRef idx="2">
+            <a:schemeClr val="accent1"/>
+          </a:effectRef>
+          <a:fontRef idx="minor">
+            <a:schemeClr val="lt1"/>
+          </a:fontRef>
+        </p:style>
+      </p:sp>
+      <p:sp>
+        <p:nvSpPr>
+          <p:cNvPr id="47" name="Rectangle 46">
+            <a:extLst>
+              <a:ext uri="{FF2B5EF4-FFF2-40B4-BE49-F238E27FC236}">
+                <a16:creationId xmlns:a16="http://schemas.microsoft.com/office/drawing/2014/main" id="{E2852671-8EB6-4EAF-8AF8-65CF3FD66456}"/>
+              </a:ext>
+              <a:ext uri="{C183D7F6-B498-43B3-948B-1728B52AA6E4}">
+                <adec:decorative xmlns:adec="http://schemas.microsoft.com/office/drawing/2017/decorative" val="1"/>
+              </a:ext>
+            </a:extLst>
+          </p:cNvPr>
+          <p:cNvSpPr>
+            <a:spLocks noGrp="1" noRot="1" noChangeAspect="1" noMove="1" noResize="1" noEditPoints="1" noAdjustHandles="1" noChangeArrowheads="1" noChangeShapeType="1" noTextEdit="1"/>
+          </p:cNvSpPr>
+          <p:nvPr>
+            <p:extLst>
+              <p:ext uri="{386F3935-93C4-4BCD-93E2-E3B085C9AB24}">
+                <p16:designElem xmlns:p16="http://schemas.microsoft.com/office/powerpoint/2015/main" val="1"/>
+              </p:ext>
+            </p:extLst>
+          </p:nvPr>
+        </p:nvSpPr>
+        <p:spPr>
+          <a:xfrm>
+            <a:off x="446534" y="3085764"/>
+            <a:ext cx="11298932" cy="3338149"/>
+          </a:xfrm>
+          <a:prstGeom prst="rect">
+            <a:avLst/>
+          </a:prstGeom>
+          <a:solidFill>
+            <a:srgbClr val="465359"/>
+          </a:solidFill>
+          <a:ln>
+            <a:noFill/>
+          </a:ln>
+          <a:effectLst/>
+        </p:spPr>
+        <p:style>
+          <a:lnRef idx="1">
+            <a:schemeClr val="accent1"/>
+          </a:lnRef>
+          <a:fillRef idx="3">
+            <a:schemeClr val="accent1"/>
+          </a:fillRef>
+          <a:effectRef idx="2">
+            <a:schemeClr val="accent1"/>
+          </a:effectRef>
+          <a:fontRef idx="minor">
+            <a:schemeClr val="lt1"/>
+          </a:fontRef>
+        </p:style>
+      </p:sp>
+      <p:sp useBgFill="1">
+        <p:nvSpPr>
+          <p:cNvPr id="49" name="Rectangle 48">
+            <a:extLst>
+              <a:ext uri="{FF2B5EF4-FFF2-40B4-BE49-F238E27FC236}">
+                <a16:creationId xmlns:a16="http://schemas.microsoft.com/office/drawing/2014/main" id="{A52FF1B8-145F-47AA-9F6F-7DA3201AA6CB}"/>
+              </a:ext>
+              <a:ext uri="{C183D7F6-B498-43B3-948B-1728B52AA6E4}">
+                <adec:decorative xmlns:adec="http://schemas.microsoft.com/office/drawing/2017/decorative" val="1"/>
+              </a:ext>
+            </a:extLst>
+          </p:cNvPr>
+          <p:cNvSpPr>
+            <a:spLocks noGrp="1" noRot="1" noChangeAspect="1" noMove="1" noResize="1" noEditPoints="1" noAdjustHandles="1" noChangeArrowheads="1" noChangeShapeType="1" noTextEdit="1"/>
+          </p:cNvSpPr>
+          <p:nvPr>
+            <p:extLst>
+              <p:ext uri="{386F3935-93C4-4BCD-93E2-E3B085C9AB24}">
+                <p16:designElem xmlns:p16="http://schemas.microsoft.com/office/powerpoint/2015/main" val="1"/>
+              </p:ext>
+            </p:extLst>
+          </p:nvPr>
+        </p:nvSpPr>
+        <p:spPr>
+          <a:xfrm>
+            <a:off x="0" y="0"/>
+            <a:ext cx="12192000" cy="6858000"/>
+          </a:xfrm>
+          <a:prstGeom prst="rect">
+            <a:avLst/>
+          </a:prstGeom>
+          <a:ln>
+            <a:noFill/>
+          </a:ln>
+        </p:spPr>
+        <p:style>
+          <a:lnRef idx="2">
+            <a:schemeClr val="accent1">
+              <a:shade val="50000"/>
+            </a:schemeClr>
+          </a:lnRef>
+          <a:fillRef idx="1">
+            <a:schemeClr val="accent1"/>
+          </a:fillRef>
+          <a:effectRef idx="0">
+            <a:schemeClr val="accent1"/>
+          </a:effectRef>
+          <a:fontRef idx="minor">
+            <a:schemeClr val="lt1"/>
+          </a:fontRef>
+        </p:style>
+        <p:txBody>
+          <a:bodyPr rtlCol="0" anchor="ctr"/>
+          <a:lstStyle/>
+          <a:p>
+            <a:pPr algn="ctr"/>
+            <a:endParaRPr lang="en-US"/>
+          </a:p>
+        </p:txBody>
+      </p:sp>
+      <p:sp>
+        <p:nvSpPr>
+          <p:cNvPr id="51" name="Rectangle 50">
+            <a:extLst>
+              <a:ext uri="{FF2B5EF4-FFF2-40B4-BE49-F238E27FC236}">
+                <a16:creationId xmlns:a16="http://schemas.microsoft.com/office/drawing/2014/main" id="{6DFE8A8C-8C1F-40A1-8A45-9D05B0DD8EF8}"/>
+              </a:ext>
+              <a:ext uri="{C183D7F6-B498-43B3-948B-1728B52AA6E4}">
+                <adec:decorative xmlns:adec="http://schemas.microsoft.com/office/drawing/2017/decorative" val="1"/>
+              </a:ext>
+            </a:extLst>
+          </p:cNvPr>
+          <p:cNvSpPr>
+            <a:spLocks noGrp="1" noRot="1" noChangeAspect="1" noMove="1" noResize="1" noEditPoints="1" noAdjustHandles="1" noChangeArrowheads="1" noChangeShapeType="1" noTextEdit="1"/>
+          </p:cNvSpPr>
+          <p:nvPr>
+            <p:extLst>
+              <p:ext uri="{386F3935-93C4-4BCD-93E2-E3B085C9AB24}">
+                <p16:designElem xmlns:p16="http://schemas.microsoft.com/office/powerpoint/2015/main" val="1"/>
+              </p:ext>
+            </p:extLst>
+          </p:nvPr>
+        </p:nvSpPr>
+        <p:spPr>
+          <a:xfrm>
+            <a:off x="446534" y="457200"/>
+            <a:ext cx="3703320" cy="94997"/>
+          </a:xfrm>
+          <a:prstGeom prst="rect">
+            <a:avLst/>
+          </a:prstGeom>
+          <a:solidFill>
+            <a:srgbClr val="465359"/>
+          </a:solidFill>
+          <a:ln>
+            <a:noFill/>
+          </a:ln>
+          <a:effectLst/>
+        </p:spPr>
+        <p:style>
+          <a:lnRef idx="1">
+            <a:schemeClr val="accent1"/>
+          </a:lnRef>
+          <a:fillRef idx="3">
+            <a:schemeClr val="accent1"/>
+          </a:fillRef>
+          <a:effectRef idx="2">
+            <a:schemeClr val="accent1"/>
+          </a:effectRef>
+          <a:fontRef idx="minor">
+            <a:schemeClr val="lt1"/>
+          </a:fontRef>
+        </p:style>
+      </p:sp>
+      <p:sp>
+        <p:nvSpPr>
+          <p:cNvPr id="53" name="Rectangle 52">
+            <a:extLst>
+              <a:ext uri="{FF2B5EF4-FFF2-40B4-BE49-F238E27FC236}">
+                <a16:creationId xmlns:a16="http://schemas.microsoft.com/office/drawing/2014/main" id="{EE1EF8C3-8F8A-447D-A5FF-C12426825418}"/>
+              </a:ext>
+              <a:ext uri="{C183D7F6-B498-43B3-948B-1728B52AA6E4}">
+                <adec:decorative xmlns:adec="http://schemas.microsoft.com/office/drawing/2017/decorative" val="1"/>
+              </a:ext>
+            </a:extLst>
+          </p:cNvPr>
+          <p:cNvSpPr>
+            <a:spLocks noGrp="1" noRot="1" noChangeAspect="1" noMove="1" noResize="1" noEditPoints="1" noAdjustHandles="1" noChangeArrowheads="1" noChangeShapeType="1" noTextEdit="1"/>
+          </p:cNvSpPr>
+          <p:nvPr>
+            <p:extLst>
+              <p:ext uri="{386F3935-93C4-4BCD-93E2-E3B085C9AB24}">
+                <p16:designElem xmlns:p16="http://schemas.microsoft.com/office/powerpoint/2015/main" val="1"/>
+              </p:ext>
+            </p:extLst>
+          </p:nvPr>
+        </p:nvSpPr>
+        <p:spPr>
+          <a:xfrm>
+            <a:off x="4241830" y="457200"/>
+            <a:ext cx="3703320" cy="91440"/>
+          </a:xfrm>
+          <a:prstGeom prst="rect">
+            <a:avLst/>
+          </a:prstGeom>
+          <a:solidFill>
+            <a:schemeClr val="accent1"/>
+          </a:solidFill>
+          <a:ln>
+            <a:noFill/>
+          </a:ln>
+          <a:effectLst/>
+        </p:spPr>
+        <p:style>
+          <a:lnRef idx="1">
+            <a:schemeClr val="accent1"/>
+          </a:lnRef>
+          <a:fillRef idx="3">
+            <a:schemeClr val="accent1"/>
+          </a:fillRef>
+          <a:effectRef idx="2">
+            <a:schemeClr val="accent1"/>
+          </a:effectRef>
+          <a:fontRef idx="minor">
+            <a:schemeClr val="lt1"/>
+          </a:fontRef>
+        </p:style>
+      </p:sp>
+      <p:sp>
+        <p:nvSpPr>
+          <p:cNvPr id="55" name="Rectangle 54">
+            <a:extLst>
+              <a:ext uri="{FF2B5EF4-FFF2-40B4-BE49-F238E27FC236}">
+                <a16:creationId xmlns:a16="http://schemas.microsoft.com/office/drawing/2014/main" id="{1B511BAF-6DC3-420A-8603-96945C66ADB3}"/>
+              </a:ext>
+              <a:ext uri="{C183D7F6-B498-43B3-948B-1728B52AA6E4}">
+                <adec:decorative xmlns:adec="http://schemas.microsoft.com/office/drawing/2017/decorative" val="1"/>
+              </a:ext>
+            </a:extLst>
+          </p:cNvPr>
+          <p:cNvSpPr>
+            <a:spLocks noGrp="1" noRot="1" noChangeAspect="1" noMove="1" noResize="1" noEditPoints="1" noAdjustHandles="1" noChangeArrowheads="1" noChangeShapeType="1" noTextEdit="1"/>
+          </p:cNvSpPr>
+          <p:nvPr>
+            <p:extLst>
+              <p:ext uri="{386F3935-93C4-4BCD-93E2-E3B085C9AB24}">
+                <p16:designElem xmlns:p16="http://schemas.microsoft.com/office/powerpoint/2015/main" val="1"/>
+              </p:ext>
+            </p:extLst>
+          </p:nvPr>
+        </p:nvSpPr>
+        <p:spPr>
+          <a:xfrm>
+            <a:off x="8042147" y="453643"/>
+            <a:ext cx="3703320" cy="98554"/>
+          </a:xfrm>
+          <a:prstGeom prst="rect">
+            <a:avLst/>
+          </a:prstGeom>
+          <a:solidFill>
+            <a:srgbClr val="969FA7"/>
+          </a:solidFill>
+          <a:ln>
+            <a:noFill/>
+          </a:ln>
+          <a:effectLst/>
+        </p:spPr>
+        <p:style>
+          <a:lnRef idx="1">
+            <a:schemeClr val="accent1"/>
+          </a:lnRef>
+          <a:fillRef idx="3">
+            <a:schemeClr val="accent1"/>
+          </a:fillRef>
+          <a:effectRef idx="2">
+            <a:schemeClr val="accent1"/>
+          </a:effectRef>
+          <a:fontRef idx="minor">
+            <a:schemeClr val="lt1"/>
+          </a:fontRef>
+        </p:style>
       </p:sp>
       <p:pic>
         <p:nvPicPr>
@@ -5370,14 +8331,167 @@
         </p:blipFill>
         <p:spPr>
           <a:xfrm>
-            <a:off x="9950549" y="4927343"/>
-            <a:ext cx="1750870" cy="1621495"/>
+            <a:off x="1117770" y="2176177"/>
+            <a:ext cx="3124060" cy="2893217"/>
           </a:xfrm>
           <a:prstGeom prst="rect">
             <a:avLst/>
           </a:prstGeom>
         </p:spPr>
       </p:pic>
+      <p:sp>
+        <p:nvSpPr>
+          <p:cNvPr id="5" name="Title 4">
+            <a:extLst>
+              <a:ext uri="{FF2B5EF4-FFF2-40B4-BE49-F238E27FC236}">
+                <a16:creationId xmlns:a16="http://schemas.microsoft.com/office/drawing/2014/main" id="{E50A1980-9C53-4234-8C4C-E584BED003B6}"/>
+              </a:ext>
+            </a:extLst>
+          </p:cNvPr>
+          <p:cNvSpPr>
+            <a:spLocks noGrp="1"/>
+          </p:cNvSpPr>
+          <p:nvPr>
+            <p:ph type="title"/>
+          </p:nvPr>
+        </p:nvSpPr>
+        <p:spPr>
+          <a:xfrm>
+            <a:off x="4143010" y="775110"/>
+            <a:ext cx="7274290" cy="1013497"/>
+          </a:xfrm>
+        </p:spPr>
+        <p:txBody>
+          <a:bodyPr>
+            <a:normAutofit/>
+          </a:bodyPr>
+          <a:lstStyle/>
+          <a:p>
+            <a:r>
+              <a:rPr lang="en-US" sz="3600" dirty="0">
+                <a:solidFill>
+                  <a:schemeClr val="tx1"/>
+                </a:solidFill>
+              </a:rPr>
+              <a:t>Conclusion</a:t>
+            </a:r>
+          </a:p>
+        </p:txBody>
+      </p:sp>
+      <p:sp>
+        <p:nvSpPr>
+          <p:cNvPr id="20" name="Title 4">
+            <a:extLst>
+              <a:ext uri="{FF2B5EF4-FFF2-40B4-BE49-F238E27FC236}">
+                <a16:creationId xmlns:a16="http://schemas.microsoft.com/office/drawing/2014/main" id="{6D6261FC-CBB5-4643-923E-94E201CA37BA}"/>
+              </a:ext>
+            </a:extLst>
+          </p:cNvPr>
+          <p:cNvSpPr txBox="1">
+            <a:spLocks/>
+          </p:cNvSpPr>
+          <p:nvPr/>
+        </p:nvSpPr>
+        <p:spPr>
+          <a:xfrm>
+            <a:off x="5364244" y="3300304"/>
+            <a:ext cx="7274290" cy="1013497"/>
+          </a:xfrm>
+          <a:prstGeom prst="rect">
+            <a:avLst/>
+          </a:prstGeom>
+        </p:spPr>
+        <p:txBody>
+          <a:bodyPr vert="horz" lIns="91440" tIns="45720" rIns="91440" bIns="45720" rtlCol="0" anchor="b">
+            <a:normAutofit/>
+          </a:bodyPr>
+          <a:lstStyle>
+            <a:lvl1pPr algn="l" defTabSz="457200" rtl="0" eaLnBrk="1" latinLnBrk="0" hangingPunct="1">
+              <a:lnSpc>
+                <a:spcPct val="90000"/>
+              </a:lnSpc>
+              <a:spcBef>
+                <a:spcPct val="0"/>
+              </a:spcBef>
+              <a:buNone/>
+              <a:defRPr sz="2400" b="0" kern="1200" cap="all">
+                <a:solidFill>
+                  <a:srgbClr val="FFFFFF"/>
+                </a:solidFill>
+                <a:latin typeface="+mj-lt"/>
+                <a:ea typeface="+mj-ea"/>
+                <a:cs typeface="+mj-cs"/>
+              </a:defRPr>
+            </a:lvl1pPr>
+            <a:lvl2pPr eaLnBrk="1" hangingPunct="1">
+              <a:defRPr>
+                <a:solidFill>
+                  <a:schemeClr val="tx2"/>
+                </a:solidFill>
+              </a:defRPr>
+            </a:lvl2pPr>
+            <a:lvl3pPr eaLnBrk="1" hangingPunct="1">
+              <a:defRPr>
+                <a:solidFill>
+                  <a:schemeClr val="tx2"/>
+                </a:solidFill>
+              </a:defRPr>
+            </a:lvl3pPr>
+            <a:lvl4pPr eaLnBrk="1" hangingPunct="1">
+              <a:defRPr>
+                <a:solidFill>
+                  <a:schemeClr val="tx2"/>
+                </a:solidFill>
+              </a:defRPr>
+            </a:lvl4pPr>
+            <a:lvl5pPr eaLnBrk="1" hangingPunct="1">
+              <a:defRPr>
+                <a:solidFill>
+                  <a:schemeClr val="tx2"/>
+                </a:solidFill>
+              </a:defRPr>
+            </a:lvl5pPr>
+            <a:lvl6pPr eaLnBrk="1" hangingPunct="1">
+              <a:defRPr>
+                <a:solidFill>
+                  <a:schemeClr val="tx2"/>
+                </a:solidFill>
+              </a:defRPr>
+            </a:lvl6pPr>
+            <a:lvl7pPr eaLnBrk="1" hangingPunct="1">
+              <a:defRPr>
+                <a:solidFill>
+                  <a:schemeClr val="tx2"/>
+                </a:solidFill>
+              </a:defRPr>
+            </a:lvl7pPr>
+            <a:lvl8pPr eaLnBrk="1" hangingPunct="1">
+              <a:defRPr>
+                <a:solidFill>
+                  <a:schemeClr val="tx2"/>
+                </a:solidFill>
+              </a:defRPr>
+            </a:lvl8pPr>
+            <a:lvl9pPr eaLnBrk="1" hangingPunct="1">
+              <a:defRPr>
+                <a:solidFill>
+                  <a:schemeClr val="tx2"/>
+                </a:solidFill>
+              </a:defRPr>
+            </a:lvl9pPr>
+          </a:lstStyle>
+          <a:p>
+            <a:r>
+              <a:rPr lang="en-US" sz="3600" dirty="0">
+                <a:solidFill>
+                  <a:schemeClr val="tx1"/>
+                </a:solidFill>
+              </a:rPr>
+              <a:t>Any Questions?</a:t>
+            </a:r>
+          </a:p>
+        </p:txBody>
+      </p:sp>
     </p:spTree>
     <p:extLst>
       <p:ext uri="{BB962C8B-B14F-4D97-AF65-F5344CB8AC3E}">
@@ -6069,6 +9183,195 @@
 <file path=ppt/slides/slide3.xml><?xml version="1.0" encoding="utf-8"?>
 <p:sld xmlns:a="http://schemas.openxmlformats.org/drawingml/2006/main" xmlns:r="http://schemas.openxmlformats.org/officeDocument/2006/relationships" xmlns:p="http://schemas.openxmlformats.org/presentationml/2006/main">
   <p:cSld>
+    <p:spTree>
+      <p:nvGrpSpPr>
+        <p:cNvPr id="1" name=""/>
+        <p:cNvGrpSpPr/>
+        <p:nvPr/>
+      </p:nvGrpSpPr>
+      <p:grpSpPr>
+        <a:xfrm>
+          <a:off x="0" y="0"/>
+          <a:ext cx="0" cy="0"/>
+          <a:chOff x="0" y="0"/>
+          <a:chExt cx="0" cy="0"/>
+        </a:xfrm>
+      </p:grpSpPr>
+      <p:sp>
+        <p:nvSpPr>
+          <p:cNvPr id="2" name="Title 1">
+            <a:extLst>
+              <a:ext uri="{FF2B5EF4-FFF2-40B4-BE49-F238E27FC236}">
+                <a16:creationId xmlns:a16="http://schemas.microsoft.com/office/drawing/2014/main" id="{AB81CE0E-A791-4AAF-B341-95140E94CF39}"/>
+              </a:ext>
+            </a:extLst>
+          </p:cNvPr>
+          <p:cNvSpPr>
+            <a:spLocks noGrp="1"/>
+          </p:cNvSpPr>
+          <p:nvPr>
+            <p:ph type="title"/>
+          </p:nvPr>
+        </p:nvSpPr>
+        <p:spPr>
+          <a:xfrm>
+            <a:off x="767857" y="933451"/>
+            <a:ext cx="3031852" cy="1004406"/>
+          </a:xfrm>
+        </p:spPr>
+        <p:txBody>
+          <a:bodyPr>
+            <a:normAutofit/>
+          </a:bodyPr>
+          <a:lstStyle/>
+          <a:p>
+            <a:r>
+              <a:rPr lang="en-US" sz="2200" dirty="0"/>
+              <a:t>The Data at a glance</a:t>
+            </a:r>
+          </a:p>
+        </p:txBody>
+      </p:sp>
+      <p:sp>
+        <p:nvSpPr>
+          <p:cNvPr id="4" name="Text Placeholder 3">
+            <a:extLst>
+              <a:ext uri="{FF2B5EF4-FFF2-40B4-BE49-F238E27FC236}">
+                <a16:creationId xmlns:a16="http://schemas.microsoft.com/office/drawing/2014/main" id="{DF2D7423-B583-4ED2-BB04-B41D5B59C83D}"/>
+              </a:ext>
+            </a:extLst>
+          </p:cNvPr>
+          <p:cNvSpPr>
+            <a:spLocks noGrp="1"/>
+          </p:cNvSpPr>
+          <p:nvPr>
+            <p:ph type="body" sz="half" idx="2"/>
+          </p:nvPr>
+        </p:nvSpPr>
+        <p:spPr>
+          <a:xfrm>
+            <a:off x="767857" y="2239861"/>
+            <a:ext cx="3031852" cy="3598185"/>
+          </a:xfrm>
+        </p:spPr>
+        <p:txBody>
+          <a:bodyPr>
+            <a:normAutofit/>
+          </a:bodyPr>
+          <a:lstStyle/>
+          <a:p>
+            <a:r>
+              <a:rPr lang="en-US" dirty="0"/>
+              <a:t>There are 6 components which have been used to determine “Happiness”</a:t>
+            </a:r>
+          </a:p>
+          <a:p>
+            <a:pPr marL="285750" indent="-285750">
+              <a:buFont typeface="Arial" panose="020B0604020202020204" pitchFamily="34" charset="0"/>
+              <a:buChar char="•"/>
+            </a:pPr>
+            <a:r>
+              <a:rPr lang="en-US" sz="1400" dirty="0"/>
+              <a:t>GDP</a:t>
+            </a:r>
+          </a:p>
+          <a:p>
+            <a:pPr marL="285750" indent="-285750">
+              <a:buFont typeface="Arial" panose="020B0604020202020204" pitchFamily="34" charset="0"/>
+              <a:buChar char="•"/>
+            </a:pPr>
+            <a:r>
+              <a:rPr lang="en-US" sz="1400" dirty="0"/>
+              <a:t>Social Support</a:t>
+            </a:r>
+          </a:p>
+          <a:p>
+            <a:pPr marL="285750" indent="-285750">
+              <a:buFont typeface="Arial" panose="020B0604020202020204" pitchFamily="34" charset="0"/>
+              <a:buChar char="•"/>
+            </a:pPr>
+            <a:r>
+              <a:rPr lang="en-US" sz="1400" dirty="0"/>
+              <a:t>Healthy life expectancy</a:t>
+            </a:r>
+          </a:p>
+          <a:p>
+            <a:pPr marL="285750" indent="-285750">
+              <a:buFont typeface="Arial" panose="020B0604020202020204" pitchFamily="34" charset="0"/>
+              <a:buChar char="•"/>
+            </a:pPr>
+            <a:r>
+              <a:rPr lang="en-US" sz="1400" dirty="0"/>
+              <a:t>Freedom to make life choices</a:t>
+            </a:r>
+          </a:p>
+          <a:p>
+            <a:pPr marL="285750" indent="-285750">
+              <a:buFont typeface="Arial" panose="020B0604020202020204" pitchFamily="34" charset="0"/>
+              <a:buChar char="•"/>
+            </a:pPr>
+            <a:r>
+              <a:rPr lang="en-US" sz="1400" dirty="0"/>
+              <a:t>Generosity</a:t>
+            </a:r>
+          </a:p>
+          <a:p>
+            <a:pPr marL="285750" indent="-285750">
+              <a:buFont typeface="Arial" panose="020B0604020202020204" pitchFamily="34" charset="0"/>
+              <a:buChar char="•"/>
+            </a:pPr>
+            <a:r>
+              <a:rPr lang="en-US" sz="1400" dirty="0"/>
+              <a:t>Perceptions of Corruption</a:t>
+            </a:r>
+          </a:p>
+        </p:txBody>
+      </p:sp>
+      <p:pic>
+        <p:nvPicPr>
+          <p:cNvPr id="9" name="Content Placeholder 8">
+            <a:extLst>
+              <a:ext uri="{FF2B5EF4-FFF2-40B4-BE49-F238E27FC236}">
+                <a16:creationId xmlns:a16="http://schemas.microsoft.com/office/drawing/2014/main" id="{2853F925-5436-40D2-BA58-F0C4430BE077}"/>
+              </a:ext>
+            </a:extLst>
+          </p:cNvPr>
+          <p:cNvPicPr>
+            <a:picLocks noGrp="1" noChangeAspect="1"/>
+          </p:cNvPicPr>
+          <p:nvPr>
+            <p:ph idx="1"/>
+          </p:nvPr>
+        </p:nvPicPr>
+        <p:blipFill>
+          <a:blip r:embed="rId3"/>
+          <a:stretch>
+            <a:fillRect/>
+          </a:stretch>
+        </p:blipFill>
+        <p:spPr>
+          <a:xfrm>
+            <a:off x="5066523" y="838525"/>
+            <a:ext cx="6064898" cy="5411060"/>
+          </a:xfrm>
+        </p:spPr>
+      </p:pic>
+    </p:spTree>
+    <p:extLst>
+      <p:ext uri="{BB962C8B-B14F-4D97-AF65-F5344CB8AC3E}">
+        <p14:creationId xmlns:p14="http://schemas.microsoft.com/office/powerpoint/2010/main" val="3633173871"/>
+      </p:ext>
+    </p:extLst>
+  </p:cSld>
+  <p:clrMapOvr>
+    <a:masterClrMapping/>
+  </p:clrMapOvr>
+</p:sld>
+</file>
+
+<file path=ppt/slides/slide4.xml><?xml version="1.0" encoding="utf-8"?>
+<p:sld xmlns:a="http://schemas.openxmlformats.org/drawingml/2006/main" xmlns:r="http://schemas.openxmlformats.org/officeDocument/2006/relationships" xmlns:p="http://schemas.openxmlformats.org/presentationml/2006/main">
+  <p:cSld>
     <p:bg>
       <p:bgPr>
         <a:solidFill>
@@ -6657,9 +9960,17 @@
 </p:sld>
 </file>
 
-<file path=ppt/slides/slide4.xml><?xml version="1.0" encoding="utf-8"?>
+<file path=ppt/slides/slide5.xml><?xml version="1.0" encoding="utf-8"?>
 <p:sld xmlns:a="http://schemas.openxmlformats.org/drawingml/2006/main" xmlns:r="http://schemas.openxmlformats.org/officeDocument/2006/relationships" xmlns:p="http://schemas.openxmlformats.org/presentationml/2006/main">
   <p:cSld>
+    <p:bg>
+      <p:bgPr>
+        <a:solidFill>
+          <a:schemeClr val="bg1"/>
+        </a:solidFill>
+        <a:effectLst/>
+      </p:bgPr>
+    </p:bg>
     <p:spTree>
       <p:nvGrpSpPr>
         <p:cNvPr id="1" name=""/>
@@ -6676,255 +9987,441 @@
       </p:grpSpPr>
       <p:sp>
         <p:nvSpPr>
-          <p:cNvPr id="2" name="Title 1">
-            <a:extLst>
-              <a:ext uri="{FF2B5EF4-FFF2-40B4-BE49-F238E27FC236}">
-                <a16:creationId xmlns:a16="http://schemas.microsoft.com/office/drawing/2014/main" id="{AB81CE0E-A791-4AAF-B341-95140E94CF39}"/>
-              </a:ext>
-            </a:extLst>
-          </p:cNvPr>
-          <p:cNvSpPr>
-            <a:spLocks noGrp="1"/>
-          </p:cNvSpPr>
-          <p:nvPr>
-            <p:ph type="title"/>
-          </p:nvPr>
-        </p:nvSpPr>
-        <p:spPr>
-          <a:xfrm>
-            <a:off x="767857" y="933451"/>
-            <a:ext cx="3031852" cy="1004406"/>
-          </a:xfrm>
-        </p:spPr>
+          <p:cNvPr id="37" name="Rectangle 36">
+            <a:extLst>
+              <a:ext uri="{FF2B5EF4-FFF2-40B4-BE49-F238E27FC236}">
+                <a16:creationId xmlns:a16="http://schemas.microsoft.com/office/drawing/2014/main" id="{DD651B61-325E-4E73-8445-38B0DE8AAAB6}"/>
+              </a:ext>
+              <a:ext uri="{C183D7F6-B498-43B3-948B-1728B52AA6E4}">
+                <adec:decorative xmlns:adec="http://schemas.microsoft.com/office/drawing/2017/decorative" val="1"/>
+              </a:ext>
+            </a:extLst>
+          </p:cNvPr>
+          <p:cNvSpPr>
+            <a:spLocks noGrp="1" noRot="1" noChangeAspect="1" noMove="1" noResize="1" noEditPoints="1" noAdjustHandles="1" noChangeArrowheads="1" noChangeShapeType="1" noTextEdit="1"/>
+          </p:cNvSpPr>
+          <p:nvPr>
+            <p:extLst>
+              <p:ext uri="{386F3935-93C4-4BCD-93E2-E3B085C9AB24}">
+                <p16:designElem xmlns:p16="http://schemas.microsoft.com/office/powerpoint/2015/main" val="1"/>
+              </p:ext>
+            </p:extLst>
+          </p:nvPr>
+        </p:nvSpPr>
+        <p:spPr>
+          <a:xfrm>
+            <a:off x="446534" y="457200"/>
+            <a:ext cx="3703320" cy="94997"/>
+          </a:xfrm>
+          <a:prstGeom prst="rect">
+            <a:avLst/>
+          </a:prstGeom>
+          <a:solidFill>
+            <a:srgbClr val="465359"/>
+          </a:solidFill>
+          <a:ln>
+            <a:noFill/>
+          </a:ln>
+          <a:effectLst/>
+        </p:spPr>
+        <p:style>
+          <a:lnRef idx="1">
+            <a:schemeClr val="accent1"/>
+          </a:lnRef>
+          <a:fillRef idx="3">
+            <a:schemeClr val="accent1"/>
+          </a:fillRef>
+          <a:effectRef idx="2">
+            <a:schemeClr val="accent1"/>
+          </a:effectRef>
+          <a:fontRef idx="minor">
+            <a:schemeClr val="lt1"/>
+          </a:fontRef>
+        </p:style>
+      </p:sp>
+      <p:sp>
+        <p:nvSpPr>
+          <p:cNvPr id="39" name="Rectangle 38">
+            <a:extLst>
+              <a:ext uri="{FF2B5EF4-FFF2-40B4-BE49-F238E27FC236}">
+                <a16:creationId xmlns:a16="http://schemas.microsoft.com/office/drawing/2014/main" id="{B42E5253-D3AC-4AC2-B766-8B34F13C2F5E}"/>
+              </a:ext>
+              <a:ext uri="{C183D7F6-B498-43B3-948B-1728B52AA6E4}">
+                <adec:decorative xmlns:adec="http://schemas.microsoft.com/office/drawing/2017/decorative" val="1"/>
+              </a:ext>
+            </a:extLst>
+          </p:cNvPr>
+          <p:cNvSpPr>
+            <a:spLocks noGrp="1" noRot="1" noChangeAspect="1" noMove="1" noResize="1" noEditPoints="1" noAdjustHandles="1" noChangeArrowheads="1" noChangeShapeType="1" noTextEdit="1"/>
+          </p:cNvSpPr>
+          <p:nvPr>
+            <p:extLst>
+              <p:ext uri="{386F3935-93C4-4BCD-93E2-E3B085C9AB24}">
+                <p16:designElem xmlns:p16="http://schemas.microsoft.com/office/powerpoint/2015/main" val="1"/>
+              </p:ext>
+            </p:extLst>
+          </p:nvPr>
+        </p:nvSpPr>
+        <p:spPr>
+          <a:xfrm>
+            <a:off x="8042147" y="453643"/>
+            <a:ext cx="3703320" cy="98554"/>
+          </a:xfrm>
+          <a:prstGeom prst="rect">
+            <a:avLst/>
+          </a:prstGeom>
+          <a:solidFill>
+            <a:srgbClr val="969FA7"/>
+          </a:solidFill>
+          <a:ln>
+            <a:noFill/>
+          </a:ln>
+          <a:effectLst/>
+        </p:spPr>
+        <p:style>
+          <a:lnRef idx="1">
+            <a:schemeClr val="accent1"/>
+          </a:lnRef>
+          <a:fillRef idx="3">
+            <a:schemeClr val="accent1"/>
+          </a:fillRef>
+          <a:effectRef idx="2">
+            <a:schemeClr val="accent1"/>
+          </a:effectRef>
+          <a:fontRef idx="minor">
+            <a:schemeClr val="lt1"/>
+          </a:fontRef>
+        </p:style>
+      </p:sp>
+      <p:sp>
+        <p:nvSpPr>
+          <p:cNvPr id="41" name="Rectangle 40">
+            <a:extLst>
+              <a:ext uri="{FF2B5EF4-FFF2-40B4-BE49-F238E27FC236}">
+                <a16:creationId xmlns:a16="http://schemas.microsoft.com/office/drawing/2014/main" id="{10AE8D57-436A-4073-9A75-15BB5949F8B4}"/>
+              </a:ext>
+              <a:ext uri="{C183D7F6-B498-43B3-948B-1728B52AA6E4}">
+                <adec:decorative xmlns:adec="http://schemas.microsoft.com/office/drawing/2017/decorative" val="1"/>
+              </a:ext>
+            </a:extLst>
+          </p:cNvPr>
+          <p:cNvSpPr>
+            <a:spLocks noGrp="1" noRot="1" noChangeAspect="1" noMove="1" noResize="1" noEditPoints="1" noAdjustHandles="1" noChangeArrowheads="1" noChangeShapeType="1" noTextEdit="1"/>
+          </p:cNvSpPr>
+          <p:nvPr>
+            <p:extLst>
+              <p:ext uri="{386F3935-93C4-4BCD-93E2-E3B085C9AB24}">
+                <p16:designElem xmlns:p16="http://schemas.microsoft.com/office/powerpoint/2015/main" val="1"/>
+              </p:ext>
+            </p:extLst>
+          </p:nvPr>
+        </p:nvSpPr>
+        <p:spPr>
+          <a:xfrm>
+            <a:off x="4241830" y="457200"/>
+            <a:ext cx="3703320" cy="91440"/>
+          </a:xfrm>
+          <a:prstGeom prst="rect">
+            <a:avLst/>
+          </a:prstGeom>
+          <a:solidFill>
+            <a:schemeClr val="accent1"/>
+          </a:solidFill>
+          <a:ln>
+            <a:noFill/>
+          </a:ln>
+          <a:effectLst/>
+        </p:spPr>
+        <p:style>
+          <a:lnRef idx="1">
+            <a:schemeClr val="accent1"/>
+          </a:lnRef>
+          <a:fillRef idx="3">
+            <a:schemeClr val="accent1"/>
+          </a:fillRef>
+          <a:effectRef idx="2">
+            <a:schemeClr val="accent1"/>
+          </a:effectRef>
+          <a:fontRef idx="minor">
+            <a:schemeClr val="lt1"/>
+          </a:fontRef>
+        </p:style>
+      </p:sp>
+      <p:sp>
+        <p:nvSpPr>
+          <p:cNvPr id="43" name="Rectangle 42">
+            <a:extLst>
+              <a:ext uri="{FF2B5EF4-FFF2-40B4-BE49-F238E27FC236}">
+                <a16:creationId xmlns:a16="http://schemas.microsoft.com/office/drawing/2014/main" id="{E2852671-8EB6-4EAF-8AF8-65CF3FD66456}"/>
+              </a:ext>
+              <a:ext uri="{C183D7F6-B498-43B3-948B-1728B52AA6E4}">
+                <adec:decorative xmlns:adec="http://schemas.microsoft.com/office/drawing/2017/decorative" val="1"/>
+              </a:ext>
+            </a:extLst>
+          </p:cNvPr>
+          <p:cNvSpPr>
+            <a:spLocks noGrp="1" noRot="1" noChangeAspect="1" noMove="1" noResize="1" noEditPoints="1" noAdjustHandles="1" noChangeArrowheads="1" noChangeShapeType="1" noTextEdit="1"/>
+          </p:cNvSpPr>
+          <p:nvPr>
+            <p:extLst>
+              <p:ext uri="{386F3935-93C4-4BCD-93E2-E3B085C9AB24}">
+                <p16:designElem xmlns:p16="http://schemas.microsoft.com/office/powerpoint/2015/main" val="1"/>
+              </p:ext>
+            </p:extLst>
+          </p:nvPr>
+        </p:nvSpPr>
+        <p:spPr>
+          <a:xfrm>
+            <a:off x="446534" y="3085764"/>
+            <a:ext cx="11298932" cy="3338149"/>
+          </a:xfrm>
+          <a:prstGeom prst="rect">
+            <a:avLst/>
+          </a:prstGeom>
+          <a:solidFill>
+            <a:srgbClr val="465359"/>
+          </a:solidFill>
+          <a:ln>
+            <a:noFill/>
+          </a:ln>
+          <a:effectLst/>
+        </p:spPr>
+        <p:style>
+          <a:lnRef idx="1">
+            <a:schemeClr val="accent1"/>
+          </a:lnRef>
+          <a:fillRef idx="3">
+            <a:schemeClr val="accent1"/>
+          </a:fillRef>
+          <a:effectRef idx="2">
+            <a:schemeClr val="accent1"/>
+          </a:effectRef>
+          <a:fontRef idx="minor">
+            <a:schemeClr val="lt1"/>
+          </a:fontRef>
+        </p:style>
+      </p:sp>
+      <p:sp useBgFill="1">
+        <p:nvSpPr>
+          <p:cNvPr id="45" name="Rectangle 44">
+            <a:extLst>
+              <a:ext uri="{FF2B5EF4-FFF2-40B4-BE49-F238E27FC236}">
+                <a16:creationId xmlns:a16="http://schemas.microsoft.com/office/drawing/2014/main" id="{7C427EA3-1645-4B27-A5C2-55E8E24C665F}"/>
+              </a:ext>
+              <a:ext uri="{C183D7F6-B498-43B3-948B-1728B52AA6E4}">
+                <adec:decorative xmlns:adec="http://schemas.microsoft.com/office/drawing/2017/decorative" val="1"/>
+              </a:ext>
+            </a:extLst>
+          </p:cNvPr>
+          <p:cNvSpPr>
+            <a:spLocks noGrp="1" noRot="1" noChangeAspect="1" noMove="1" noResize="1" noEditPoints="1" noAdjustHandles="1" noChangeArrowheads="1" noChangeShapeType="1" noTextEdit="1"/>
+          </p:cNvSpPr>
+          <p:nvPr>
+            <p:extLst>
+              <p:ext uri="{386F3935-93C4-4BCD-93E2-E3B085C9AB24}">
+                <p16:designElem xmlns:p16="http://schemas.microsoft.com/office/powerpoint/2015/main" val="1"/>
+              </p:ext>
+            </p:extLst>
+          </p:nvPr>
+        </p:nvSpPr>
+        <p:spPr>
+          <a:xfrm>
+            <a:off x="0" y="0"/>
+            <a:ext cx="12192000" cy="6858000"/>
+          </a:xfrm>
+          <a:prstGeom prst="rect">
+            <a:avLst/>
+          </a:prstGeom>
+          <a:ln>
+            <a:noFill/>
+          </a:ln>
+        </p:spPr>
+        <p:style>
+          <a:lnRef idx="2">
+            <a:schemeClr val="accent1">
+              <a:shade val="50000"/>
+            </a:schemeClr>
+          </a:lnRef>
+          <a:fillRef idx="1">
+            <a:schemeClr val="accent1"/>
+          </a:fillRef>
+          <a:effectRef idx="0">
+            <a:schemeClr val="accent1"/>
+          </a:effectRef>
+          <a:fontRef idx="minor">
+            <a:schemeClr val="lt1"/>
+          </a:fontRef>
+        </p:style>
         <p:txBody>
-          <a:bodyPr/>
+          <a:bodyPr rtlCol="0" anchor="ctr"/>
           <a:lstStyle/>
           <a:p>
-            <a:r>
-              <a:rPr lang="en-US" dirty="0"/>
-              <a:t>The Data</a:t>
-            </a:r>
+            <a:pPr algn="ctr"/>
+            <a:endParaRPr lang="en-US"/>
           </a:p>
         </p:txBody>
       </p:sp>
       <p:sp>
         <p:nvSpPr>
-          <p:cNvPr id="4" name="Text Placeholder 3">
-            <a:extLst>
-              <a:ext uri="{FF2B5EF4-FFF2-40B4-BE49-F238E27FC236}">
-                <a16:creationId xmlns:a16="http://schemas.microsoft.com/office/drawing/2014/main" id="{DF2D7423-B583-4ED2-BB04-B41D5B59C83D}"/>
-              </a:ext>
-            </a:extLst>
-          </p:cNvPr>
-          <p:cNvSpPr>
-            <a:spLocks noGrp="1"/>
-          </p:cNvSpPr>
-          <p:nvPr>
-            <p:ph type="body" sz="half" idx="2"/>
-          </p:nvPr>
-        </p:nvSpPr>
-        <p:spPr>
-          <a:xfrm>
-            <a:off x="767857" y="2239861"/>
-            <a:ext cx="3031852" cy="3598185"/>
-          </a:xfrm>
-        </p:spPr>
-        <p:txBody>
-          <a:bodyPr>
-            <a:normAutofit/>
-          </a:bodyPr>
-          <a:lstStyle/>
-          <a:p>
-            <a:r>
-              <a:rPr lang="en-US" dirty="0"/>
-              <a:t>There are 6 components which have been used to determine “Happiness”</a:t>
-            </a:r>
-          </a:p>
-          <a:p>
-            <a:pPr marL="285750" indent="-285750">
-              <a:buFont typeface="Arial" panose="020B0604020202020204" pitchFamily="34" charset="0"/>
-              <a:buChar char="•"/>
-            </a:pPr>
-            <a:r>
-              <a:rPr lang="en-US" sz="1400" dirty="0"/>
-              <a:t>GDP</a:t>
-            </a:r>
-          </a:p>
-          <a:p>
-            <a:pPr marL="285750" indent="-285750">
-              <a:buFont typeface="Arial" panose="020B0604020202020204" pitchFamily="34" charset="0"/>
-              <a:buChar char="•"/>
-            </a:pPr>
-            <a:r>
-              <a:rPr lang="en-US" sz="1400" dirty="0"/>
-              <a:t>Social Support</a:t>
-            </a:r>
-          </a:p>
-          <a:p>
-            <a:pPr marL="285750" indent="-285750">
-              <a:buFont typeface="Arial" panose="020B0604020202020204" pitchFamily="34" charset="0"/>
-              <a:buChar char="•"/>
-            </a:pPr>
-            <a:r>
-              <a:rPr lang="en-US" sz="1400" dirty="0"/>
-              <a:t>Healthy life expectancy</a:t>
-            </a:r>
-          </a:p>
-          <a:p>
-            <a:pPr marL="285750" indent="-285750">
-              <a:buFont typeface="Arial" panose="020B0604020202020204" pitchFamily="34" charset="0"/>
-              <a:buChar char="•"/>
-            </a:pPr>
-            <a:r>
-              <a:rPr lang="en-US" sz="1400" dirty="0"/>
-              <a:t>Freedom to make life choices</a:t>
-            </a:r>
-          </a:p>
-          <a:p>
-            <a:pPr marL="285750" indent="-285750">
-              <a:buFont typeface="Arial" panose="020B0604020202020204" pitchFamily="34" charset="0"/>
-              <a:buChar char="•"/>
-            </a:pPr>
-            <a:r>
-              <a:rPr lang="en-US" sz="1400" dirty="0"/>
-              <a:t>Generosity</a:t>
-            </a:r>
-          </a:p>
-          <a:p>
-            <a:pPr marL="285750" indent="-285750">
-              <a:buFont typeface="Arial" panose="020B0604020202020204" pitchFamily="34" charset="0"/>
-              <a:buChar char="•"/>
-            </a:pPr>
-            <a:r>
-              <a:rPr lang="en-US" sz="1400" dirty="0"/>
-              <a:t>Perceptions of Corruption</a:t>
-            </a:r>
-          </a:p>
-        </p:txBody>
-      </p:sp>
-      <p:pic>
-        <p:nvPicPr>
-          <p:cNvPr id="9" name="Content Placeholder 8">
-            <a:extLst>
-              <a:ext uri="{FF2B5EF4-FFF2-40B4-BE49-F238E27FC236}">
-                <a16:creationId xmlns:a16="http://schemas.microsoft.com/office/drawing/2014/main" id="{2853F925-5436-40D2-BA58-F0C4430BE077}"/>
-              </a:ext>
-            </a:extLst>
-          </p:cNvPr>
-          <p:cNvPicPr>
-            <a:picLocks noGrp="1" noChangeAspect="1"/>
-          </p:cNvPicPr>
-          <p:nvPr>
-            <p:ph idx="1"/>
-          </p:nvPr>
-        </p:nvPicPr>
-        <p:blipFill>
-          <a:blip r:embed="rId3"/>
-          <a:stretch>
-            <a:fillRect/>
-          </a:stretch>
-        </p:blipFill>
-        <p:spPr>
-          <a:xfrm>
-            <a:off x="5066523" y="838525"/>
-            <a:ext cx="6064898" cy="5411060"/>
-          </a:xfrm>
-        </p:spPr>
-      </p:pic>
-    </p:spTree>
-    <p:extLst>
-      <p:ext uri="{BB962C8B-B14F-4D97-AF65-F5344CB8AC3E}">
-        <p14:creationId xmlns:p14="http://schemas.microsoft.com/office/powerpoint/2010/main" val="3633173871"/>
-      </p:ext>
-    </p:extLst>
-  </p:cSld>
-  <p:clrMapOvr>
-    <a:masterClrMapping/>
-  </p:clrMapOvr>
-</p:sld>
-</file>
-
-<file path=ppt/slides/slide5.xml><?xml version="1.0" encoding="utf-8"?>
-<p:sld xmlns:a="http://schemas.openxmlformats.org/drawingml/2006/main" xmlns:r="http://schemas.openxmlformats.org/officeDocument/2006/relationships" xmlns:p="http://schemas.openxmlformats.org/presentationml/2006/main">
-  <p:cSld>
-    <p:spTree>
-      <p:nvGrpSpPr>
-        <p:cNvPr id="1" name=""/>
-        <p:cNvGrpSpPr/>
-        <p:nvPr/>
-      </p:nvGrpSpPr>
-      <p:grpSpPr>
-        <a:xfrm>
-          <a:off x="0" y="0"/>
-          <a:ext cx="0" cy="0"/>
-          <a:chOff x="0" y="0"/>
-          <a:chExt cx="0" cy="0"/>
-        </a:xfrm>
-      </p:grpSpPr>
-      <p:sp>
-        <p:nvSpPr>
-          <p:cNvPr id="2" name="Title 1">
-            <a:extLst>
-              <a:ext uri="{FF2B5EF4-FFF2-40B4-BE49-F238E27FC236}">
-                <a16:creationId xmlns:a16="http://schemas.microsoft.com/office/drawing/2014/main" id="{8C7A8E20-C6B7-40A4-B6A9-3AC598B0C363}"/>
-              </a:ext>
-            </a:extLst>
-          </p:cNvPr>
-          <p:cNvSpPr>
-            <a:spLocks noGrp="1"/>
-          </p:cNvSpPr>
-          <p:nvPr>
-            <p:ph type="title"/>
-          </p:nvPr>
-        </p:nvSpPr>
-        <p:spPr>
-          <a:xfrm>
-            <a:off x="767857" y="933451"/>
-            <a:ext cx="3031852" cy="660458"/>
-          </a:xfrm>
-        </p:spPr>
-        <p:txBody>
-          <a:bodyPr>
-            <a:normAutofit fontScale="90000"/>
-          </a:bodyPr>
-          <a:lstStyle/>
-          <a:p>
-            <a:r>
-              <a:rPr lang="en-US" dirty="0"/>
-              <a:t>What did we learn…</a:t>
-            </a:r>
-          </a:p>
-        </p:txBody>
-      </p:sp>
-      <p:sp>
-        <p:nvSpPr>
-          <p:cNvPr id="4" name="Text Placeholder 3">
-            <a:extLst>
-              <a:ext uri="{FF2B5EF4-FFF2-40B4-BE49-F238E27FC236}">
-                <a16:creationId xmlns:a16="http://schemas.microsoft.com/office/drawing/2014/main" id="{980602B7-B213-4FBE-8B51-E1B11D0C134E}"/>
-              </a:ext>
-            </a:extLst>
-          </p:cNvPr>
-          <p:cNvSpPr>
-            <a:spLocks noGrp="1"/>
-          </p:cNvSpPr>
-          <p:nvPr>
-            <p:ph type="body" sz="half" idx="2"/>
-          </p:nvPr>
-        </p:nvSpPr>
-        <p:spPr>
-          <a:xfrm>
-            <a:off x="767857" y="1904301"/>
-            <a:ext cx="3031852" cy="3933745"/>
-          </a:xfrm>
-        </p:spPr>
-        <p:txBody>
-          <a:bodyPr/>
-          <a:lstStyle/>
-          <a:p>
-            <a:endParaRPr lang="en-US" dirty="0"/>
-          </a:p>
-        </p:txBody>
+          <p:cNvPr id="47" name="Rectangle 46">
+            <a:extLst>
+              <a:ext uri="{FF2B5EF4-FFF2-40B4-BE49-F238E27FC236}">
+                <a16:creationId xmlns:a16="http://schemas.microsoft.com/office/drawing/2014/main" id="{885CDBF6-7B87-4A58-92CA-E887CA36AF04}"/>
+              </a:ext>
+              <a:ext uri="{C183D7F6-B498-43B3-948B-1728B52AA6E4}">
+                <adec:decorative xmlns:adec="http://schemas.microsoft.com/office/drawing/2017/decorative" val="1"/>
+              </a:ext>
+            </a:extLst>
+          </p:cNvPr>
+          <p:cNvSpPr>
+            <a:spLocks noGrp="1" noRot="1" noChangeAspect="1" noMove="1" noResize="1" noEditPoints="1" noAdjustHandles="1" noChangeArrowheads="1" noChangeShapeType="1" noTextEdit="1"/>
+          </p:cNvSpPr>
+          <p:nvPr>
+            <p:extLst>
+              <p:ext uri="{386F3935-93C4-4BCD-93E2-E3B085C9AB24}">
+                <p16:designElem xmlns:p16="http://schemas.microsoft.com/office/powerpoint/2015/main" val="1"/>
+              </p:ext>
+            </p:extLst>
+          </p:nvPr>
+        </p:nvSpPr>
+        <p:spPr>
+          <a:xfrm>
+            <a:off x="446534" y="457200"/>
+            <a:ext cx="3703320" cy="94997"/>
+          </a:xfrm>
+          <a:prstGeom prst="rect">
+            <a:avLst/>
+          </a:prstGeom>
+          <a:solidFill>
+            <a:srgbClr val="465359"/>
+          </a:solidFill>
+          <a:ln>
+            <a:noFill/>
+          </a:ln>
+          <a:effectLst/>
+        </p:spPr>
+        <p:style>
+          <a:lnRef idx="1">
+            <a:schemeClr val="accent1"/>
+          </a:lnRef>
+          <a:fillRef idx="3">
+            <a:schemeClr val="accent1"/>
+          </a:fillRef>
+          <a:effectRef idx="2">
+            <a:schemeClr val="accent1"/>
+          </a:effectRef>
+          <a:fontRef idx="minor">
+            <a:schemeClr val="lt1"/>
+          </a:fontRef>
+        </p:style>
+      </p:sp>
+      <p:sp>
+        <p:nvSpPr>
+          <p:cNvPr id="49" name="Rectangle 48">
+            <a:extLst>
+              <a:ext uri="{FF2B5EF4-FFF2-40B4-BE49-F238E27FC236}">
+                <a16:creationId xmlns:a16="http://schemas.microsoft.com/office/drawing/2014/main" id="{6BFF2B2E-1CF1-403F-BB44-3F9C3E7F67FF}"/>
+              </a:ext>
+              <a:ext uri="{C183D7F6-B498-43B3-948B-1728B52AA6E4}">
+                <adec:decorative xmlns:adec="http://schemas.microsoft.com/office/drawing/2017/decorative" val="1"/>
+              </a:ext>
+            </a:extLst>
+          </p:cNvPr>
+          <p:cNvSpPr>
+            <a:spLocks noGrp="1" noRot="1" noChangeAspect="1" noMove="1" noResize="1" noEditPoints="1" noAdjustHandles="1" noChangeArrowheads="1" noChangeShapeType="1" noTextEdit="1"/>
+          </p:cNvSpPr>
+          <p:nvPr>
+            <p:extLst>
+              <p:ext uri="{386F3935-93C4-4BCD-93E2-E3B085C9AB24}">
+                <p16:designElem xmlns:p16="http://schemas.microsoft.com/office/powerpoint/2015/main" val="1"/>
+              </p:ext>
+            </p:extLst>
+          </p:nvPr>
+        </p:nvSpPr>
+        <p:spPr>
+          <a:xfrm>
+            <a:off x="4241830" y="457200"/>
+            <a:ext cx="3703320" cy="91440"/>
+          </a:xfrm>
+          <a:prstGeom prst="rect">
+            <a:avLst/>
+          </a:prstGeom>
+          <a:solidFill>
+            <a:schemeClr val="accent1"/>
+          </a:solidFill>
+          <a:ln>
+            <a:noFill/>
+          </a:ln>
+          <a:effectLst/>
+        </p:spPr>
+        <p:style>
+          <a:lnRef idx="1">
+            <a:schemeClr val="accent1"/>
+          </a:lnRef>
+          <a:fillRef idx="3">
+            <a:schemeClr val="accent1"/>
+          </a:fillRef>
+          <a:effectRef idx="2">
+            <a:schemeClr val="accent1"/>
+          </a:effectRef>
+          <a:fontRef idx="minor">
+            <a:schemeClr val="lt1"/>
+          </a:fontRef>
+        </p:style>
+      </p:sp>
+      <p:sp>
+        <p:nvSpPr>
+          <p:cNvPr id="51" name="Rectangle 50">
+            <a:extLst>
+              <a:ext uri="{FF2B5EF4-FFF2-40B4-BE49-F238E27FC236}">
+                <a16:creationId xmlns:a16="http://schemas.microsoft.com/office/drawing/2014/main" id="{9D8B4D3C-0DE0-43B9-B032-32B536B96D02}"/>
+              </a:ext>
+              <a:ext uri="{C183D7F6-B498-43B3-948B-1728B52AA6E4}">
+                <adec:decorative xmlns:adec="http://schemas.microsoft.com/office/drawing/2017/decorative" val="1"/>
+              </a:ext>
+            </a:extLst>
+          </p:cNvPr>
+          <p:cNvSpPr>
+            <a:spLocks noGrp="1" noRot="1" noChangeAspect="1" noMove="1" noResize="1" noEditPoints="1" noAdjustHandles="1" noChangeArrowheads="1" noChangeShapeType="1" noTextEdit="1"/>
+          </p:cNvSpPr>
+          <p:nvPr>
+            <p:extLst>
+              <p:ext uri="{386F3935-93C4-4BCD-93E2-E3B085C9AB24}">
+                <p16:designElem xmlns:p16="http://schemas.microsoft.com/office/powerpoint/2015/main" val="1"/>
+              </p:ext>
+            </p:extLst>
+          </p:nvPr>
+        </p:nvSpPr>
+        <p:spPr>
+          <a:xfrm>
+            <a:off x="8042147" y="453643"/>
+            <a:ext cx="3703320" cy="98554"/>
+          </a:xfrm>
+          <a:prstGeom prst="rect">
+            <a:avLst/>
+          </a:prstGeom>
+          <a:solidFill>
+            <a:srgbClr val="969FA7"/>
+          </a:solidFill>
+          <a:ln>
+            <a:noFill/>
+          </a:ln>
+          <a:effectLst/>
+        </p:spPr>
+        <p:style>
+          <a:lnRef idx="1">
+            <a:schemeClr val="accent1"/>
+          </a:lnRef>
+          <a:fillRef idx="3">
+            <a:schemeClr val="accent1"/>
+          </a:fillRef>
+          <a:effectRef idx="2">
+            <a:schemeClr val="accent1"/>
+          </a:effectRef>
+          <a:fontRef idx="minor">
+            <a:schemeClr val="lt1"/>
+          </a:fontRef>
+        </p:style>
       </p:sp>
       <p:pic>
         <p:nvPicPr>
@@ -6936,11 +10433,9 @@
             </a:extLst>
           </p:cNvPr>
           <p:cNvPicPr>
-            <a:picLocks noGrp="1"/>
+            <a:picLocks/>
           </p:cNvPicPr>
-          <p:nvPr>
-            <p:ph idx="1"/>
-          </p:nvPr>
+          <p:nvPr/>
         </p:nvPicPr>
         <p:blipFill>
           <a:blip r:embed="rId2"/>
@@ -6950,20 +10445,109 @@
         </p:blipFill>
         <p:spPr>
           <a:xfrm>
-            <a:off x="6096000" y="1220764"/>
-            <a:ext cx="5530399" cy="3933745"/>
+            <a:off x="931166" y="1458911"/>
+            <a:ext cx="6518800" cy="4234309"/>
           </a:xfrm>
           <a:prstGeom prst="rect">
             <a:avLst/>
           </a:prstGeom>
         </p:spPr>
       </p:pic>
+      <p:sp>
+        <p:nvSpPr>
+          <p:cNvPr id="53" name="Rectangle 52">
+            <a:extLst>
+              <a:ext uri="{FF2B5EF4-FFF2-40B4-BE49-F238E27FC236}">
+                <a16:creationId xmlns:a16="http://schemas.microsoft.com/office/drawing/2014/main" id="{707788D3-E467-4E25-A5E9-FD41795BD551}"/>
+              </a:ext>
+              <a:ext uri="{C183D7F6-B498-43B3-948B-1728B52AA6E4}">
+                <adec:decorative xmlns:adec="http://schemas.microsoft.com/office/drawing/2017/decorative" val="1"/>
+              </a:ext>
+            </a:extLst>
+          </p:cNvPr>
+          <p:cNvSpPr>
+            <a:spLocks noGrp="1" noRot="1" noChangeAspect="1" noMove="1" noResize="1" noEditPoints="1" noAdjustHandles="1" noChangeArrowheads="1" noChangeShapeType="1" noTextEdit="1"/>
+          </p:cNvSpPr>
+          <p:nvPr>
+            <p:extLst>
+              <p:ext uri="{386F3935-93C4-4BCD-93E2-E3B085C9AB24}">
+                <p16:designElem xmlns:p16="http://schemas.microsoft.com/office/powerpoint/2015/main" val="1"/>
+              </p:ext>
+            </p:extLst>
+          </p:nvPr>
+        </p:nvSpPr>
+        <p:spPr>
+          <a:xfrm>
+            <a:off x="8042147" y="601200"/>
+            <a:ext cx="3703320" cy="5789365"/>
+          </a:xfrm>
+          <a:prstGeom prst="rect">
+            <a:avLst/>
+          </a:prstGeom>
+          <a:solidFill>
+            <a:srgbClr val="465359"/>
+          </a:solidFill>
+          <a:ln>
+            <a:noFill/>
+          </a:ln>
+          <a:effectLst/>
+        </p:spPr>
+        <p:style>
+          <a:lnRef idx="1">
+            <a:schemeClr val="accent1"/>
+          </a:lnRef>
+          <a:fillRef idx="3">
+            <a:schemeClr val="accent1"/>
+          </a:fillRef>
+          <a:effectRef idx="2">
+            <a:schemeClr val="accent1"/>
+          </a:effectRef>
+          <a:fontRef idx="minor">
+            <a:schemeClr val="lt1"/>
+          </a:fontRef>
+        </p:style>
+      </p:sp>
+      <p:sp>
+        <p:nvSpPr>
+          <p:cNvPr id="2" name="Title 1">
+            <a:extLst>
+              <a:ext uri="{FF2B5EF4-FFF2-40B4-BE49-F238E27FC236}">
+                <a16:creationId xmlns:a16="http://schemas.microsoft.com/office/drawing/2014/main" id="{8C7A8E20-C6B7-40A4-B6A9-3AC598B0C363}"/>
+              </a:ext>
+            </a:extLst>
+          </p:cNvPr>
+          <p:cNvSpPr>
+            <a:spLocks noGrp="1"/>
+          </p:cNvSpPr>
+          <p:nvPr>
+            <p:ph type="title"/>
+          </p:nvPr>
+        </p:nvSpPr>
+        <p:spPr>
+          <a:xfrm>
+            <a:off x="8296275" y="1419225"/>
+            <a:ext cx="3081576" cy="2085869"/>
+          </a:xfrm>
+        </p:spPr>
+        <p:txBody>
+          <a:bodyPr vert="horz" lIns="91440" tIns="45720" rIns="91440" bIns="45720" rtlCol="0" anchor="b">
+            <a:normAutofit/>
+          </a:bodyPr>
+          <a:lstStyle/>
+          <a:p>
+            <a:r>
+              <a:rPr lang="en-US" sz="3600"/>
+              <a:t>What did we learn…</a:t>
+            </a:r>
+          </a:p>
+        </p:txBody>
+      </p:sp>
       <p:pic>
         <p:nvPicPr>
-          <p:cNvPr id="7" name="Picture 6" descr="A picture containing clipart&#10;&#10;Description automatically generated">
-            <a:extLst>
-              <a:ext uri="{FF2B5EF4-FFF2-40B4-BE49-F238E27FC236}">
-                <a16:creationId xmlns:a16="http://schemas.microsoft.com/office/drawing/2014/main" id="{4AFC5DD4-E705-4A30-B07E-2D08993F1C93}"/>
+          <p:cNvPr id="27" name="Picture 26" descr="A picture containing clipart&#10;&#10;Description automatically generated">
+            <a:extLst>
+              <a:ext uri="{FF2B5EF4-FFF2-40B4-BE49-F238E27FC236}">
+                <a16:creationId xmlns:a16="http://schemas.microsoft.com/office/drawing/2014/main" id="{31446D2B-6A92-4619-BE85-C0192A9939E2}"/>
               </a:ext>
             </a:extLst>
           </p:cNvPr>
@@ -6986,76 +10570,14 @@
         </p:blipFill>
         <p:spPr>
           <a:xfrm>
-            <a:off x="4518164" y="4873905"/>
-            <a:ext cx="1710359" cy="1928281"/>
+            <a:off x="6654565" y="5185635"/>
+            <a:ext cx="1091491" cy="1455322"/>
           </a:xfrm>
           <a:prstGeom prst="rect">
             <a:avLst/>
           </a:prstGeom>
         </p:spPr>
       </p:pic>
-      <p:sp>
-        <p:nvSpPr>
-          <p:cNvPr id="8" name="TextBox 7">
-            <a:extLst>
-              <a:ext uri="{FF2B5EF4-FFF2-40B4-BE49-F238E27FC236}">
-                <a16:creationId xmlns:a16="http://schemas.microsoft.com/office/drawing/2014/main" id="{B9A1B1C7-D0BB-47BF-BBBB-260180D69174}"/>
-              </a:ext>
-            </a:extLst>
-          </p:cNvPr>
-          <p:cNvSpPr txBox="1"/>
-          <p:nvPr/>
-        </p:nvSpPr>
-        <p:spPr>
-          <a:xfrm>
-            <a:off x="6794584" y="5045461"/>
-            <a:ext cx="4345996" cy="461665"/>
-          </a:xfrm>
-          <a:prstGeom prst="rect">
-            <a:avLst/>
-          </a:prstGeom>
-          <a:noFill/>
-        </p:spPr>
-        <p:txBody>
-          <a:bodyPr wrap="square">
-            <a:spAutoFit/>
-          </a:bodyPr>
-          <a:lstStyle/>
-          <a:p>
-            <a:r>
-              <a:rPr lang="en-US" sz="1200" b="0" i="0" u="none" strike="noStrike" dirty="0">
-                <a:solidFill>
-                  <a:srgbClr val="000000"/>
-                </a:solidFill>
-                <a:effectLst/>
-                <a:latin typeface="Courier New" panose="02070309020205020404" pitchFamily="49" charset="0"/>
-              </a:rPr>
-              <a:t>The correlation coefficient between GDP Per </a:t>
-            </a:r>
-            <a:r>
-              <a:rPr lang="en-US" sz="1200" b="0" i="0" u="none" strike="noStrike" dirty="0" err="1">
-                <a:solidFill>
-                  <a:srgbClr val="000000"/>
-                </a:solidFill>
-                <a:effectLst/>
-                <a:latin typeface="Courier New" panose="02070309020205020404" pitchFamily="49" charset="0"/>
-              </a:rPr>
-              <a:t>Captia</a:t>
-            </a:r>
-            <a:r>
-              <a:rPr lang="en-US" sz="1200" b="0" i="0" u="none" strike="noStrike" dirty="0">
-                <a:solidFill>
-                  <a:srgbClr val="000000"/>
-                </a:solidFill>
-                <a:effectLst/>
-                <a:latin typeface="Courier New" panose="02070309020205020404" pitchFamily="49" charset="0"/>
-              </a:rPr>
-              <a:t> and Healthy Life Expectancy is 0.78</a:t>
-            </a:r>
-            <a:endParaRPr lang="en-US" sz="1200" dirty="0"/>
-          </a:p>
-        </p:txBody>
-      </p:sp>
     </p:spTree>
     <p:extLst>
       <p:ext uri="{BB962C8B-B14F-4D97-AF65-F5344CB8AC3E}">
@@ -7096,10 +10618,10 @@
       </p:grpSpPr>
       <p:sp>
         <p:nvSpPr>
-          <p:cNvPr id="30" name="Rectangle 29">
-            <a:extLst>
-              <a:ext uri="{FF2B5EF4-FFF2-40B4-BE49-F238E27FC236}">
-                <a16:creationId xmlns:a16="http://schemas.microsoft.com/office/drawing/2014/main" id="{12E8CD4E-6381-4807-AA5B-CE0024A8BE19}"/>
+          <p:cNvPr id="43" name="Rectangle 42">
+            <a:extLst>
+              <a:ext uri="{FF2B5EF4-FFF2-40B4-BE49-F238E27FC236}">
+                <a16:creationId xmlns:a16="http://schemas.microsoft.com/office/drawing/2014/main" id="{E1750109-3B91-4506-B997-0CD8E35A1488}"/>
               </a:ext>
               <a:ext uri="{C183D7F6-B498-43B3-948B-1728B52AA6E4}">
                 <adec:decorative xmlns:adec="http://schemas.microsoft.com/office/drawing/2017/decorative" val="1"/>
@@ -7126,10 +10648,7 @@
             <a:avLst/>
           </a:prstGeom>
           <a:solidFill>
-            <a:schemeClr val="bg1">
-              <a:lumMod val="85000"/>
-              <a:lumOff val="15000"/>
-            </a:schemeClr>
+            <a:srgbClr val="4E4E4E"/>
           </a:solidFill>
           <a:ln>
             <a:noFill/>
@@ -7162,10 +10681,10 @@
       </p:sp>
       <p:sp>
         <p:nvSpPr>
-          <p:cNvPr id="32" name="Rectangle 31">
-            <a:extLst>
-              <a:ext uri="{FF2B5EF4-FFF2-40B4-BE49-F238E27FC236}">
-                <a16:creationId xmlns:a16="http://schemas.microsoft.com/office/drawing/2014/main" id="{D28445F8-F032-43C9-8D0F-A5155F525283}"/>
+          <p:cNvPr id="45" name="Rectangle 44">
+            <a:extLst>
+              <a:ext uri="{FF2B5EF4-FFF2-40B4-BE49-F238E27FC236}">
+                <a16:creationId xmlns:a16="http://schemas.microsoft.com/office/drawing/2014/main" id="{E72D8D1B-59F6-4FF3-8547-9BBB6129F2FA}"/>
               </a:ext>
               <a:ext uri="{C183D7F6-B498-43B3-948B-1728B52AA6E4}">
                 <adec:decorative xmlns:adec="http://schemas.microsoft.com/office/drawing/2017/decorative" val="1"/>
@@ -7185,17 +10704,17 @@
         </p:nvSpPr>
         <p:spPr>
           <a:xfrm>
-            <a:off x="477012" y="480059"/>
-            <a:ext cx="5538555" cy="2887029"/>
-          </a:xfrm>
-          <a:prstGeom prst="rect">
-            <a:avLst/>
-          </a:prstGeom>
-          <a:noFill/>
-          <a:ln>
-            <a:solidFill>
-              <a:schemeClr val="tx1"/>
-            </a:solidFill>
+            <a:off x="461331" y="480060"/>
+            <a:ext cx="3442553" cy="2788074"/>
+          </a:xfrm>
+          <a:prstGeom prst="rect">
+            <a:avLst/>
+          </a:prstGeom>
+          <a:solidFill>
+            <a:schemeClr val="bg1"/>
+          </a:solidFill>
+          <a:ln w="19050">
+            <a:noFill/>
           </a:ln>
         </p:spPr>
         <p:style>
@@ -7225,10 +10744,10 @@
       </p:sp>
       <p:pic>
         <p:nvPicPr>
-          <p:cNvPr id="20" name="Picture 19">
-            <a:extLst>
-              <a:ext uri="{FF2B5EF4-FFF2-40B4-BE49-F238E27FC236}">
-                <a16:creationId xmlns:a16="http://schemas.microsoft.com/office/drawing/2014/main" id="{FCD57F74-314C-4632-8CBB-27B9783E8938}"/>
+          <p:cNvPr id="18" name="Picture 17">
+            <a:extLst>
+              <a:ext uri="{FF2B5EF4-FFF2-40B4-BE49-F238E27FC236}">
+                <a16:creationId xmlns:a16="http://schemas.microsoft.com/office/drawing/2014/main" id="{E71B1315-4AD3-48BF-A204-9EF577881F9E}"/>
               </a:ext>
             </a:extLst>
           </p:cNvPr>
@@ -7243,8 +10762,8 @@
         </p:blipFill>
         <p:spPr>
           <a:xfrm>
-            <a:off x="6658281" y="624892"/>
-            <a:ext cx="4809174" cy="2560320"/>
+            <a:off x="622549" y="901798"/>
+            <a:ext cx="3122143" cy="1958991"/>
           </a:xfrm>
           <a:prstGeom prst="rect">
             <a:avLst/>
@@ -7253,10 +10772,10 @@
       </p:pic>
       <p:sp>
         <p:nvSpPr>
-          <p:cNvPr id="34" name="Rectangle 33">
-            <a:extLst>
-              <a:ext uri="{FF2B5EF4-FFF2-40B4-BE49-F238E27FC236}">
-                <a16:creationId xmlns:a16="http://schemas.microsoft.com/office/drawing/2014/main" id="{36A325B5-56A3-425A-B9A3-0CEB7CA1BBF6}"/>
+          <p:cNvPr id="47" name="Rectangle 46">
+            <a:extLst>
+              <a:ext uri="{FF2B5EF4-FFF2-40B4-BE49-F238E27FC236}">
+                <a16:creationId xmlns:a16="http://schemas.microsoft.com/office/drawing/2014/main" id="{14044C96-7CFD-44DB-A579-D77B0D37C681}"/>
               </a:ext>
               <a:ext uri="{C183D7F6-B498-43B3-948B-1728B52AA6E4}">
                 <adec:decorative xmlns:adec="http://schemas.microsoft.com/office/drawing/2017/decorative" val="1"/>
@@ -7276,17 +10795,17 @@
         </p:nvSpPr>
         <p:spPr>
           <a:xfrm>
-            <a:off x="6176432" y="480060"/>
-            <a:ext cx="5538555" cy="2887028"/>
-          </a:xfrm>
-          <a:prstGeom prst="rect">
-            <a:avLst/>
-          </a:prstGeom>
-          <a:noFill/>
-          <a:ln>
-            <a:solidFill>
-              <a:schemeClr val="tx1"/>
-            </a:solidFill>
+            <a:off x="8135998" y="487090"/>
+            <a:ext cx="3588174" cy="2781044"/>
+          </a:xfrm>
+          <a:prstGeom prst="rect">
+            <a:avLst/>
+          </a:prstGeom>
+          <a:solidFill>
+            <a:schemeClr val="bg1"/>
+          </a:solidFill>
+          <a:ln w="19050">
+            <a:noFill/>
           </a:ln>
         </p:spPr>
         <p:style>
@@ -7316,10 +10835,10 @@
       </p:sp>
       <p:pic>
         <p:nvPicPr>
-          <p:cNvPr id="18" name="Picture 17">
-            <a:extLst>
-              <a:ext uri="{FF2B5EF4-FFF2-40B4-BE49-F238E27FC236}">
-                <a16:creationId xmlns:a16="http://schemas.microsoft.com/office/drawing/2014/main" id="{E71B1315-4AD3-48BF-A204-9EF577881F9E}"/>
+          <p:cNvPr id="22" name="Picture 21">
+            <a:extLst>
+              <a:ext uri="{FF2B5EF4-FFF2-40B4-BE49-F238E27FC236}">
+                <a16:creationId xmlns:a16="http://schemas.microsoft.com/office/drawing/2014/main" id="{9225E7FC-D4A0-472C-A9DC-31690926C6B2}"/>
               </a:ext>
             </a:extLst>
           </p:cNvPr>
@@ -7334,8 +10853,8 @@
         </p:blipFill>
         <p:spPr>
           <a:xfrm>
-            <a:off x="824244" y="624892"/>
-            <a:ext cx="4844089" cy="2560320"/>
+            <a:off x="8313518" y="1001422"/>
+            <a:ext cx="3252903" cy="1766772"/>
           </a:xfrm>
           <a:prstGeom prst="rect">
             <a:avLst/>
@@ -7344,10 +10863,10 @@
       </p:pic>
       <p:sp>
         <p:nvSpPr>
-          <p:cNvPr id="36" name="Rectangle 35">
-            <a:extLst>
-              <a:ext uri="{FF2B5EF4-FFF2-40B4-BE49-F238E27FC236}">
-                <a16:creationId xmlns:a16="http://schemas.microsoft.com/office/drawing/2014/main" id="{B80DE958-9D45-4CAD-BF1F-FA2ED970B7F6}"/>
+          <p:cNvPr id="49" name="Rectangle 48">
+            <a:extLst>
+              <a:ext uri="{FF2B5EF4-FFF2-40B4-BE49-F238E27FC236}">
+                <a16:creationId xmlns:a16="http://schemas.microsoft.com/office/drawing/2014/main" id="{8FC8C21F-9484-4A71-ABFA-6C10682FAC3E}"/>
               </a:ext>
               <a:ext uri="{C183D7F6-B498-43B3-948B-1728B52AA6E4}">
                 <adec:decorative xmlns:adec="http://schemas.microsoft.com/office/drawing/2017/decorative" val="1"/>
@@ -7367,17 +10886,17 @@
         </p:nvSpPr>
         <p:spPr>
           <a:xfrm>
-            <a:off x="477013" y="3527956"/>
-            <a:ext cx="5538554" cy="2849985"/>
-          </a:xfrm>
-          <a:prstGeom prst="rect">
-            <a:avLst/>
-          </a:prstGeom>
-          <a:noFill/>
-          <a:ln>
-            <a:solidFill>
-              <a:schemeClr val="tx1"/>
-            </a:solidFill>
+            <a:off x="461331" y="3603670"/>
+            <a:ext cx="3442553" cy="2788074"/>
+          </a:xfrm>
+          <a:prstGeom prst="rect">
+            <a:avLst/>
+          </a:prstGeom>
+          <a:solidFill>
+            <a:schemeClr val="bg1"/>
+          </a:solidFill>
+          <a:ln w="19050">
+            <a:noFill/>
           </a:ln>
         </p:spPr>
         <p:style>
@@ -7407,10 +10926,10 @@
       </p:sp>
       <p:pic>
         <p:nvPicPr>
-          <p:cNvPr id="22" name="Picture 21">
-            <a:extLst>
-              <a:ext uri="{FF2B5EF4-FFF2-40B4-BE49-F238E27FC236}">
-                <a16:creationId xmlns:a16="http://schemas.microsoft.com/office/drawing/2014/main" id="{9225E7FC-D4A0-472C-A9DC-31690926C6B2}"/>
+          <p:cNvPr id="20" name="Picture 19">
+            <a:extLst>
+              <a:ext uri="{FF2B5EF4-FFF2-40B4-BE49-F238E27FC236}">
+                <a16:creationId xmlns:a16="http://schemas.microsoft.com/office/drawing/2014/main" id="{FCD57F74-314C-4632-8CBB-27B9783E8938}"/>
               </a:ext>
             </a:extLst>
           </p:cNvPr>
@@ -7425,8 +10944,8 @@
         </p:blipFill>
         <p:spPr>
           <a:xfrm>
-            <a:off x="890245" y="3653451"/>
-            <a:ext cx="4713947" cy="2560320"/>
+            <a:off x="622549" y="4006400"/>
+            <a:ext cx="3104943" cy="1955219"/>
           </a:xfrm>
           <a:prstGeom prst="rect">
             <a:avLst/>
@@ -7435,10 +10954,10 @@
       </p:pic>
       <p:sp>
         <p:nvSpPr>
-          <p:cNvPr id="38" name="Rectangle 37">
-            <a:extLst>
-              <a:ext uri="{FF2B5EF4-FFF2-40B4-BE49-F238E27FC236}">
-                <a16:creationId xmlns:a16="http://schemas.microsoft.com/office/drawing/2014/main" id="{BB93B4BF-AD35-4E52-8131-161C5FB9CDD7}"/>
+          <p:cNvPr id="51" name="Rectangle 50">
+            <a:extLst>
+              <a:ext uri="{FF2B5EF4-FFF2-40B4-BE49-F238E27FC236}">
+                <a16:creationId xmlns:a16="http://schemas.microsoft.com/office/drawing/2014/main" id="{2C444748-5A8D-4B53-89FE-42B455DFA2D1}"/>
               </a:ext>
               <a:ext uri="{C183D7F6-B498-43B3-948B-1728B52AA6E4}">
                 <adec:decorative xmlns:adec="http://schemas.microsoft.com/office/drawing/2017/decorative" val="1"/>
@@ -7458,17 +10977,17 @@
         </p:nvSpPr>
         <p:spPr>
           <a:xfrm>
-            <a:off x="6176432" y="3527956"/>
-            <a:ext cx="5538555" cy="2849985"/>
-          </a:xfrm>
-          <a:prstGeom prst="rect">
-            <a:avLst/>
-          </a:prstGeom>
-          <a:noFill/>
-          <a:ln>
-            <a:solidFill>
-              <a:schemeClr val="tx1"/>
-            </a:solidFill>
+            <a:off x="4225618" y="487090"/>
+            <a:ext cx="3588171" cy="5897880"/>
+          </a:xfrm>
+          <a:prstGeom prst="rect">
+            <a:avLst/>
+          </a:prstGeom>
+          <a:solidFill>
+            <a:schemeClr val="bg1"/>
+          </a:solidFill>
+          <a:ln w="19050">
+            <a:noFill/>
           </a:ln>
         </p:spPr>
         <p:style>
@@ -7498,34 +11017,6 @@
       </p:sp>
       <p:pic>
         <p:nvPicPr>
-          <p:cNvPr id="24" name="Picture 23">
-            <a:extLst>
-              <a:ext uri="{FF2B5EF4-FFF2-40B4-BE49-F238E27FC236}">
-                <a16:creationId xmlns:a16="http://schemas.microsoft.com/office/drawing/2014/main" id="{B0FCEB51-009C-45A6-A5F7-4B6903391588}"/>
-              </a:ext>
-            </a:extLst>
-          </p:cNvPr>
-          <p:cNvPicPr/>
-          <p:nvPr/>
-        </p:nvPicPr>
-        <p:blipFill>
-          <a:blip r:embed="rId5"/>
-          <a:stretch>
-            <a:fillRect/>
-          </a:stretch>
-        </p:blipFill>
-        <p:spPr>
-          <a:xfrm>
-            <a:off x="6523664" y="3672788"/>
-            <a:ext cx="4844089" cy="2560320"/>
-          </a:xfrm>
-          <a:prstGeom prst="rect">
-            <a:avLst/>
-          </a:prstGeom>
-        </p:spPr>
-      </p:pic>
-      <p:pic>
-        <p:nvPicPr>
           <p:cNvPr id="16" name="Picture 15" descr="A picture containing background pattern&#10;&#10;Description automatically generated">
             <a:extLst>
               <a:ext uri="{FF2B5EF4-FFF2-40B4-BE49-F238E27FC236}">
@@ -7539,7 +11030,7 @@
           <p:nvPr/>
         </p:nvPicPr>
         <p:blipFill>
-          <a:blip r:embed="rId6">
+          <a:blip r:embed="rId5">
             <a:extLst>
               <a:ext uri="{28A0092B-C50C-407E-A947-70E740481C1C}">
                 <a14:useLocalDpi xmlns:a14="http://schemas.microsoft.com/office/drawing/2010/main" val="0"/>
@@ -7552,8 +11043,8 @@
         </p:blipFill>
         <p:spPr>
           <a:xfrm>
-            <a:off x="5301218" y="2205521"/>
-            <a:ext cx="1428695" cy="1416194"/>
+            <a:off x="4381676" y="1821777"/>
+            <a:ext cx="3252903" cy="3228506"/>
           </a:xfrm>
           <a:prstGeom prst="rect">
             <a:avLst/>
@@ -7562,192 +11053,95 @@
       </p:pic>
       <p:sp>
         <p:nvSpPr>
-          <p:cNvPr id="13" name="TextBox 12">
-            <a:extLst>
-              <a:ext uri="{FF2B5EF4-FFF2-40B4-BE49-F238E27FC236}">
-                <a16:creationId xmlns:a16="http://schemas.microsoft.com/office/drawing/2014/main" id="{6FCACDD4-8719-4E17-8BC2-25440DF4B41B}"/>
-              </a:ext>
-            </a:extLst>
-          </p:cNvPr>
-          <p:cNvSpPr txBox="1"/>
+          <p:cNvPr id="53" name="Rectangle 52">
+            <a:extLst>
+              <a:ext uri="{FF2B5EF4-FFF2-40B4-BE49-F238E27FC236}">
+                <a16:creationId xmlns:a16="http://schemas.microsoft.com/office/drawing/2014/main" id="{F4FFA271-A10A-4AC3-8F06-E3313A197A80}"/>
+              </a:ext>
+              <a:ext uri="{C183D7F6-B498-43B3-948B-1728B52AA6E4}">
+                <adec:decorative xmlns:adec="http://schemas.microsoft.com/office/drawing/2017/decorative" val="1"/>
+              </a:ext>
+            </a:extLst>
+          </p:cNvPr>
+          <p:cNvSpPr>
+            <a:spLocks noGrp="1" noRot="1" noChangeAspect="1" noMove="1" noResize="1" noEditPoints="1" noAdjustHandles="1" noChangeArrowheads="1" noChangeShapeType="1" noTextEdit="1"/>
+          </p:cNvSpPr>
+          <p:nvPr>
+            <p:extLst>
+              <p:ext uri="{386F3935-93C4-4BCD-93E2-E3B085C9AB24}">
+                <p16:designElem xmlns:p16="http://schemas.microsoft.com/office/powerpoint/2015/main" val="1"/>
+              </p:ext>
+            </p:extLst>
+          </p:nvPr>
+        </p:nvSpPr>
+        <p:spPr>
+          <a:xfrm>
+            <a:off x="8129502" y="3603670"/>
+            <a:ext cx="3601167" cy="2788074"/>
+          </a:xfrm>
+          <a:prstGeom prst="rect">
+            <a:avLst/>
+          </a:prstGeom>
+          <a:solidFill>
+            <a:schemeClr val="bg1"/>
+          </a:solidFill>
+          <a:ln w="19050">
+            <a:noFill/>
+          </a:ln>
+        </p:spPr>
+        <p:style>
+          <a:lnRef idx="2">
+            <a:schemeClr val="accent1">
+              <a:shade val="50000"/>
+            </a:schemeClr>
+          </a:lnRef>
+          <a:fillRef idx="1">
+            <a:schemeClr val="accent1"/>
+          </a:fillRef>
+          <a:effectRef idx="0">
+            <a:schemeClr val="accent1"/>
+          </a:effectRef>
+          <a:fontRef idx="minor">
+            <a:schemeClr val="lt1"/>
+          </a:fontRef>
+        </p:style>
+        <p:txBody>
+          <a:bodyPr rtlCol="0" anchor="ctr"/>
+          <a:lstStyle/>
+          <a:p>
+            <a:pPr algn="ctr"/>
+            <a:endParaRPr lang="en-US"/>
+          </a:p>
+        </p:txBody>
+      </p:sp>
+      <p:pic>
+        <p:nvPicPr>
+          <p:cNvPr id="24" name="Picture 23">
+            <a:extLst>
+              <a:ext uri="{FF2B5EF4-FFF2-40B4-BE49-F238E27FC236}">
+                <a16:creationId xmlns:a16="http://schemas.microsoft.com/office/drawing/2014/main" id="{B0FCEB51-009C-45A6-A5F7-4B6903391588}"/>
+              </a:ext>
+            </a:extLst>
+          </p:cNvPr>
+          <p:cNvPicPr/>
           <p:nvPr/>
-        </p:nvSpPr>
-        <p:spPr>
-          <a:xfrm>
-            <a:off x="3754139" y="1996580"/>
-            <a:ext cx="1298044" cy="784830"/>
-          </a:xfrm>
-          <a:prstGeom prst="rect">
-            <a:avLst/>
-          </a:prstGeom>
-          <a:noFill/>
-        </p:spPr>
-        <p:txBody>
-          <a:bodyPr wrap="square">
-            <a:spAutoFit/>
-          </a:bodyPr>
-          <a:lstStyle/>
-          <a:p>
-            <a:r>
-              <a:rPr lang="en-US" sz="900" b="0" i="0" u="none" strike="noStrike" dirty="0">
-                <a:solidFill>
-                  <a:srgbClr val="000000"/>
-                </a:solidFill>
-                <a:effectLst/>
-                <a:latin typeface="Courier New" panose="02070309020205020404" pitchFamily="49" charset="0"/>
-              </a:rPr>
-              <a:t>The correlation coefficient between GDP Per </a:t>
-            </a:r>
-            <a:r>
-              <a:rPr lang="en-US" sz="900" b="0" i="0" u="none" strike="noStrike" dirty="0" err="1">
-                <a:solidFill>
-                  <a:srgbClr val="000000"/>
-                </a:solidFill>
-                <a:effectLst/>
-                <a:latin typeface="Courier New" panose="02070309020205020404" pitchFamily="49" charset="0"/>
-              </a:rPr>
-              <a:t>Captia</a:t>
-            </a:r>
-            <a:r>
-              <a:rPr lang="en-US" sz="900" b="0" i="0" u="none" strike="noStrike" dirty="0">
-                <a:solidFill>
-                  <a:srgbClr val="000000"/>
-                </a:solidFill>
-                <a:effectLst/>
-                <a:latin typeface="Courier New" panose="02070309020205020404" pitchFamily="49" charset="0"/>
-              </a:rPr>
-              <a:t> and Score is 0.79</a:t>
-            </a:r>
-            <a:endParaRPr lang="en-US" sz="900" dirty="0"/>
-          </a:p>
-        </p:txBody>
-      </p:sp>
-      <p:sp>
-        <p:nvSpPr>
-          <p:cNvPr id="15" name="TextBox 14">
-            <a:extLst>
-              <a:ext uri="{FF2B5EF4-FFF2-40B4-BE49-F238E27FC236}">
-                <a16:creationId xmlns:a16="http://schemas.microsoft.com/office/drawing/2014/main" id="{93D08CF9-F975-4C5E-8A9F-4AC01DF9CBD6}"/>
-              </a:ext>
-            </a:extLst>
-          </p:cNvPr>
-          <p:cNvSpPr txBox="1"/>
-          <p:nvPr/>
-        </p:nvSpPr>
-        <p:spPr>
-          <a:xfrm>
-            <a:off x="7365534" y="902392"/>
-            <a:ext cx="1237496" cy="784830"/>
-          </a:xfrm>
-          <a:prstGeom prst="rect">
-            <a:avLst/>
-          </a:prstGeom>
-          <a:noFill/>
-        </p:spPr>
-        <p:txBody>
-          <a:bodyPr wrap="square">
-            <a:spAutoFit/>
-          </a:bodyPr>
-          <a:lstStyle/>
-          <a:p>
-            <a:r>
-              <a:rPr lang="en-US" sz="900" b="0" i="0" u="none" strike="noStrike" dirty="0">
-                <a:solidFill>
-                  <a:srgbClr val="000000"/>
-                </a:solidFill>
-                <a:effectLst/>
-                <a:latin typeface="Courier New" panose="02070309020205020404" pitchFamily="49" charset="0"/>
-              </a:rPr>
-              <a:t>The correlation coefficient between Social Support and Score is 0.65</a:t>
-            </a:r>
-            <a:endParaRPr lang="en-US" sz="900" dirty="0"/>
-          </a:p>
-        </p:txBody>
-      </p:sp>
-      <p:sp>
-        <p:nvSpPr>
-          <p:cNvPr id="17" name="TextBox 16">
-            <a:extLst>
-              <a:ext uri="{FF2B5EF4-FFF2-40B4-BE49-F238E27FC236}">
-                <a16:creationId xmlns:a16="http://schemas.microsoft.com/office/drawing/2014/main" id="{DC9D1518-D9F9-4BF4-BB4D-F8CE5C52D611}"/>
-              </a:ext>
-            </a:extLst>
-          </p:cNvPr>
-          <p:cNvSpPr txBox="1"/>
-          <p:nvPr/>
-        </p:nvSpPr>
-        <p:spPr>
-          <a:xfrm>
-            <a:off x="1679895" y="3847147"/>
-            <a:ext cx="1407254" cy="784830"/>
-          </a:xfrm>
-          <a:prstGeom prst="rect">
-            <a:avLst/>
-          </a:prstGeom>
-          <a:noFill/>
-        </p:spPr>
-        <p:txBody>
-          <a:bodyPr wrap="square">
-            <a:spAutoFit/>
-          </a:bodyPr>
-          <a:lstStyle/>
-          <a:p>
-            <a:r>
-              <a:rPr lang="en-US" sz="900" b="0" i="0" u="none" strike="noStrike" dirty="0">
-                <a:solidFill>
-                  <a:srgbClr val="000000"/>
-                </a:solidFill>
-                <a:effectLst/>
-                <a:latin typeface="Courier New" panose="02070309020205020404" pitchFamily="49" charset="0"/>
-              </a:rPr>
-              <a:t>The correlation coefficient between Healthy life expectancy and Score is 0.74</a:t>
-            </a:r>
-            <a:endParaRPr lang="en-US" sz="900" dirty="0"/>
-          </a:p>
-        </p:txBody>
-      </p:sp>
-      <p:sp>
-        <p:nvSpPr>
-          <p:cNvPr id="19" name="TextBox 18">
-            <a:extLst>
-              <a:ext uri="{FF2B5EF4-FFF2-40B4-BE49-F238E27FC236}">
-                <a16:creationId xmlns:a16="http://schemas.microsoft.com/office/drawing/2014/main" id="{ABEFC12A-54A1-4CE3-A1D7-C3E857B1844A}"/>
-              </a:ext>
-            </a:extLst>
-          </p:cNvPr>
-          <p:cNvSpPr txBox="1"/>
-          <p:nvPr/>
-        </p:nvSpPr>
-        <p:spPr>
-          <a:xfrm>
-            <a:off x="7427180" y="3885619"/>
-            <a:ext cx="1339315" cy="707886"/>
-          </a:xfrm>
-          <a:prstGeom prst="rect">
-            <a:avLst/>
-          </a:prstGeom>
-          <a:noFill/>
-        </p:spPr>
-        <p:txBody>
-          <a:bodyPr wrap="square">
-            <a:spAutoFit/>
-          </a:bodyPr>
-          <a:lstStyle/>
-          <a:p>
-            <a:r>
-              <a:rPr lang="en-US" sz="800" b="0" i="0" u="none" strike="noStrike" dirty="0">
-                <a:solidFill>
-                  <a:srgbClr val="000000"/>
-                </a:solidFill>
-                <a:effectLst/>
-                <a:latin typeface="Courier New" panose="02070309020205020404" pitchFamily="49" charset="0"/>
-              </a:rPr>
-              <a:t>The correlation coefficient between Freedom to make life choices and Score is 0.54</a:t>
-            </a:r>
-            <a:endParaRPr lang="en-US" sz="800" dirty="0"/>
-          </a:p>
-        </p:txBody>
-      </p:sp>
+        </p:nvPicPr>
+        <p:blipFill>
+          <a:blip r:embed="rId6"/>
+          <a:stretch>
+            <a:fillRect/>
+          </a:stretch>
+        </p:blipFill>
+        <p:spPr>
+          <a:xfrm>
+            <a:off x="8313518" y="4127871"/>
+            <a:ext cx="3252903" cy="1719306"/>
+          </a:xfrm>
+          <a:prstGeom prst="rect">
+            <a:avLst/>
+          </a:prstGeom>
+        </p:spPr>
+      </p:pic>
     </p:spTree>
     <p:extLst>
       <p:ext uri="{BB962C8B-B14F-4D97-AF65-F5344CB8AC3E}">
@@ -7756,7 +11150,7 @@
     </p:extLst>
   </p:cSld>
   <p:clrMapOvr>
-    <a:overrideClrMapping bg1="dk1" tx1="lt1" bg2="dk2" tx2="lt2" accent1="accent1" accent2="accent2" accent3="accent3" accent4="accent4" accent5="accent5" accent6="accent6" hlink="hlink" folHlink="folHlink"/>
+    <a:masterClrMapping/>
   </p:clrMapOvr>
 </p:sld>
 </file>
@@ -7788,10 +11182,10 @@
       </p:grpSpPr>
       <p:sp>
         <p:nvSpPr>
-          <p:cNvPr id="46" name="Rectangle 29">
-            <a:extLst>
-              <a:ext uri="{FF2B5EF4-FFF2-40B4-BE49-F238E27FC236}">
-                <a16:creationId xmlns:a16="http://schemas.microsoft.com/office/drawing/2014/main" id="{40A0F4CC-F443-40C1-B000-840650808C87}"/>
+          <p:cNvPr id="54" name="Rectangle 53">
+            <a:extLst>
+              <a:ext uri="{FF2B5EF4-FFF2-40B4-BE49-F238E27FC236}">
+                <a16:creationId xmlns:a16="http://schemas.microsoft.com/office/drawing/2014/main" id="{6F79B0DD-2C63-4EE5-804F-B8E391FC1E45}"/>
               </a:ext>
               <a:ext uri="{C183D7F6-B498-43B3-948B-1728B52AA6E4}">
                 <adec:decorative xmlns:adec="http://schemas.microsoft.com/office/drawing/2017/decorative" val="1"/>
@@ -7811,174 +11205,18 @@
         </p:nvSpPr>
         <p:spPr>
           <a:xfrm>
-            <a:off x="446534" y="457200"/>
-            <a:ext cx="3703320" cy="94997"/>
-          </a:xfrm>
-          <a:prstGeom prst="rect">
-            <a:avLst/>
-          </a:prstGeom>
-          <a:solidFill>
-            <a:srgbClr val="465359"/>
-          </a:solidFill>
-          <a:ln>
-            <a:noFill/>
-          </a:ln>
-          <a:effectLst/>
-        </p:spPr>
-        <p:style>
-          <a:lnRef idx="1">
-            <a:schemeClr val="accent1"/>
-          </a:lnRef>
-          <a:fillRef idx="3">
-            <a:schemeClr val="accent1"/>
-          </a:fillRef>
-          <a:effectRef idx="2">
-            <a:schemeClr val="accent1"/>
-          </a:effectRef>
-          <a:fontRef idx="minor">
-            <a:schemeClr val="lt1"/>
-          </a:fontRef>
-        </p:style>
-      </p:sp>
-      <p:sp>
-        <p:nvSpPr>
-          <p:cNvPr id="47" name="Rectangle 31">
-            <a:extLst>
-              <a:ext uri="{FF2B5EF4-FFF2-40B4-BE49-F238E27FC236}">
-                <a16:creationId xmlns:a16="http://schemas.microsoft.com/office/drawing/2014/main" id="{8FF3DAE6-FFD2-4E7C-8FB8-E958A258604D}"/>
-              </a:ext>
-              <a:ext uri="{C183D7F6-B498-43B3-948B-1728B52AA6E4}">
-                <adec:decorative xmlns:adec="http://schemas.microsoft.com/office/drawing/2017/decorative" val="1"/>
-              </a:ext>
-            </a:extLst>
-          </p:cNvPr>
-          <p:cNvSpPr>
-            <a:spLocks noGrp="1" noRot="1" noChangeAspect="1" noMove="1" noResize="1" noEditPoints="1" noAdjustHandles="1" noChangeArrowheads="1" noChangeShapeType="1" noTextEdit="1"/>
-          </p:cNvSpPr>
-          <p:nvPr>
-            <p:extLst>
-              <p:ext uri="{386F3935-93C4-4BCD-93E2-E3B085C9AB24}">
-                <p16:designElem xmlns:p16="http://schemas.microsoft.com/office/powerpoint/2015/main" val="1"/>
-              </p:ext>
-            </p:extLst>
-          </p:nvPr>
-        </p:nvSpPr>
-        <p:spPr>
-          <a:xfrm>
-            <a:off x="8042147" y="453643"/>
-            <a:ext cx="3703320" cy="98554"/>
-          </a:xfrm>
-          <a:prstGeom prst="rect">
-            <a:avLst/>
-          </a:prstGeom>
-          <a:solidFill>
-            <a:srgbClr val="969FA7"/>
-          </a:solidFill>
-          <a:ln>
-            <a:noFill/>
-          </a:ln>
-          <a:effectLst/>
-        </p:spPr>
-        <p:style>
-          <a:lnRef idx="1">
-            <a:schemeClr val="accent1"/>
-          </a:lnRef>
-          <a:fillRef idx="3">
-            <a:schemeClr val="accent1"/>
-          </a:fillRef>
-          <a:effectRef idx="2">
-            <a:schemeClr val="accent1"/>
-          </a:effectRef>
-          <a:fontRef idx="minor">
-            <a:schemeClr val="lt1"/>
-          </a:fontRef>
-        </p:style>
-      </p:sp>
-      <p:sp>
-        <p:nvSpPr>
-          <p:cNvPr id="48" name="Rectangle 33">
-            <a:extLst>
-              <a:ext uri="{FF2B5EF4-FFF2-40B4-BE49-F238E27FC236}">
-                <a16:creationId xmlns:a16="http://schemas.microsoft.com/office/drawing/2014/main" id="{A2F7A394-B482-4D36-A98E-11A3212A1F12}"/>
-              </a:ext>
-              <a:ext uri="{C183D7F6-B498-43B3-948B-1728B52AA6E4}">
-                <adec:decorative xmlns:adec="http://schemas.microsoft.com/office/drawing/2017/decorative" val="1"/>
-              </a:ext>
-            </a:extLst>
-          </p:cNvPr>
-          <p:cNvSpPr>
-            <a:spLocks noGrp="1" noRot="1" noChangeAspect="1" noMove="1" noResize="1" noEditPoints="1" noAdjustHandles="1" noChangeArrowheads="1" noChangeShapeType="1" noTextEdit="1"/>
-          </p:cNvSpPr>
-          <p:nvPr>
-            <p:extLst>
-              <p:ext uri="{386F3935-93C4-4BCD-93E2-E3B085C9AB24}">
-                <p16:designElem xmlns:p16="http://schemas.microsoft.com/office/powerpoint/2015/main" val="1"/>
-              </p:ext>
-            </p:extLst>
-          </p:nvPr>
-        </p:nvSpPr>
-        <p:spPr>
-          <a:xfrm>
-            <a:off x="4241830" y="457200"/>
-            <a:ext cx="3703320" cy="91440"/>
-          </a:xfrm>
-          <a:prstGeom prst="rect">
-            <a:avLst/>
-          </a:prstGeom>
-          <a:solidFill>
-            <a:schemeClr val="accent1"/>
-          </a:solidFill>
-          <a:ln>
-            <a:noFill/>
-          </a:ln>
-          <a:effectLst/>
-        </p:spPr>
-        <p:style>
-          <a:lnRef idx="1">
-            <a:schemeClr val="accent1"/>
-          </a:lnRef>
-          <a:fillRef idx="3">
-            <a:schemeClr val="accent1"/>
-          </a:fillRef>
-          <a:effectRef idx="2">
-            <a:schemeClr val="accent1"/>
-          </a:effectRef>
-          <a:fontRef idx="minor">
-            <a:schemeClr val="lt1"/>
-          </a:fontRef>
-        </p:style>
-      </p:sp>
-      <p:sp useBgFill="1">
-        <p:nvSpPr>
-          <p:cNvPr id="49" name="Rectangle 35">
-            <a:extLst>
-              <a:ext uri="{FF2B5EF4-FFF2-40B4-BE49-F238E27FC236}">
-                <a16:creationId xmlns:a16="http://schemas.microsoft.com/office/drawing/2014/main" id="{A4308965-434A-4011-8316-8ABEFFED04CD}"/>
-              </a:ext>
-              <a:ext uri="{C183D7F6-B498-43B3-948B-1728B52AA6E4}">
-                <adec:decorative xmlns:adec="http://schemas.microsoft.com/office/drawing/2017/decorative" val="1"/>
-              </a:ext>
-            </a:extLst>
-          </p:cNvPr>
-          <p:cNvSpPr>
-            <a:spLocks noGrp="1" noRot="1" noChangeAspect="1" noMove="1" noResize="1" noEditPoints="1" noAdjustHandles="1" noChangeArrowheads="1" noChangeShapeType="1" noTextEdit="1"/>
-          </p:cNvSpPr>
-          <p:nvPr>
-            <p:extLst>
-              <p:ext uri="{386F3935-93C4-4BCD-93E2-E3B085C9AB24}">
-                <p16:designElem xmlns:p16="http://schemas.microsoft.com/office/powerpoint/2015/main" val="1"/>
-              </p:ext>
-            </p:extLst>
-          </p:nvPr>
-        </p:nvSpPr>
-        <p:spPr>
-          <a:xfrm>
-            <a:off x="0" y="0"/>
+            <a:off x="3137" y="0"/>
             <a:ext cx="12192000" cy="6858000"/>
           </a:xfrm>
           <a:prstGeom prst="rect">
             <a:avLst/>
           </a:prstGeom>
+          <a:solidFill>
+            <a:schemeClr val="bg1">
+              <a:lumMod val="75000"/>
+              <a:alpha val="80000"/>
+            </a:schemeClr>
+          </a:solidFill>
           <a:ln>
             <a:noFill/>
           </a:ln>
@@ -8008,40 +11246,188 @@
           </a:p>
         </p:txBody>
       </p:sp>
+      <p:sp>
+        <p:nvSpPr>
+          <p:cNvPr id="56" name="Rectangle 55">
+            <a:extLst>
+              <a:ext uri="{FF2B5EF4-FFF2-40B4-BE49-F238E27FC236}">
+                <a16:creationId xmlns:a16="http://schemas.microsoft.com/office/drawing/2014/main" id="{627DB8AB-CD55-4C8F-9043-52652B89231A}"/>
+              </a:ext>
+              <a:ext uri="{C183D7F6-B498-43B3-948B-1728B52AA6E4}">
+                <adec:decorative xmlns:adec="http://schemas.microsoft.com/office/drawing/2017/decorative" val="1"/>
+              </a:ext>
+            </a:extLst>
+          </p:cNvPr>
+          <p:cNvSpPr>
+            <a:spLocks noGrp="1" noRot="1" noChangeAspect="1" noMove="1" noResize="1" noEditPoints="1" noAdjustHandles="1" noChangeArrowheads="1" noChangeShapeType="1" noTextEdit="1"/>
+          </p:cNvSpPr>
+          <p:nvPr>
+            <p:extLst>
+              <p:ext uri="{386F3935-93C4-4BCD-93E2-E3B085C9AB24}">
+                <p16:designElem xmlns:p16="http://schemas.microsoft.com/office/powerpoint/2015/main" val="1"/>
+              </p:ext>
+            </p:extLst>
+          </p:nvPr>
+        </p:nvSpPr>
+        <p:spPr>
+          <a:xfrm>
+            <a:off x="643466" y="643466"/>
+            <a:ext cx="5364255" cy="2706794"/>
+          </a:xfrm>
+          <a:prstGeom prst="rect">
+            <a:avLst/>
+          </a:prstGeom>
+          <a:solidFill>
+            <a:srgbClr val="FFFFFF"/>
+          </a:solidFill>
+          <a:ln w="9525">
+            <a:noFill/>
+          </a:ln>
+          <a:effectLst>
+            <a:outerShdw blurRad="63500" dist="17780" dir="5400000" algn="t" rotWithShape="0">
+              <a:prstClr val="black">
+                <a:alpha val="43000"/>
+              </a:prstClr>
+            </a:outerShdw>
+          </a:effectLst>
+        </p:spPr>
+        <p:style>
+          <a:lnRef idx="2">
+            <a:schemeClr val="accent1">
+              <a:shade val="50000"/>
+            </a:schemeClr>
+          </a:lnRef>
+          <a:fillRef idx="1">
+            <a:schemeClr val="accent1"/>
+          </a:fillRef>
+          <a:effectRef idx="0">
+            <a:schemeClr val="accent1"/>
+          </a:effectRef>
+          <a:fontRef idx="minor">
+            <a:schemeClr val="lt1"/>
+          </a:fontRef>
+        </p:style>
+        <p:txBody>
+          <a:bodyPr rtlCol="0" anchor="ctr"/>
+          <a:lstStyle/>
+          <a:p>
+            <a:pPr algn="ctr"/>
+            <a:endParaRPr lang="en-US"/>
+          </a:p>
+        </p:txBody>
+      </p:sp>
       <p:pic>
         <p:nvPicPr>
-          <p:cNvPr id="14" name="Picture 13">
-            <a:extLst>
-              <a:ext uri="{FF2B5EF4-FFF2-40B4-BE49-F238E27FC236}">
-                <a16:creationId xmlns:a16="http://schemas.microsoft.com/office/drawing/2014/main" id="{F0ED00EF-5739-46A7-BA1D-7AAF1D0EE9EF}"/>
-              </a:ext>
-            </a:extLst>
-          </p:cNvPr>
-          <p:cNvPicPr/>
+          <p:cNvPr id="3" name="Picture 2" descr="Logo, company name&#10;&#10;Description automatically generated">
+            <a:extLst>
+              <a:ext uri="{FF2B5EF4-FFF2-40B4-BE49-F238E27FC236}">
+                <a16:creationId xmlns:a16="http://schemas.microsoft.com/office/drawing/2014/main" id="{2B289903-50FE-4E5A-BC95-8916126414FA}"/>
+              </a:ext>
+            </a:extLst>
+          </p:cNvPr>
+          <p:cNvPicPr>
+            <a:picLocks noChangeAspect="1"/>
+          </p:cNvPicPr>
           <p:nvPr/>
         </p:nvPicPr>
         <p:blipFill>
-          <a:blip r:embed="rId2"/>
+          <a:blip r:embed="rId2">
+            <a:extLst>
+              <a:ext uri="{28A0092B-C50C-407E-A947-70E740481C1C}">
+                <a14:useLocalDpi xmlns:a14="http://schemas.microsoft.com/office/drawing/2010/main" val="0"/>
+              </a:ext>
+            </a:extLst>
+          </a:blip>
           <a:stretch>
             <a:fillRect/>
           </a:stretch>
         </p:blipFill>
         <p:spPr>
           <a:xfrm>
-            <a:off x="578129" y="548640"/>
-            <a:ext cx="5130800" cy="3472971"/>
+            <a:off x="2295127" y="965200"/>
+            <a:ext cx="2060298" cy="2060298"/>
           </a:xfrm>
           <a:prstGeom prst="rect">
             <a:avLst/>
           </a:prstGeom>
         </p:spPr>
       </p:pic>
+      <p:sp>
+        <p:nvSpPr>
+          <p:cNvPr id="58" name="Rectangle 57">
+            <a:extLst>
+              <a:ext uri="{FF2B5EF4-FFF2-40B4-BE49-F238E27FC236}">
+                <a16:creationId xmlns:a16="http://schemas.microsoft.com/office/drawing/2014/main" id="{53059C5A-91CB-4024-9B4E-20082E25C70B}"/>
+              </a:ext>
+              <a:ext uri="{C183D7F6-B498-43B3-948B-1728B52AA6E4}">
+                <adec:decorative xmlns:adec="http://schemas.microsoft.com/office/drawing/2017/decorative" val="1"/>
+              </a:ext>
+            </a:extLst>
+          </p:cNvPr>
+          <p:cNvSpPr>
+            <a:spLocks noGrp="1" noRot="1" noChangeAspect="1" noMove="1" noResize="1" noEditPoints="1" noAdjustHandles="1" noChangeArrowheads="1" noChangeShapeType="1" noTextEdit="1"/>
+          </p:cNvSpPr>
+          <p:nvPr>
+            <p:extLst>
+              <p:ext uri="{386F3935-93C4-4BCD-93E2-E3B085C9AB24}">
+                <p16:designElem xmlns:p16="http://schemas.microsoft.com/office/powerpoint/2015/main" val="1"/>
+              </p:ext>
+            </p:extLst>
+          </p:nvPr>
+        </p:nvSpPr>
+        <p:spPr>
+          <a:xfrm>
+            <a:off x="6168589" y="643466"/>
+            <a:ext cx="5376806" cy="2706794"/>
+          </a:xfrm>
+          <a:prstGeom prst="rect">
+            <a:avLst/>
+          </a:prstGeom>
+          <a:solidFill>
+            <a:srgbClr val="FFFFFF"/>
+          </a:solidFill>
+          <a:ln w="9525">
+            <a:noFill/>
+          </a:ln>
+          <a:effectLst>
+            <a:outerShdw blurRad="63500" dist="17780" dir="5400000" algn="t" rotWithShape="0">
+              <a:prstClr val="black">
+                <a:alpha val="43000"/>
+              </a:prstClr>
+            </a:outerShdw>
+          </a:effectLst>
+        </p:spPr>
+        <p:style>
+          <a:lnRef idx="2">
+            <a:schemeClr val="accent1">
+              <a:shade val="50000"/>
+            </a:schemeClr>
+          </a:lnRef>
+          <a:fillRef idx="1">
+            <a:schemeClr val="accent1"/>
+          </a:fillRef>
+          <a:effectRef idx="0">
+            <a:schemeClr val="accent1"/>
+          </a:effectRef>
+          <a:fontRef idx="minor">
+            <a:schemeClr val="lt1"/>
+          </a:fontRef>
+        </p:style>
+        <p:txBody>
+          <a:bodyPr rtlCol="0" anchor="ctr"/>
+          <a:lstStyle/>
+          <a:p>
+            <a:pPr algn="ctr"/>
+            <a:endParaRPr lang="en-US"/>
+          </a:p>
+        </p:txBody>
+      </p:sp>
       <p:pic>
         <p:nvPicPr>
-          <p:cNvPr id="16" name="Picture 15">
-            <a:extLst>
-              <a:ext uri="{FF2B5EF4-FFF2-40B4-BE49-F238E27FC236}">
-                <a16:creationId xmlns:a16="http://schemas.microsoft.com/office/drawing/2014/main" id="{ED831366-DBB0-409F-B43E-E79FBB75603A}"/>
+          <p:cNvPr id="14" name="Picture 13">
+            <a:extLst>
+              <a:ext uri="{FF2B5EF4-FFF2-40B4-BE49-F238E27FC236}">
+                <a16:creationId xmlns:a16="http://schemas.microsoft.com/office/drawing/2014/main" id="{F0ED00EF-5739-46A7-BA1D-7AAF1D0EE9EF}"/>
               </a:ext>
             </a:extLst>
           </p:cNvPr>
@@ -8056,50 +11442,182 @@
         </p:blipFill>
         <p:spPr>
           <a:xfrm>
-            <a:off x="6287057" y="548640"/>
-            <a:ext cx="4977291" cy="3472970"/>
+            <a:off x="7334779" y="965200"/>
+            <a:ext cx="3043784" cy="2060298"/>
           </a:xfrm>
           <a:prstGeom prst="rect">
             <a:avLst/>
           </a:prstGeom>
         </p:spPr>
       </p:pic>
+      <p:sp>
+        <p:nvSpPr>
+          <p:cNvPr id="60" name="Rectangle 59">
+            <a:extLst>
+              <a:ext uri="{FF2B5EF4-FFF2-40B4-BE49-F238E27FC236}">
+                <a16:creationId xmlns:a16="http://schemas.microsoft.com/office/drawing/2014/main" id="{184884BF-A898-4EFF-9504-E13EBE3FF62E}"/>
+              </a:ext>
+              <a:ext uri="{C183D7F6-B498-43B3-948B-1728B52AA6E4}">
+                <adec:decorative xmlns:adec="http://schemas.microsoft.com/office/drawing/2017/decorative" val="1"/>
+              </a:ext>
+            </a:extLst>
+          </p:cNvPr>
+          <p:cNvSpPr>
+            <a:spLocks noGrp="1" noRot="1" noChangeAspect="1" noMove="1" noResize="1" noEditPoints="1" noAdjustHandles="1" noChangeArrowheads="1" noChangeShapeType="1" noTextEdit="1"/>
+          </p:cNvSpPr>
+          <p:nvPr>
+            <p:extLst>
+              <p:ext uri="{386F3935-93C4-4BCD-93E2-E3B085C9AB24}">
+                <p16:designElem xmlns:p16="http://schemas.microsoft.com/office/powerpoint/2015/main" val="1"/>
+              </p:ext>
+            </p:extLst>
+          </p:nvPr>
+        </p:nvSpPr>
+        <p:spPr>
+          <a:xfrm>
+            <a:off x="643466" y="3514513"/>
+            <a:ext cx="5364255" cy="2703406"/>
+          </a:xfrm>
+          <a:prstGeom prst="rect">
+            <a:avLst/>
+          </a:prstGeom>
+          <a:solidFill>
+            <a:srgbClr val="FFFFFF"/>
+          </a:solidFill>
+          <a:ln w="9525">
+            <a:noFill/>
+          </a:ln>
+          <a:effectLst>
+            <a:outerShdw blurRad="63500" dist="17780" dir="5400000" algn="t" rotWithShape="0">
+              <a:prstClr val="black">
+                <a:alpha val="43000"/>
+              </a:prstClr>
+            </a:outerShdw>
+          </a:effectLst>
+        </p:spPr>
+        <p:style>
+          <a:lnRef idx="2">
+            <a:schemeClr val="accent1">
+              <a:shade val="50000"/>
+            </a:schemeClr>
+          </a:lnRef>
+          <a:fillRef idx="1">
+            <a:schemeClr val="accent1"/>
+          </a:fillRef>
+          <a:effectRef idx="0">
+            <a:schemeClr val="accent1"/>
+          </a:effectRef>
+          <a:fontRef idx="minor">
+            <a:schemeClr val="lt1"/>
+          </a:fontRef>
+        </p:style>
+        <p:txBody>
+          <a:bodyPr rtlCol="0" anchor="ctr"/>
+          <a:lstStyle/>
+          <a:p>
+            <a:pPr algn="ctr"/>
+            <a:endParaRPr lang="en-US"/>
+          </a:p>
+        </p:txBody>
+      </p:sp>
       <p:pic>
         <p:nvPicPr>
-          <p:cNvPr id="3" name="Picture 2" descr="Logo, company name&#10;&#10;Description automatically generated">
-            <a:extLst>
-              <a:ext uri="{FF2B5EF4-FFF2-40B4-BE49-F238E27FC236}">
-                <a16:creationId xmlns:a16="http://schemas.microsoft.com/office/drawing/2014/main" id="{2B289903-50FE-4E5A-BC95-8916126414FA}"/>
-              </a:ext>
-            </a:extLst>
-          </p:cNvPr>
-          <p:cNvPicPr>
-            <a:picLocks noChangeAspect="1"/>
-          </p:cNvPicPr>
+          <p:cNvPr id="16" name="Picture 15">
+            <a:extLst>
+              <a:ext uri="{FF2B5EF4-FFF2-40B4-BE49-F238E27FC236}">
+                <a16:creationId xmlns:a16="http://schemas.microsoft.com/office/drawing/2014/main" id="{ED831366-DBB0-409F-B43E-E79FBB75603A}"/>
+              </a:ext>
+            </a:extLst>
+          </p:cNvPr>
+          <p:cNvPicPr/>
           <p:nvPr/>
         </p:nvPicPr>
         <p:blipFill>
-          <a:blip r:embed="rId4">
-            <a:extLst>
-              <a:ext uri="{28A0092B-C50C-407E-A947-70E740481C1C}">
-                <a14:useLocalDpi xmlns:a14="http://schemas.microsoft.com/office/drawing/2010/main" val="0"/>
-              </a:ext>
-            </a:extLst>
-          </a:blip>
+          <a:blip r:embed="rId4"/>
           <a:stretch>
             <a:fillRect/>
           </a:stretch>
         </p:blipFill>
         <p:spPr>
           <a:xfrm>
-            <a:off x="2042286" y="4198315"/>
-            <a:ext cx="2202485" cy="2202485"/>
+            <a:off x="1483667" y="3836247"/>
+            <a:ext cx="3697050" cy="2060298"/>
           </a:xfrm>
           <a:prstGeom prst="rect">
             <a:avLst/>
           </a:prstGeom>
         </p:spPr>
       </p:pic>
+      <p:sp>
+        <p:nvSpPr>
+          <p:cNvPr id="62" name="Rectangle 61">
+            <a:extLst>
+              <a:ext uri="{FF2B5EF4-FFF2-40B4-BE49-F238E27FC236}">
+                <a16:creationId xmlns:a16="http://schemas.microsoft.com/office/drawing/2014/main" id="{7B32D337-FDA6-4468-ADB1-7038E5FC0BA9}"/>
+              </a:ext>
+              <a:ext uri="{C183D7F6-B498-43B3-948B-1728B52AA6E4}">
+                <adec:decorative xmlns:adec="http://schemas.microsoft.com/office/drawing/2017/decorative" val="1"/>
+              </a:ext>
+            </a:extLst>
+          </p:cNvPr>
+          <p:cNvSpPr>
+            <a:spLocks noGrp="1" noRot="1" noChangeAspect="1" noMove="1" noResize="1" noEditPoints="1" noAdjustHandles="1" noChangeArrowheads="1" noChangeShapeType="1" noTextEdit="1"/>
+          </p:cNvSpPr>
+          <p:nvPr>
+            <p:extLst>
+              <p:ext uri="{386F3935-93C4-4BCD-93E2-E3B085C9AB24}">
+                <p16:designElem xmlns:p16="http://schemas.microsoft.com/office/powerpoint/2015/main" val="1"/>
+              </p:ext>
+            </p:extLst>
+          </p:nvPr>
+        </p:nvSpPr>
+        <p:spPr>
+          <a:xfrm>
+            <a:off x="6168589" y="3514513"/>
+            <a:ext cx="5376806" cy="2706794"/>
+          </a:xfrm>
+          <a:prstGeom prst="rect">
+            <a:avLst/>
+          </a:prstGeom>
+          <a:solidFill>
+            <a:srgbClr val="FFFFFF"/>
+          </a:solidFill>
+          <a:ln w="9525">
+            <a:noFill/>
+          </a:ln>
+          <a:effectLst>
+            <a:outerShdw blurRad="63500" dist="17780" dir="5400000" algn="t" rotWithShape="0">
+              <a:prstClr val="black">
+                <a:alpha val="43000"/>
+              </a:prstClr>
+            </a:outerShdw>
+          </a:effectLst>
+        </p:spPr>
+        <p:style>
+          <a:lnRef idx="2">
+            <a:schemeClr val="accent1">
+              <a:shade val="50000"/>
+            </a:schemeClr>
+          </a:lnRef>
+          <a:fillRef idx="1">
+            <a:schemeClr val="accent1"/>
+          </a:fillRef>
+          <a:effectRef idx="0">
+            <a:schemeClr val="accent1"/>
+          </a:effectRef>
+          <a:fontRef idx="minor">
+            <a:schemeClr val="lt1"/>
+          </a:fontRef>
+        </p:style>
+        <p:txBody>
+          <a:bodyPr rtlCol="0" anchor="ctr"/>
+          <a:lstStyle/>
+          <a:p>
+            <a:pPr algn="ctr"/>
+            <a:endParaRPr lang="en-US"/>
+          </a:p>
+        </p:txBody>
+      </p:sp>
       <p:pic>
         <p:nvPicPr>
           <p:cNvPr id="5" name="Picture 4">
@@ -8128,98 +11646,14 @@
         </p:blipFill>
         <p:spPr>
           <a:xfrm>
-            <a:off x="6797815" y="4331473"/>
-            <a:ext cx="3955774" cy="1977887"/>
+            <a:off x="6796373" y="3836247"/>
+            <a:ext cx="4120596" cy="2060298"/>
           </a:xfrm>
           <a:prstGeom prst="rect">
             <a:avLst/>
           </a:prstGeom>
         </p:spPr>
       </p:pic>
-      <p:sp>
-        <p:nvSpPr>
-          <p:cNvPr id="11" name="TextBox 10">
-            <a:extLst>
-              <a:ext uri="{FF2B5EF4-FFF2-40B4-BE49-F238E27FC236}">
-                <a16:creationId xmlns:a16="http://schemas.microsoft.com/office/drawing/2014/main" id="{D1EF8100-8F57-423E-A7D3-6A262C8BA0F6}"/>
-              </a:ext>
-            </a:extLst>
-          </p:cNvPr>
-          <p:cNvSpPr txBox="1"/>
-          <p:nvPr/>
-        </p:nvSpPr>
-        <p:spPr>
-          <a:xfrm>
-            <a:off x="3827478" y="868071"/>
-            <a:ext cx="1415641" cy="667114"/>
-          </a:xfrm>
-          <a:prstGeom prst="rect">
-            <a:avLst/>
-          </a:prstGeom>
-          <a:noFill/>
-        </p:spPr>
-        <p:txBody>
-          <a:bodyPr wrap="square">
-            <a:spAutoFit/>
-          </a:bodyPr>
-          <a:lstStyle/>
-          <a:p>
-            <a:r>
-              <a:rPr lang="en-US" sz="900" b="0" i="0" u="none" strike="noStrike" dirty="0">
-                <a:solidFill>
-                  <a:srgbClr val="000000"/>
-                </a:solidFill>
-                <a:effectLst/>
-                <a:latin typeface="Courier New" panose="02070309020205020404" pitchFamily="49" charset="0"/>
-              </a:rPr>
-              <a:t>The correlation coefficient between Generosity and Score is 0.14</a:t>
-            </a:r>
-            <a:endParaRPr lang="en-US" sz="900" dirty="0"/>
-          </a:p>
-        </p:txBody>
-      </p:sp>
-      <p:sp>
-        <p:nvSpPr>
-          <p:cNvPr id="13" name="TextBox 12">
-            <a:extLst>
-              <a:ext uri="{FF2B5EF4-FFF2-40B4-BE49-F238E27FC236}">
-                <a16:creationId xmlns:a16="http://schemas.microsoft.com/office/drawing/2014/main" id="{DAB7DE1E-8565-4F84-BDAC-57D2033ED23E}"/>
-              </a:ext>
-            </a:extLst>
-          </p:cNvPr>
-          <p:cNvSpPr txBox="1"/>
-          <p:nvPr/>
-        </p:nvSpPr>
-        <p:spPr>
-          <a:xfrm>
-            <a:off x="9111443" y="1795934"/>
-            <a:ext cx="1257350" cy="922099"/>
-          </a:xfrm>
-          <a:prstGeom prst="rect">
-            <a:avLst/>
-          </a:prstGeom>
-          <a:noFill/>
-        </p:spPr>
-        <p:txBody>
-          <a:bodyPr wrap="square">
-            <a:spAutoFit/>
-          </a:bodyPr>
-          <a:lstStyle/>
-          <a:p>
-            <a:r>
-              <a:rPr lang="en-US" sz="900" b="0" i="0" u="none" strike="noStrike" dirty="0">
-                <a:solidFill>
-                  <a:srgbClr val="000000"/>
-                </a:solidFill>
-                <a:effectLst/>
-                <a:latin typeface="Courier New" panose="02070309020205020404" pitchFamily="49" charset="0"/>
-              </a:rPr>
-              <a:t>The correlation coefficient between Perceptions of corruption and Score is 0.42</a:t>
-            </a:r>
-            <a:endParaRPr lang="en-US" sz="900" dirty="0"/>
-          </a:p>
-        </p:txBody>
-      </p:sp>
     </p:spTree>
     <p:extLst>
       <p:ext uri="{BB962C8B-B14F-4D97-AF65-F5344CB8AC3E}">
@@ -8228,7 +11662,7 @@
     </p:extLst>
   </p:cSld>
   <p:clrMapOvr>
-    <a:overrideClrMapping bg1="dk1" tx1="lt1" bg2="dk2" tx2="lt2" accent1="accent1" accent2="accent2" accent3="accent3" accent4="accent4" accent5="accent5" accent6="accent6" hlink="hlink" folHlink="folHlink"/>
+    <a:masterClrMapping/>
   </p:clrMapOvr>
 </p:sld>
 </file>
@@ -8236,6 +11670,14 @@
 <file path=ppt/slides/slide8.xml><?xml version="1.0" encoding="utf-8"?>
 <p:sld xmlns:a="http://schemas.openxmlformats.org/drawingml/2006/main" xmlns:r="http://schemas.openxmlformats.org/officeDocument/2006/relationships" xmlns:p="http://schemas.openxmlformats.org/presentationml/2006/main">
   <p:cSld>
+    <p:bg>
+      <p:bgPr>
+        <a:solidFill>
+          <a:schemeClr val="bg1"/>
+        </a:solidFill>
+        <a:effectLst/>
+      </p:bgPr>
+    </p:bg>
     <p:spTree>
       <p:nvGrpSpPr>
         <p:cNvPr id="1" name=""/>
@@ -8252,97 +11694,582 @@
       </p:grpSpPr>
       <p:sp>
         <p:nvSpPr>
-          <p:cNvPr id="2" name="Title 1">
-            <a:extLst>
-              <a:ext uri="{FF2B5EF4-FFF2-40B4-BE49-F238E27FC236}">
-                <a16:creationId xmlns:a16="http://schemas.microsoft.com/office/drawing/2014/main" id="{26F5B401-CE8D-4EB0-A846-EEB401443669}"/>
-              </a:ext>
-            </a:extLst>
-          </p:cNvPr>
-          <p:cNvSpPr>
-            <a:spLocks noGrp="1"/>
-          </p:cNvSpPr>
-          <p:nvPr>
-            <p:ph type="title"/>
-          </p:nvPr>
-        </p:nvSpPr>
-        <p:spPr/>
+          <p:cNvPr id="45" name="Rectangle 44">
+            <a:extLst>
+              <a:ext uri="{FF2B5EF4-FFF2-40B4-BE49-F238E27FC236}">
+                <a16:creationId xmlns:a16="http://schemas.microsoft.com/office/drawing/2014/main" id="{910015B9-6046-41B8-83BD-71778D2F9798}"/>
+              </a:ext>
+              <a:ext uri="{C183D7F6-B498-43B3-948B-1728B52AA6E4}">
+                <adec:decorative xmlns:adec="http://schemas.microsoft.com/office/drawing/2017/decorative" val="1"/>
+              </a:ext>
+            </a:extLst>
+          </p:cNvPr>
+          <p:cNvSpPr>
+            <a:spLocks noGrp="1" noRot="1" noChangeAspect="1" noMove="1" noResize="1" noEditPoints="1" noAdjustHandles="1" noChangeArrowheads="1" noChangeShapeType="1" noTextEdit="1"/>
+          </p:cNvSpPr>
+          <p:nvPr>
+            <p:extLst>
+              <p:ext uri="{386F3935-93C4-4BCD-93E2-E3B085C9AB24}">
+                <p16:designElem xmlns:p16="http://schemas.microsoft.com/office/powerpoint/2015/main" val="1"/>
+              </p:ext>
+            </p:extLst>
+          </p:nvPr>
+        </p:nvSpPr>
+        <p:spPr>
+          <a:xfrm>
+            <a:off x="446534" y="457200"/>
+            <a:ext cx="3703320" cy="94997"/>
+          </a:xfrm>
+          <a:prstGeom prst="rect">
+            <a:avLst/>
+          </a:prstGeom>
+          <a:solidFill>
+            <a:srgbClr val="465359"/>
+          </a:solidFill>
+          <a:ln>
+            <a:noFill/>
+          </a:ln>
+          <a:effectLst/>
+        </p:spPr>
+        <p:style>
+          <a:lnRef idx="1">
+            <a:schemeClr val="accent1"/>
+          </a:lnRef>
+          <a:fillRef idx="3">
+            <a:schemeClr val="accent1"/>
+          </a:fillRef>
+          <a:effectRef idx="2">
+            <a:schemeClr val="accent1"/>
+          </a:effectRef>
+          <a:fontRef idx="minor">
+            <a:schemeClr val="lt1"/>
+          </a:fontRef>
+        </p:style>
+      </p:sp>
+      <p:sp>
+        <p:nvSpPr>
+          <p:cNvPr id="47" name="Rectangle 46">
+            <a:extLst>
+              <a:ext uri="{FF2B5EF4-FFF2-40B4-BE49-F238E27FC236}">
+                <a16:creationId xmlns:a16="http://schemas.microsoft.com/office/drawing/2014/main" id="{53908232-52E2-4794-A6C1-54300FB98919}"/>
+              </a:ext>
+              <a:ext uri="{C183D7F6-B498-43B3-948B-1728B52AA6E4}">
+                <adec:decorative xmlns:adec="http://schemas.microsoft.com/office/drawing/2017/decorative" val="1"/>
+              </a:ext>
+            </a:extLst>
+          </p:cNvPr>
+          <p:cNvSpPr>
+            <a:spLocks noGrp="1" noRot="1" noChangeAspect="1" noMove="1" noResize="1" noEditPoints="1" noAdjustHandles="1" noChangeArrowheads="1" noChangeShapeType="1" noTextEdit="1"/>
+          </p:cNvSpPr>
+          <p:nvPr>
+            <p:extLst>
+              <p:ext uri="{386F3935-93C4-4BCD-93E2-E3B085C9AB24}">
+                <p16:designElem xmlns:p16="http://schemas.microsoft.com/office/powerpoint/2015/main" val="1"/>
+              </p:ext>
+            </p:extLst>
+          </p:nvPr>
+        </p:nvSpPr>
+        <p:spPr>
+          <a:xfrm>
+            <a:off x="8042147" y="453643"/>
+            <a:ext cx="3703320" cy="98554"/>
+          </a:xfrm>
+          <a:prstGeom prst="rect">
+            <a:avLst/>
+          </a:prstGeom>
+          <a:solidFill>
+            <a:srgbClr val="969FA7"/>
+          </a:solidFill>
+          <a:ln>
+            <a:noFill/>
+          </a:ln>
+          <a:effectLst/>
+        </p:spPr>
+        <p:style>
+          <a:lnRef idx="1">
+            <a:schemeClr val="accent1"/>
+          </a:lnRef>
+          <a:fillRef idx="3">
+            <a:schemeClr val="accent1"/>
+          </a:fillRef>
+          <a:effectRef idx="2">
+            <a:schemeClr val="accent1"/>
+          </a:effectRef>
+          <a:fontRef idx="minor">
+            <a:schemeClr val="lt1"/>
+          </a:fontRef>
+        </p:style>
+      </p:sp>
+      <p:sp>
+        <p:nvSpPr>
+          <p:cNvPr id="49" name="Rectangle 48">
+            <a:extLst>
+              <a:ext uri="{FF2B5EF4-FFF2-40B4-BE49-F238E27FC236}">
+                <a16:creationId xmlns:a16="http://schemas.microsoft.com/office/drawing/2014/main" id="{D2B9299F-BED7-44C5-9CC5-E542F9193C2F}"/>
+              </a:ext>
+              <a:ext uri="{C183D7F6-B498-43B3-948B-1728B52AA6E4}">
+                <adec:decorative xmlns:adec="http://schemas.microsoft.com/office/drawing/2017/decorative" val="1"/>
+              </a:ext>
+            </a:extLst>
+          </p:cNvPr>
+          <p:cNvSpPr>
+            <a:spLocks noGrp="1" noRot="1" noChangeAspect="1" noMove="1" noResize="1" noEditPoints="1" noAdjustHandles="1" noChangeArrowheads="1" noChangeShapeType="1" noTextEdit="1"/>
+          </p:cNvSpPr>
+          <p:nvPr>
+            <p:extLst>
+              <p:ext uri="{386F3935-93C4-4BCD-93E2-E3B085C9AB24}">
+                <p16:designElem xmlns:p16="http://schemas.microsoft.com/office/powerpoint/2015/main" val="1"/>
+              </p:ext>
+            </p:extLst>
+          </p:nvPr>
+        </p:nvSpPr>
+        <p:spPr>
+          <a:xfrm>
+            <a:off x="4241830" y="457200"/>
+            <a:ext cx="3703320" cy="91440"/>
+          </a:xfrm>
+          <a:prstGeom prst="rect">
+            <a:avLst/>
+          </a:prstGeom>
+          <a:solidFill>
+            <a:schemeClr val="accent1"/>
+          </a:solidFill>
+          <a:ln>
+            <a:noFill/>
+          </a:ln>
+          <a:effectLst/>
+        </p:spPr>
+        <p:style>
+          <a:lnRef idx="1">
+            <a:schemeClr val="accent1"/>
+          </a:lnRef>
+          <a:fillRef idx="3">
+            <a:schemeClr val="accent1"/>
+          </a:fillRef>
+          <a:effectRef idx="2">
+            <a:schemeClr val="accent1"/>
+          </a:effectRef>
+          <a:fontRef idx="minor">
+            <a:schemeClr val="lt1"/>
+          </a:fontRef>
+        </p:style>
+      </p:sp>
+      <p:sp>
+        <p:nvSpPr>
+          <p:cNvPr id="51" name="Rectangle 50">
+            <a:extLst>
+              <a:ext uri="{FF2B5EF4-FFF2-40B4-BE49-F238E27FC236}">
+                <a16:creationId xmlns:a16="http://schemas.microsoft.com/office/drawing/2014/main" id="{E9DDF273-E040-4765-AD05-872458E1370A}"/>
+              </a:ext>
+              <a:ext uri="{C183D7F6-B498-43B3-948B-1728B52AA6E4}">
+                <adec:decorative xmlns:adec="http://schemas.microsoft.com/office/drawing/2017/decorative" val="1"/>
+              </a:ext>
+            </a:extLst>
+          </p:cNvPr>
+          <p:cNvSpPr>
+            <a:spLocks noGrp="1" noRot="1" noChangeAspect="1" noMove="1" noResize="1" noEditPoints="1" noAdjustHandles="1" noChangeArrowheads="1" noChangeShapeType="1" noTextEdit="1"/>
+          </p:cNvSpPr>
+          <p:nvPr>
+            <p:extLst>
+              <p:ext uri="{386F3935-93C4-4BCD-93E2-E3B085C9AB24}">
+                <p16:designElem xmlns:p16="http://schemas.microsoft.com/office/powerpoint/2015/main" val="1"/>
+              </p:ext>
+            </p:extLst>
+          </p:nvPr>
+        </p:nvSpPr>
+        <p:spPr>
+          <a:xfrm>
+            <a:off x="446534" y="3085764"/>
+            <a:ext cx="11298932" cy="3338149"/>
+          </a:xfrm>
+          <a:prstGeom prst="rect">
+            <a:avLst/>
+          </a:prstGeom>
+          <a:solidFill>
+            <a:srgbClr val="465359"/>
+          </a:solidFill>
+          <a:ln>
+            <a:noFill/>
+          </a:ln>
+          <a:effectLst/>
+        </p:spPr>
+        <p:style>
+          <a:lnRef idx="1">
+            <a:schemeClr val="accent1"/>
+          </a:lnRef>
+          <a:fillRef idx="3">
+            <a:schemeClr val="accent1"/>
+          </a:fillRef>
+          <a:effectRef idx="2">
+            <a:schemeClr val="accent1"/>
+          </a:effectRef>
+          <a:fontRef idx="minor">
+            <a:schemeClr val="lt1"/>
+          </a:fontRef>
+        </p:style>
+      </p:sp>
+      <p:sp useBgFill="1">
+        <p:nvSpPr>
+          <p:cNvPr id="53" name="Rectangle 52">
+            <a:extLst>
+              <a:ext uri="{FF2B5EF4-FFF2-40B4-BE49-F238E27FC236}">
+                <a16:creationId xmlns:a16="http://schemas.microsoft.com/office/drawing/2014/main" id="{D6D7A0BC-0046-4CAA-8E7F-DCAFE511EA0E}"/>
+              </a:ext>
+              <a:ext uri="{C183D7F6-B498-43B3-948B-1728B52AA6E4}">
+                <adec:decorative xmlns:adec="http://schemas.microsoft.com/office/drawing/2017/decorative" val="1"/>
+              </a:ext>
+            </a:extLst>
+          </p:cNvPr>
+          <p:cNvSpPr>
+            <a:spLocks noGrp="1" noRot="1" noChangeAspect="1" noMove="1" noResize="1" noEditPoints="1" noAdjustHandles="1" noChangeArrowheads="1" noChangeShapeType="1" noTextEdit="1"/>
+          </p:cNvSpPr>
+          <p:nvPr>
+            <p:extLst>
+              <p:ext uri="{386F3935-93C4-4BCD-93E2-E3B085C9AB24}">
+                <p16:designElem xmlns:p16="http://schemas.microsoft.com/office/powerpoint/2015/main" val="1"/>
+              </p:ext>
+            </p:extLst>
+          </p:nvPr>
+        </p:nvSpPr>
+        <p:spPr>
+          <a:xfrm>
+            <a:off x="0" y="0"/>
+            <a:ext cx="12192000" cy="6858000"/>
+          </a:xfrm>
+          <a:prstGeom prst="rect">
+            <a:avLst/>
+          </a:prstGeom>
+          <a:ln>
+            <a:noFill/>
+          </a:ln>
+        </p:spPr>
+        <p:style>
+          <a:lnRef idx="2">
+            <a:schemeClr val="accent1">
+              <a:shade val="50000"/>
+            </a:schemeClr>
+          </a:lnRef>
+          <a:fillRef idx="1">
+            <a:schemeClr val="accent1"/>
+          </a:fillRef>
+          <a:effectRef idx="0">
+            <a:schemeClr val="accent1"/>
+          </a:effectRef>
+          <a:fontRef idx="minor">
+            <a:schemeClr val="lt1"/>
+          </a:fontRef>
+        </p:style>
         <p:txBody>
-          <a:bodyPr/>
+          <a:bodyPr rtlCol="0" anchor="ctr"/>
           <a:lstStyle/>
           <a:p>
+            <a:pPr algn="ctr"/>
+            <a:endParaRPr lang="en-US"/>
+          </a:p>
+        </p:txBody>
+      </p:sp>
+      <p:sp>
+        <p:nvSpPr>
+          <p:cNvPr id="7" name="TextBox 6">
+            <a:extLst>
+              <a:ext uri="{FF2B5EF4-FFF2-40B4-BE49-F238E27FC236}">
+                <a16:creationId xmlns:a16="http://schemas.microsoft.com/office/drawing/2014/main" id="{787EF803-CC56-4C0E-8283-BAA5C54C8B78}"/>
+              </a:ext>
+            </a:extLst>
+          </p:cNvPr>
+          <p:cNvSpPr txBox="1"/>
+          <p:nvPr/>
+        </p:nvSpPr>
+        <p:spPr>
+          <a:xfrm>
+            <a:off x="581191" y="1020431"/>
+            <a:ext cx="10993549" cy="954925"/>
+          </a:xfrm>
+          <a:prstGeom prst="rect">
+            <a:avLst/>
+          </a:prstGeom>
+        </p:spPr>
+        <p:txBody>
+          <a:bodyPr vert="horz" lIns="91440" tIns="45720" rIns="91440" bIns="45720" rtlCol="0" anchor="b">
+            <a:normAutofit fontScale="85000" lnSpcReduction="20000"/>
+          </a:bodyPr>
+          <a:lstStyle/>
+          <a:p>
+            <a:pPr defTabSz="457200">
+              <a:spcBef>
+                <a:spcPct val="0"/>
+              </a:spcBef>
+              <a:spcAft>
+                <a:spcPts val="600"/>
+              </a:spcAft>
+            </a:pPr>
             <a:r>
-              <a:rPr lang="en-US" dirty="0"/>
-              <a:t>Correlation map</a:t>
+              <a:rPr lang="en-US" sz="3600" cap="all" dirty="0">
+                <a:solidFill>
+                  <a:schemeClr val="tx1">
+                    <a:lumMod val="75000"/>
+                    <a:lumOff val="25000"/>
+                  </a:schemeClr>
+                </a:solidFill>
+                <a:latin typeface="+mj-lt"/>
+                <a:ea typeface="+mj-ea"/>
+                <a:cs typeface="+mj-cs"/>
+              </a:rPr>
+              <a:t>2015  </a:t>
             </a:r>
           </a:p>
+          <a:p>
+            <a:pPr defTabSz="457200">
+              <a:spcBef>
+                <a:spcPct val="0"/>
+              </a:spcBef>
+              <a:spcAft>
+                <a:spcPts val="600"/>
+              </a:spcAft>
+            </a:pPr>
+            <a:r>
+              <a:rPr lang="en-US" sz="3600" cap="all" dirty="0">
+                <a:solidFill>
+                  <a:schemeClr val="tx1">
+                    <a:lumMod val="75000"/>
+                    <a:lumOff val="25000"/>
+                  </a:schemeClr>
+                </a:solidFill>
+                <a:latin typeface="+mj-lt"/>
+                <a:ea typeface="+mj-ea"/>
+                <a:cs typeface="+mj-cs"/>
+              </a:rPr>
+              <a:t>Comparison of Top 10 and Bottom 10</a:t>
+            </a:r>
+          </a:p>
         </p:txBody>
       </p:sp>
       <p:sp>
         <p:nvSpPr>
-          <p:cNvPr id="3" name="Content Placeholder 2">
-            <a:extLst>
-              <a:ext uri="{FF2B5EF4-FFF2-40B4-BE49-F238E27FC236}">
-                <a16:creationId xmlns:a16="http://schemas.microsoft.com/office/drawing/2014/main" id="{5CF9B384-BDFA-4A5B-BD9A-F66C777B8E45}"/>
-              </a:ext>
-            </a:extLst>
-          </p:cNvPr>
-          <p:cNvSpPr>
-            <a:spLocks noGrp="1"/>
-          </p:cNvSpPr>
-          <p:nvPr>
-            <p:ph idx="1"/>
-          </p:nvPr>
-        </p:nvSpPr>
-        <p:spPr/>
-        <p:txBody>
-          <a:bodyPr/>
-          <a:lstStyle/>
-          <a:p>
-            <a:r>
-              <a:rPr lang="en-US" dirty="0"/>
-              <a:t>Jared’s </a:t>
-            </a:r>
-            <a:r>
-              <a:rPr lang="en-US" dirty="0" err="1"/>
-              <a:t>corr</a:t>
-            </a:r>
-            <a:r>
-              <a:rPr lang="en-US" dirty="0"/>
-              <a:t> map</a:t>
-            </a:r>
-          </a:p>
-        </p:txBody>
-      </p:sp>
-      <p:sp>
-        <p:nvSpPr>
-          <p:cNvPr id="4" name="Text Placeholder 3">
-            <a:extLst>
-              <a:ext uri="{FF2B5EF4-FFF2-40B4-BE49-F238E27FC236}">
-                <a16:creationId xmlns:a16="http://schemas.microsoft.com/office/drawing/2014/main" id="{13AD7B31-D200-4257-9432-E159C25CDCDA}"/>
-              </a:ext>
-            </a:extLst>
-          </p:cNvPr>
-          <p:cNvSpPr>
-            <a:spLocks noGrp="1"/>
-          </p:cNvSpPr>
-          <p:nvPr>
-            <p:ph type="body" sz="half" idx="2"/>
-          </p:nvPr>
-        </p:nvSpPr>
-        <p:spPr/>
-        <p:txBody>
-          <a:bodyPr/>
-          <a:lstStyle/>
-          <a:p>
-            <a:endParaRPr lang="en-US"/>
-          </a:p>
-        </p:txBody>
-      </p:sp>
+          <p:cNvPr id="55" name="Rectangle 54">
+            <a:extLst>
+              <a:ext uri="{FF2B5EF4-FFF2-40B4-BE49-F238E27FC236}">
+                <a16:creationId xmlns:a16="http://schemas.microsoft.com/office/drawing/2014/main" id="{E7C6334F-6411-41EC-AD7D-179EDD8B58CB}"/>
+              </a:ext>
+              <a:ext uri="{C183D7F6-B498-43B3-948B-1728B52AA6E4}">
+                <adec:decorative xmlns:adec="http://schemas.microsoft.com/office/drawing/2017/decorative" val="1"/>
+              </a:ext>
+            </a:extLst>
+          </p:cNvPr>
+          <p:cNvSpPr>
+            <a:spLocks noGrp="1" noRot="1" noChangeAspect="1" noMove="1" noResize="1" noEditPoints="1" noAdjustHandles="1" noChangeArrowheads="1" noChangeShapeType="1" noTextEdit="1"/>
+          </p:cNvSpPr>
+          <p:nvPr>
+            <p:extLst>
+              <p:ext uri="{386F3935-93C4-4BCD-93E2-E3B085C9AB24}">
+                <p16:designElem xmlns:p16="http://schemas.microsoft.com/office/powerpoint/2015/main" val="1"/>
+              </p:ext>
+            </p:extLst>
+          </p:nvPr>
+        </p:nvSpPr>
+        <p:spPr>
+          <a:xfrm>
+            <a:off x="446534" y="457200"/>
+            <a:ext cx="3703320" cy="94997"/>
+          </a:xfrm>
+          <a:prstGeom prst="rect">
+            <a:avLst/>
+          </a:prstGeom>
+          <a:solidFill>
+            <a:srgbClr val="465359"/>
+          </a:solidFill>
+          <a:ln>
+            <a:noFill/>
+          </a:ln>
+          <a:effectLst/>
+        </p:spPr>
+        <p:style>
+          <a:lnRef idx="1">
+            <a:schemeClr val="accent1"/>
+          </a:lnRef>
+          <a:fillRef idx="3">
+            <a:schemeClr val="accent1"/>
+          </a:fillRef>
+          <a:effectRef idx="2">
+            <a:schemeClr val="accent1"/>
+          </a:effectRef>
+          <a:fontRef idx="minor">
+            <a:schemeClr val="lt1"/>
+          </a:fontRef>
+        </p:style>
+      </p:sp>
+      <p:sp>
+        <p:nvSpPr>
+          <p:cNvPr id="57" name="Rectangle 56">
+            <a:extLst>
+              <a:ext uri="{FF2B5EF4-FFF2-40B4-BE49-F238E27FC236}">
+                <a16:creationId xmlns:a16="http://schemas.microsoft.com/office/drawing/2014/main" id="{E6B02CEE-3AF8-4349-9B3E-8970E6DF62B3}"/>
+              </a:ext>
+              <a:ext uri="{C183D7F6-B498-43B3-948B-1728B52AA6E4}">
+                <adec:decorative xmlns:adec="http://schemas.microsoft.com/office/drawing/2017/decorative" val="1"/>
+              </a:ext>
+            </a:extLst>
+          </p:cNvPr>
+          <p:cNvSpPr>
+            <a:spLocks noGrp="1" noRot="1" noChangeAspect="1" noMove="1" noResize="1" noEditPoints="1" noAdjustHandles="1" noChangeArrowheads="1" noChangeShapeType="1" noTextEdit="1"/>
+          </p:cNvSpPr>
+          <p:nvPr>
+            <p:extLst>
+              <p:ext uri="{386F3935-93C4-4BCD-93E2-E3B085C9AB24}">
+                <p16:designElem xmlns:p16="http://schemas.microsoft.com/office/powerpoint/2015/main" val="1"/>
+              </p:ext>
+            </p:extLst>
+          </p:nvPr>
+        </p:nvSpPr>
+        <p:spPr>
+          <a:xfrm>
+            <a:off x="4241830" y="457200"/>
+            <a:ext cx="3703320" cy="91440"/>
+          </a:xfrm>
+          <a:prstGeom prst="rect">
+            <a:avLst/>
+          </a:prstGeom>
+          <a:solidFill>
+            <a:schemeClr val="accent1"/>
+          </a:solidFill>
+          <a:ln>
+            <a:noFill/>
+          </a:ln>
+          <a:effectLst/>
+        </p:spPr>
+        <p:style>
+          <a:lnRef idx="1">
+            <a:schemeClr val="accent1"/>
+          </a:lnRef>
+          <a:fillRef idx="3">
+            <a:schemeClr val="accent1"/>
+          </a:fillRef>
+          <a:effectRef idx="2">
+            <a:schemeClr val="accent1"/>
+          </a:effectRef>
+          <a:fontRef idx="minor">
+            <a:schemeClr val="lt1"/>
+          </a:fontRef>
+        </p:style>
+      </p:sp>
+      <p:sp>
+        <p:nvSpPr>
+          <p:cNvPr id="59" name="Rectangle 58">
+            <a:extLst>
+              <a:ext uri="{FF2B5EF4-FFF2-40B4-BE49-F238E27FC236}">
+                <a16:creationId xmlns:a16="http://schemas.microsoft.com/office/drawing/2014/main" id="{AAA01CF0-3FB5-44EB-B7DE-F2E86374C2FB}"/>
+              </a:ext>
+              <a:ext uri="{C183D7F6-B498-43B3-948B-1728B52AA6E4}">
+                <adec:decorative xmlns:adec="http://schemas.microsoft.com/office/drawing/2017/decorative" val="1"/>
+              </a:ext>
+            </a:extLst>
+          </p:cNvPr>
+          <p:cNvSpPr>
+            <a:spLocks noGrp="1" noRot="1" noChangeAspect="1" noMove="1" noResize="1" noEditPoints="1" noAdjustHandles="1" noChangeArrowheads="1" noChangeShapeType="1" noTextEdit="1"/>
+          </p:cNvSpPr>
+          <p:nvPr>
+            <p:extLst>
+              <p:ext uri="{386F3935-93C4-4BCD-93E2-E3B085C9AB24}">
+                <p16:designElem xmlns:p16="http://schemas.microsoft.com/office/powerpoint/2015/main" val="1"/>
+              </p:ext>
+            </p:extLst>
+          </p:nvPr>
+        </p:nvSpPr>
+        <p:spPr>
+          <a:xfrm>
+            <a:off x="8042147" y="453643"/>
+            <a:ext cx="3703320" cy="98554"/>
+          </a:xfrm>
+          <a:prstGeom prst="rect">
+            <a:avLst/>
+          </a:prstGeom>
+          <a:solidFill>
+            <a:srgbClr val="969FA7"/>
+          </a:solidFill>
+          <a:ln>
+            <a:noFill/>
+          </a:ln>
+          <a:effectLst/>
+        </p:spPr>
+        <p:style>
+          <a:lnRef idx="1">
+            <a:schemeClr val="accent1"/>
+          </a:lnRef>
+          <a:fillRef idx="3">
+            <a:schemeClr val="accent1"/>
+          </a:fillRef>
+          <a:effectRef idx="2">
+            <a:schemeClr val="accent1"/>
+          </a:effectRef>
+          <a:fontRef idx="minor">
+            <a:schemeClr val="lt1"/>
+          </a:fontRef>
+        </p:style>
+      </p:sp>
+      <p:pic>
+        <p:nvPicPr>
+          <p:cNvPr id="6" name="Picture 5">
+            <a:extLst>
+              <a:ext uri="{FF2B5EF4-FFF2-40B4-BE49-F238E27FC236}">
+                <a16:creationId xmlns:a16="http://schemas.microsoft.com/office/drawing/2014/main" id="{7C1E570E-D3B4-4FF4-AA22-B81868FCED24}"/>
+              </a:ext>
+            </a:extLst>
+          </p:cNvPr>
+          <p:cNvPicPr>
+            <a:picLocks noChangeAspect="1"/>
+          </p:cNvPicPr>
+          <p:nvPr/>
+        </p:nvPicPr>
+        <p:blipFill>
+          <a:blip r:embed="rId2"/>
+          <a:stretch>
+            <a:fillRect/>
+          </a:stretch>
+        </p:blipFill>
+        <p:spPr>
+          <a:xfrm>
+            <a:off x="119197" y="2276906"/>
+            <a:ext cx="5778306" cy="3692595"/>
+          </a:xfrm>
+          <a:prstGeom prst="rect">
+            <a:avLst/>
+          </a:prstGeom>
+        </p:spPr>
+      </p:pic>
+      <p:pic>
+        <p:nvPicPr>
+          <p:cNvPr id="12" name="Picture 11">
+            <a:extLst>
+              <a:ext uri="{FF2B5EF4-FFF2-40B4-BE49-F238E27FC236}">
+                <a16:creationId xmlns:a16="http://schemas.microsoft.com/office/drawing/2014/main" id="{0707EE03-85BC-4B18-B99D-AA69C35674C5}"/>
+              </a:ext>
+            </a:extLst>
+          </p:cNvPr>
+          <p:cNvPicPr>
+            <a:picLocks noChangeAspect="1"/>
+          </p:cNvPicPr>
+          <p:nvPr/>
+        </p:nvPicPr>
+        <p:blipFill>
+          <a:blip r:embed="rId3"/>
+          <a:stretch>
+            <a:fillRect/>
+          </a:stretch>
+        </p:blipFill>
+        <p:spPr>
+          <a:xfrm>
+            <a:off x="6145089" y="2276905"/>
+            <a:ext cx="6157946" cy="3692595"/>
+          </a:xfrm>
+          <a:prstGeom prst="rect">
+            <a:avLst/>
+          </a:prstGeom>
+        </p:spPr>
+      </p:pic>
     </p:spTree>
     <p:extLst>
       <p:ext uri="{BB962C8B-B14F-4D97-AF65-F5344CB8AC3E}">
-        <p14:creationId xmlns:p14="http://schemas.microsoft.com/office/powerpoint/2010/main" val="4189587326"/>
+        <p14:creationId xmlns:p14="http://schemas.microsoft.com/office/powerpoint/2010/main" val="2469983858"/>
       </p:ext>
     </p:extLst>
   </p:cSld>
@@ -8355,6 +12282,14 @@
 <file path=ppt/slides/slide9.xml><?xml version="1.0" encoding="utf-8"?>
 <p:sld xmlns:a="http://schemas.openxmlformats.org/drawingml/2006/main" xmlns:r="http://schemas.openxmlformats.org/officeDocument/2006/relationships" xmlns:p="http://schemas.openxmlformats.org/presentationml/2006/main">
   <p:cSld>
+    <p:bg>
+      <p:bgPr>
+        <a:solidFill>
+          <a:schemeClr val="bg1"/>
+        </a:solidFill>
+        <a:effectLst/>
+      </p:bgPr>
+    </p:bg>
     <p:spTree>
       <p:nvGrpSpPr>
         <p:cNvPr id="1" name=""/>
@@ -8371,86 +12306,582 @@
       </p:grpSpPr>
       <p:sp>
         <p:nvSpPr>
-          <p:cNvPr id="2" name="Title 1">
-            <a:extLst>
-              <a:ext uri="{FF2B5EF4-FFF2-40B4-BE49-F238E27FC236}">
-                <a16:creationId xmlns:a16="http://schemas.microsoft.com/office/drawing/2014/main" id="{817454E1-9483-4FD7-8B28-52A799E91058}"/>
-              </a:ext>
-            </a:extLst>
-          </p:cNvPr>
-          <p:cNvSpPr>
-            <a:spLocks noGrp="1"/>
-          </p:cNvSpPr>
-          <p:nvPr>
-            <p:ph type="title"/>
-          </p:nvPr>
-        </p:nvSpPr>
-        <p:spPr/>
+          <p:cNvPr id="11" name="Rectangle 10">
+            <a:extLst>
+              <a:ext uri="{FF2B5EF4-FFF2-40B4-BE49-F238E27FC236}">
+                <a16:creationId xmlns:a16="http://schemas.microsoft.com/office/drawing/2014/main" id="{DD651B61-325E-4E73-8445-38B0DE8AAAB6}"/>
+              </a:ext>
+              <a:ext uri="{C183D7F6-B498-43B3-948B-1728B52AA6E4}">
+                <adec:decorative xmlns:adec="http://schemas.microsoft.com/office/drawing/2017/decorative" val="1"/>
+              </a:ext>
+            </a:extLst>
+          </p:cNvPr>
+          <p:cNvSpPr>
+            <a:spLocks noGrp="1" noRot="1" noChangeAspect="1" noMove="1" noResize="1" noEditPoints="1" noAdjustHandles="1" noChangeArrowheads="1" noChangeShapeType="1" noTextEdit="1"/>
+          </p:cNvSpPr>
+          <p:nvPr>
+            <p:extLst>
+              <p:ext uri="{386F3935-93C4-4BCD-93E2-E3B085C9AB24}">
+                <p16:designElem xmlns:p16="http://schemas.microsoft.com/office/powerpoint/2015/main" val="1"/>
+              </p:ext>
+            </p:extLst>
+          </p:nvPr>
+        </p:nvSpPr>
+        <p:spPr>
+          <a:xfrm>
+            <a:off x="446534" y="457200"/>
+            <a:ext cx="3703320" cy="94997"/>
+          </a:xfrm>
+          <a:prstGeom prst="rect">
+            <a:avLst/>
+          </a:prstGeom>
+          <a:solidFill>
+            <a:srgbClr val="465359"/>
+          </a:solidFill>
+          <a:ln>
+            <a:noFill/>
+          </a:ln>
+          <a:effectLst/>
+        </p:spPr>
+        <p:style>
+          <a:lnRef idx="1">
+            <a:schemeClr val="accent1"/>
+          </a:lnRef>
+          <a:fillRef idx="3">
+            <a:schemeClr val="accent1"/>
+          </a:fillRef>
+          <a:effectRef idx="2">
+            <a:schemeClr val="accent1"/>
+          </a:effectRef>
+          <a:fontRef idx="minor">
+            <a:schemeClr val="lt1"/>
+          </a:fontRef>
+        </p:style>
+      </p:sp>
+      <p:sp>
+        <p:nvSpPr>
+          <p:cNvPr id="13" name="Rectangle 12">
+            <a:extLst>
+              <a:ext uri="{FF2B5EF4-FFF2-40B4-BE49-F238E27FC236}">
+                <a16:creationId xmlns:a16="http://schemas.microsoft.com/office/drawing/2014/main" id="{B42E5253-D3AC-4AC2-B766-8B34F13C2F5E}"/>
+              </a:ext>
+              <a:ext uri="{C183D7F6-B498-43B3-948B-1728B52AA6E4}">
+                <adec:decorative xmlns:adec="http://schemas.microsoft.com/office/drawing/2017/decorative" val="1"/>
+              </a:ext>
+            </a:extLst>
+          </p:cNvPr>
+          <p:cNvSpPr>
+            <a:spLocks noGrp="1" noRot="1" noChangeAspect="1" noMove="1" noResize="1" noEditPoints="1" noAdjustHandles="1" noChangeArrowheads="1" noChangeShapeType="1" noTextEdit="1"/>
+          </p:cNvSpPr>
+          <p:nvPr>
+            <p:extLst>
+              <p:ext uri="{386F3935-93C4-4BCD-93E2-E3B085C9AB24}">
+                <p16:designElem xmlns:p16="http://schemas.microsoft.com/office/powerpoint/2015/main" val="1"/>
+              </p:ext>
+            </p:extLst>
+          </p:nvPr>
+        </p:nvSpPr>
+        <p:spPr>
+          <a:xfrm>
+            <a:off x="8042147" y="453643"/>
+            <a:ext cx="3703320" cy="98554"/>
+          </a:xfrm>
+          <a:prstGeom prst="rect">
+            <a:avLst/>
+          </a:prstGeom>
+          <a:solidFill>
+            <a:srgbClr val="969FA7"/>
+          </a:solidFill>
+          <a:ln>
+            <a:noFill/>
+          </a:ln>
+          <a:effectLst/>
+        </p:spPr>
+        <p:style>
+          <a:lnRef idx="1">
+            <a:schemeClr val="accent1"/>
+          </a:lnRef>
+          <a:fillRef idx="3">
+            <a:schemeClr val="accent1"/>
+          </a:fillRef>
+          <a:effectRef idx="2">
+            <a:schemeClr val="accent1"/>
+          </a:effectRef>
+          <a:fontRef idx="minor">
+            <a:schemeClr val="lt1"/>
+          </a:fontRef>
+        </p:style>
+      </p:sp>
+      <p:sp>
+        <p:nvSpPr>
+          <p:cNvPr id="15" name="Rectangle 14">
+            <a:extLst>
+              <a:ext uri="{FF2B5EF4-FFF2-40B4-BE49-F238E27FC236}">
+                <a16:creationId xmlns:a16="http://schemas.microsoft.com/office/drawing/2014/main" id="{10AE8D57-436A-4073-9A75-15BB5949F8B4}"/>
+              </a:ext>
+              <a:ext uri="{C183D7F6-B498-43B3-948B-1728B52AA6E4}">
+                <adec:decorative xmlns:adec="http://schemas.microsoft.com/office/drawing/2017/decorative" val="1"/>
+              </a:ext>
+            </a:extLst>
+          </p:cNvPr>
+          <p:cNvSpPr>
+            <a:spLocks noGrp="1" noRot="1" noChangeAspect="1" noMove="1" noResize="1" noEditPoints="1" noAdjustHandles="1" noChangeArrowheads="1" noChangeShapeType="1" noTextEdit="1"/>
+          </p:cNvSpPr>
+          <p:nvPr>
+            <p:extLst>
+              <p:ext uri="{386F3935-93C4-4BCD-93E2-E3B085C9AB24}">
+                <p16:designElem xmlns:p16="http://schemas.microsoft.com/office/powerpoint/2015/main" val="1"/>
+              </p:ext>
+            </p:extLst>
+          </p:nvPr>
+        </p:nvSpPr>
+        <p:spPr>
+          <a:xfrm>
+            <a:off x="4241830" y="457200"/>
+            <a:ext cx="3703320" cy="91440"/>
+          </a:xfrm>
+          <a:prstGeom prst="rect">
+            <a:avLst/>
+          </a:prstGeom>
+          <a:solidFill>
+            <a:schemeClr val="accent1"/>
+          </a:solidFill>
+          <a:ln>
+            <a:noFill/>
+          </a:ln>
+          <a:effectLst/>
+        </p:spPr>
+        <p:style>
+          <a:lnRef idx="1">
+            <a:schemeClr val="accent1"/>
+          </a:lnRef>
+          <a:fillRef idx="3">
+            <a:schemeClr val="accent1"/>
+          </a:fillRef>
+          <a:effectRef idx="2">
+            <a:schemeClr val="accent1"/>
+          </a:effectRef>
+          <a:fontRef idx="minor">
+            <a:schemeClr val="lt1"/>
+          </a:fontRef>
+        </p:style>
+      </p:sp>
+      <p:sp>
+        <p:nvSpPr>
+          <p:cNvPr id="17" name="Rectangle 16">
+            <a:extLst>
+              <a:ext uri="{FF2B5EF4-FFF2-40B4-BE49-F238E27FC236}">
+                <a16:creationId xmlns:a16="http://schemas.microsoft.com/office/drawing/2014/main" id="{E2852671-8EB6-4EAF-8AF8-65CF3FD66456}"/>
+              </a:ext>
+              <a:ext uri="{C183D7F6-B498-43B3-948B-1728B52AA6E4}">
+                <adec:decorative xmlns:adec="http://schemas.microsoft.com/office/drawing/2017/decorative" val="1"/>
+              </a:ext>
+            </a:extLst>
+          </p:cNvPr>
+          <p:cNvSpPr>
+            <a:spLocks noGrp="1" noRot="1" noChangeAspect="1" noMove="1" noResize="1" noEditPoints="1" noAdjustHandles="1" noChangeArrowheads="1" noChangeShapeType="1" noTextEdit="1"/>
+          </p:cNvSpPr>
+          <p:nvPr>
+            <p:extLst>
+              <p:ext uri="{386F3935-93C4-4BCD-93E2-E3B085C9AB24}">
+                <p16:designElem xmlns:p16="http://schemas.microsoft.com/office/powerpoint/2015/main" val="1"/>
+              </p:ext>
+            </p:extLst>
+          </p:nvPr>
+        </p:nvSpPr>
+        <p:spPr>
+          <a:xfrm>
+            <a:off x="446534" y="3085764"/>
+            <a:ext cx="11298932" cy="3338149"/>
+          </a:xfrm>
+          <a:prstGeom prst="rect">
+            <a:avLst/>
+          </a:prstGeom>
+          <a:solidFill>
+            <a:srgbClr val="465359"/>
+          </a:solidFill>
+          <a:ln>
+            <a:noFill/>
+          </a:ln>
+          <a:effectLst/>
+        </p:spPr>
+        <p:style>
+          <a:lnRef idx="1">
+            <a:schemeClr val="accent1"/>
+          </a:lnRef>
+          <a:fillRef idx="3">
+            <a:schemeClr val="accent1"/>
+          </a:fillRef>
+          <a:effectRef idx="2">
+            <a:schemeClr val="accent1"/>
+          </a:effectRef>
+          <a:fontRef idx="minor">
+            <a:schemeClr val="lt1"/>
+          </a:fontRef>
+        </p:style>
+      </p:sp>
+      <p:sp useBgFill="1">
+        <p:nvSpPr>
+          <p:cNvPr id="19" name="Rectangle 18">
+            <a:extLst>
+              <a:ext uri="{FF2B5EF4-FFF2-40B4-BE49-F238E27FC236}">
+                <a16:creationId xmlns:a16="http://schemas.microsoft.com/office/drawing/2014/main" id="{963FC0CD-F19B-4D9C-9C47-EB7E9D16E444}"/>
+              </a:ext>
+              <a:ext uri="{C183D7F6-B498-43B3-948B-1728B52AA6E4}">
+                <adec:decorative xmlns:adec="http://schemas.microsoft.com/office/drawing/2017/decorative" val="1"/>
+              </a:ext>
+            </a:extLst>
+          </p:cNvPr>
+          <p:cNvSpPr>
+            <a:spLocks noGrp="1" noRot="1" noChangeAspect="1" noMove="1" noResize="1" noEditPoints="1" noAdjustHandles="1" noChangeArrowheads="1" noChangeShapeType="1" noTextEdit="1"/>
+          </p:cNvSpPr>
+          <p:nvPr>
+            <p:extLst>
+              <p:ext uri="{386F3935-93C4-4BCD-93E2-E3B085C9AB24}">
+                <p16:designElem xmlns:p16="http://schemas.microsoft.com/office/powerpoint/2015/main" val="1"/>
+              </p:ext>
+            </p:extLst>
+          </p:nvPr>
+        </p:nvSpPr>
+        <p:spPr>
+          <a:xfrm>
+            <a:off x="0" y="0"/>
+            <a:ext cx="12192000" cy="6858000"/>
+          </a:xfrm>
+          <a:prstGeom prst="rect">
+            <a:avLst/>
+          </a:prstGeom>
+          <a:ln>
+            <a:noFill/>
+          </a:ln>
+        </p:spPr>
+        <p:style>
+          <a:lnRef idx="2">
+            <a:schemeClr val="accent1">
+              <a:shade val="50000"/>
+            </a:schemeClr>
+          </a:lnRef>
+          <a:fillRef idx="1">
+            <a:schemeClr val="accent1"/>
+          </a:fillRef>
+          <a:effectRef idx="0">
+            <a:schemeClr val="accent1"/>
+          </a:effectRef>
+          <a:fontRef idx="minor">
+            <a:schemeClr val="lt1"/>
+          </a:fontRef>
+        </p:style>
         <p:txBody>
-          <a:bodyPr/>
+          <a:bodyPr rtlCol="0" anchor="ctr"/>
           <a:lstStyle/>
           <a:p>
+            <a:pPr algn="ctr"/>
             <a:endParaRPr lang="en-US"/>
           </a:p>
         </p:txBody>
       </p:sp>
       <p:sp>
         <p:nvSpPr>
-          <p:cNvPr id="3" name="Content Placeholder 2">
-            <a:extLst>
-              <a:ext uri="{FF2B5EF4-FFF2-40B4-BE49-F238E27FC236}">
-                <a16:creationId xmlns:a16="http://schemas.microsoft.com/office/drawing/2014/main" id="{BA75AAC2-9E72-45DD-A6F6-633E7A59101E}"/>
-              </a:ext>
-            </a:extLst>
-          </p:cNvPr>
-          <p:cNvSpPr>
-            <a:spLocks noGrp="1"/>
-          </p:cNvSpPr>
-          <p:nvPr>
-            <p:ph idx="1"/>
-          </p:nvPr>
-        </p:nvSpPr>
-        <p:spPr/>
+          <p:cNvPr id="21" name="Rectangle 20">
+            <a:extLst>
+              <a:ext uri="{FF2B5EF4-FFF2-40B4-BE49-F238E27FC236}">
+                <a16:creationId xmlns:a16="http://schemas.microsoft.com/office/drawing/2014/main" id="{2E70159E-5269-4C18-AA0B-D50513DB3B3C}"/>
+              </a:ext>
+              <a:ext uri="{C183D7F6-B498-43B3-948B-1728B52AA6E4}">
+                <adec:decorative xmlns:adec="http://schemas.microsoft.com/office/drawing/2017/decorative" val="1"/>
+              </a:ext>
+            </a:extLst>
+          </p:cNvPr>
+          <p:cNvSpPr>
+            <a:spLocks noGrp="1" noRot="1" noChangeAspect="1" noMove="1" noResize="1" noEditPoints="1" noAdjustHandles="1" noChangeArrowheads="1" noChangeShapeType="1" noTextEdit="1"/>
+          </p:cNvSpPr>
+          <p:nvPr>
+            <p:extLst>
+              <p:ext uri="{386F3935-93C4-4BCD-93E2-E3B085C9AB24}">
+                <p16:designElem xmlns:p16="http://schemas.microsoft.com/office/powerpoint/2015/main" val="1"/>
+              </p:ext>
+            </p:extLst>
+          </p:nvPr>
+        </p:nvSpPr>
+        <p:spPr>
+          <a:xfrm>
+            <a:off x="446534" y="457200"/>
+            <a:ext cx="3703320" cy="94997"/>
+          </a:xfrm>
+          <a:prstGeom prst="rect">
+            <a:avLst/>
+          </a:prstGeom>
+          <a:solidFill>
+            <a:srgbClr val="465359"/>
+          </a:solidFill>
+          <a:ln>
+            <a:noFill/>
+          </a:ln>
+          <a:effectLst/>
+        </p:spPr>
+        <p:style>
+          <a:lnRef idx="1">
+            <a:schemeClr val="accent1"/>
+          </a:lnRef>
+          <a:fillRef idx="3">
+            <a:schemeClr val="accent1"/>
+          </a:fillRef>
+          <a:effectRef idx="2">
+            <a:schemeClr val="accent1"/>
+          </a:effectRef>
+          <a:fontRef idx="minor">
+            <a:schemeClr val="lt1"/>
+          </a:fontRef>
+        </p:style>
+      </p:sp>
+      <p:sp>
+        <p:nvSpPr>
+          <p:cNvPr id="23" name="Rectangle 22">
+            <a:extLst>
+              <a:ext uri="{FF2B5EF4-FFF2-40B4-BE49-F238E27FC236}">
+                <a16:creationId xmlns:a16="http://schemas.microsoft.com/office/drawing/2014/main" id="{BBBE9C8C-98B2-41C2-B47B-9A396CBA2326}"/>
+              </a:ext>
+              <a:ext uri="{C183D7F6-B498-43B3-948B-1728B52AA6E4}">
+                <adec:decorative xmlns:adec="http://schemas.microsoft.com/office/drawing/2017/decorative" val="1"/>
+              </a:ext>
+            </a:extLst>
+          </p:cNvPr>
+          <p:cNvSpPr>
+            <a:spLocks noGrp="1" noRot="1" noChangeAspect="1" noMove="1" noResize="1" noEditPoints="1" noAdjustHandles="1" noChangeArrowheads="1" noChangeShapeType="1" noTextEdit="1"/>
+          </p:cNvSpPr>
+          <p:nvPr>
+            <p:extLst>
+              <p:ext uri="{386F3935-93C4-4BCD-93E2-E3B085C9AB24}">
+                <p16:designElem xmlns:p16="http://schemas.microsoft.com/office/powerpoint/2015/main" val="1"/>
+              </p:ext>
+            </p:extLst>
+          </p:nvPr>
+        </p:nvSpPr>
+        <p:spPr>
+          <a:xfrm>
+            <a:off x="4241830" y="457200"/>
+            <a:ext cx="3703320" cy="91440"/>
+          </a:xfrm>
+          <a:prstGeom prst="rect">
+            <a:avLst/>
+          </a:prstGeom>
+          <a:solidFill>
+            <a:schemeClr val="accent1"/>
+          </a:solidFill>
+          <a:ln>
+            <a:noFill/>
+          </a:ln>
+          <a:effectLst/>
+        </p:spPr>
+        <p:style>
+          <a:lnRef idx="1">
+            <a:schemeClr val="accent1"/>
+          </a:lnRef>
+          <a:fillRef idx="3">
+            <a:schemeClr val="accent1"/>
+          </a:fillRef>
+          <a:effectRef idx="2">
+            <a:schemeClr val="accent1"/>
+          </a:effectRef>
+          <a:fontRef idx="minor">
+            <a:schemeClr val="lt1"/>
+          </a:fontRef>
+        </p:style>
+      </p:sp>
+      <p:sp>
+        <p:nvSpPr>
+          <p:cNvPr id="25" name="Rectangle 24">
+            <a:extLst>
+              <a:ext uri="{FF2B5EF4-FFF2-40B4-BE49-F238E27FC236}">
+                <a16:creationId xmlns:a16="http://schemas.microsoft.com/office/drawing/2014/main" id="{B2ECCA3D-5ECA-4A8B-B9D7-CE6DEB72B952}"/>
+              </a:ext>
+              <a:ext uri="{C183D7F6-B498-43B3-948B-1728B52AA6E4}">
+                <adec:decorative xmlns:adec="http://schemas.microsoft.com/office/drawing/2017/decorative" val="1"/>
+              </a:ext>
+            </a:extLst>
+          </p:cNvPr>
+          <p:cNvSpPr>
+            <a:spLocks noGrp="1" noRot="1" noChangeAspect="1" noMove="1" noResize="1" noEditPoints="1" noAdjustHandles="1" noChangeArrowheads="1" noChangeShapeType="1" noTextEdit="1"/>
+          </p:cNvSpPr>
+          <p:nvPr>
+            <p:extLst>
+              <p:ext uri="{386F3935-93C4-4BCD-93E2-E3B085C9AB24}">
+                <p16:designElem xmlns:p16="http://schemas.microsoft.com/office/powerpoint/2015/main" val="1"/>
+              </p:ext>
+            </p:extLst>
+          </p:nvPr>
+        </p:nvSpPr>
+        <p:spPr>
+          <a:xfrm>
+            <a:off x="8042147" y="453643"/>
+            <a:ext cx="3703320" cy="98554"/>
+          </a:xfrm>
+          <a:prstGeom prst="rect">
+            <a:avLst/>
+          </a:prstGeom>
+          <a:solidFill>
+            <a:srgbClr val="969FA7"/>
+          </a:solidFill>
+          <a:ln>
+            <a:noFill/>
+          </a:ln>
+          <a:effectLst/>
+        </p:spPr>
+        <p:style>
+          <a:lnRef idx="1">
+            <a:schemeClr val="accent1"/>
+          </a:lnRef>
+          <a:fillRef idx="3">
+            <a:schemeClr val="accent1"/>
+          </a:fillRef>
+          <a:effectRef idx="2">
+            <a:schemeClr val="accent1"/>
+          </a:effectRef>
+          <a:fontRef idx="minor">
+            <a:schemeClr val="lt1"/>
+          </a:fontRef>
+        </p:style>
+      </p:sp>
+      <p:pic>
+        <p:nvPicPr>
+          <p:cNvPr id="3" name="Picture 2">
+            <a:extLst>
+              <a:ext uri="{FF2B5EF4-FFF2-40B4-BE49-F238E27FC236}">
+                <a16:creationId xmlns:a16="http://schemas.microsoft.com/office/drawing/2014/main" id="{1D17B3A3-27B6-475D-99C9-28BDD697E473}"/>
+              </a:ext>
+            </a:extLst>
+          </p:cNvPr>
+          <p:cNvPicPr>
+            <a:picLocks noChangeAspect="1"/>
+          </p:cNvPicPr>
+          <p:nvPr/>
+        </p:nvPicPr>
+        <p:blipFill>
+          <a:blip r:embed="rId2"/>
+          <a:stretch>
+            <a:fillRect/>
+          </a:stretch>
+        </p:blipFill>
+        <p:spPr>
+          <a:xfrm>
+            <a:off x="365494" y="2335613"/>
+            <a:ext cx="5860841" cy="3501956"/>
+          </a:xfrm>
+          <a:prstGeom prst="rect">
+            <a:avLst/>
+          </a:prstGeom>
+        </p:spPr>
+      </p:pic>
+      <p:sp>
+        <p:nvSpPr>
+          <p:cNvPr id="14" name="TextBox 13">
+            <a:extLst>
+              <a:ext uri="{FF2B5EF4-FFF2-40B4-BE49-F238E27FC236}">
+                <a16:creationId xmlns:a16="http://schemas.microsoft.com/office/drawing/2014/main" id="{830E1F6C-A27A-482F-ACE2-9DDDC129A09A}"/>
+              </a:ext>
+            </a:extLst>
+          </p:cNvPr>
+          <p:cNvSpPr txBox="1"/>
+          <p:nvPr/>
+        </p:nvSpPr>
+        <p:spPr>
+          <a:xfrm>
+            <a:off x="581191" y="1020431"/>
+            <a:ext cx="10993549" cy="954925"/>
+          </a:xfrm>
+          <a:prstGeom prst="rect">
+            <a:avLst/>
+          </a:prstGeom>
+        </p:spPr>
         <p:txBody>
-          <a:bodyPr/>
+          <a:bodyPr vert="horz" lIns="91440" tIns="45720" rIns="91440" bIns="45720" rtlCol="0" anchor="b">
+            <a:normAutofit fontScale="85000" lnSpcReduction="20000"/>
+          </a:bodyPr>
           <a:lstStyle/>
           <a:p>
+            <a:pPr defTabSz="457200">
+              <a:spcBef>
+                <a:spcPct val="0"/>
+              </a:spcBef>
+              <a:spcAft>
+                <a:spcPts val="600"/>
+              </a:spcAft>
+            </a:pPr>
             <a:r>
-              <a:rPr lang="en-US" dirty="0"/>
-              <a:t>World heat map – 2019 data</a:t>
+              <a:rPr lang="en-US" sz="3600" cap="all" dirty="0">
+                <a:solidFill>
+                  <a:schemeClr val="tx1">
+                    <a:lumMod val="75000"/>
+                    <a:lumOff val="25000"/>
+                  </a:schemeClr>
+                </a:solidFill>
+                <a:latin typeface="+mj-lt"/>
+                <a:ea typeface="+mj-ea"/>
+                <a:cs typeface="+mj-cs"/>
+              </a:rPr>
+              <a:t>2016  </a:t>
             </a:r>
           </a:p>
+          <a:p>
+            <a:pPr defTabSz="457200">
+              <a:spcBef>
+                <a:spcPct val="0"/>
+              </a:spcBef>
+              <a:spcAft>
+                <a:spcPts val="600"/>
+              </a:spcAft>
+            </a:pPr>
+            <a:r>
+              <a:rPr lang="en-US" sz="3600" cap="all" dirty="0">
+                <a:solidFill>
+                  <a:schemeClr val="tx1">
+                    <a:lumMod val="75000"/>
+                    <a:lumOff val="25000"/>
+                  </a:schemeClr>
+                </a:solidFill>
+                <a:latin typeface="+mj-lt"/>
+                <a:ea typeface="+mj-ea"/>
+                <a:cs typeface="+mj-cs"/>
+              </a:rPr>
+              <a:t>Comparison of Top 10 and Bottom 10</a:t>
+            </a:r>
+          </a:p>
         </p:txBody>
       </p:sp>
-      <p:sp>
-        <p:nvSpPr>
-          <p:cNvPr id="6" name="Text Placeholder 5">
-            <a:extLst>
-              <a:ext uri="{FF2B5EF4-FFF2-40B4-BE49-F238E27FC236}">
-                <a16:creationId xmlns:a16="http://schemas.microsoft.com/office/drawing/2014/main" id="{CA362243-D87F-4570-A038-B48245606920}"/>
-              </a:ext>
-            </a:extLst>
-          </p:cNvPr>
-          <p:cNvSpPr>
-            <a:spLocks noGrp="1"/>
-          </p:cNvSpPr>
-          <p:nvPr>
-            <p:ph type="body" sz="half" idx="2"/>
-          </p:nvPr>
-        </p:nvSpPr>
-        <p:spPr/>
-        <p:txBody>
-          <a:bodyPr/>
-          <a:lstStyle/>
-          <a:p>
-            <a:endParaRPr lang="en-US"/>
-          </a:p>
-        </p:txBody>
-      </p:sp>
+      <p:pic>
+        <p:nvPicPr>
+          <p:cNvPr id="5" name="Picture 4">
+            <a:extLst>
+              <a:ext uri="{FF2B5EF4-FFF2-40B4-BE49-F238E27FC236}">
+                <a16:creationId xmlns:a16="http://schemas.microsoft.com/office/drawing/2014/main" id="{959E55C3-234B-4ADE-8B15-2BB514561ADA}"/>
+              </a:ext>
+            </a:extLst>
+          </p:cNvPr>
+          <p:cNvPicPr>
+            <a:picLocks noChangeAspect="1"/>
+          </p:cNvPicPr>
+          <p:nvPr/>
+        </p:nvPicPr>
+        <p:blipFill>
+          <a:blip r:embed="rId3"/>
+          <a:stretch>
+            <a:fillRect/>
+          </a:stretch>
+        </p:blipFill>
+        <p:spPr>
+          <a:xfrm>
+            <a:off x="6226335" y="2332056"/>
+            <a:ext cx="5912798" cy="3501956"/>
+          </a:xfrm>
+          <a:prstGeom prst="rect">
+            <a:avLst/>
+          </a:prstGeom>
+        </p:spPr>
+      </p:pic>
     </p:spTree>
     <p:extLst>
       <p:ext uri="{BB962C8B-B14F-4D97-AF65-F5344CB8AC3E}">
-        <p14:creationId xmlns:p14="http://schemas.microsoft.com/office/powerpoint/2010/main" val="881537250"/>
+        <p14:creationId xmlns:p14="http://schemas.microsoft.com/office/powerpoint/2010/main" val="4126986213"/>
       </p:ext>
     </p:extLst>
   </p:cSld>

--- a/World Happiness.pptx
+++ b/World Happiness.pptx
@@ -20,8 +20,8 @@
     <p:sldId id="271" r:id="rId11"/>
     <p:sldId id="272" r:id="rId12"/>
     <p:sldId id="270" r:id="rId13"/>
-    <p:sldId id="261" r:id="rId14"/>
-    <p:sldId id="262" r:id="rId15"/>
+    <p:sldId id="273" r:id="rId14"/>
+    <p:sldId id="261" r:id="rId15"/>
     <p:sldId id="266" r:id="rId16"/>
   </p:sldIdLst>
   <p:sldSz cx="12192000" cy="6858000"/>
@@ -214,7 +214,7 @@
           <a:p>
             <a:fld id="{14FECA19-04A7-4E13-9C05-927B7441317C}" type="datetimeFigureOut">
               <a:rPr lang="en-US" smtClean="0"/>
-              <a:t>2/11/2021</a:t>
+              <a:t>2/12/2021</a:t>
             </a:fld>
             <a:endParaRPr lang="en-US"/>
           </a:p>
@@ -803,7 +803,7 @@
           <a:p>
             <a:fld id="{ED291B17-9318-49DB-B28B-6E5994AE9581}" type="datetime1">
               <a:rPr lang="en-US" smtClean="0"/>
-              <a:t>2/11/2021</a:t>
+              <a:t>2/12/2021</a:t>
             </a:fld>
             <a:endParaRPr lang="en-US" dirty="0"/>
           </a:p>
@@ -1006,7 +1006,7 @@
           <a:p>
             <a:fld id="{2CED4963-E985-44C4-B8C4-FDD613B7C2F8}" type="datetime1">
               <a:rPr lang="en-US" smtClean="0"/>
-              <a:t>2/11/2021</a:t>
+              <a:t>2/12/2021</a:t>
             </a:fld>
             <a:endParaRPr lang="en-US" dirty="0"/>
           </a:p>
@@ -1368,7 +1368,7 @@
           <a:p>
             <a:fld id="{ED291B17-9318-49DB-B28B-6E5994AE9581}" type="datetime1">
               <a:rPr lang="en-US" smtClean="0"/>
-              <a:t>2/11/2021</a:t>
+              <a:t>2/12/2021</a:t>
             </a:fld>
             <a:endParaRPr lang="en-US" dirty="0"/>
           </a:p>
@@ -1566,7 +1566,7 @@
           <a:p>
             <a:fld id="{78DD82B9-B8EE-4375-B6FF-88FA6ABB15D9}" type="datetime1">
               <a:rPr lang="en-US" smtClean="0"/>
-              <a:t>2/11/2021</a:t>
+              <a:t>2/12/2021</a:t>
             </a:fld>
             <a:endParaRPr lang="en-US" dirty="0"/>
           </a:p>
@@ -1878,7 +1878,7 @@
           <a:p>
             <a:fld id="{B2497495-0637-405E-AE64-5CC7506D51F5}" type="datetime1">
               <a:rPr lang="en-US" smtClean="0"/>
-              <a:t>2/11/2021</a:t>
+              <a:t>2/12/2021</a:t>
             </a:fld>
             <a:endParaRPr lang="en-US" dirty="0"/>
           </a:p>
@@ -2131,7 +2131,7 @@
           <a:p>
             <a:fld id="{7BFFD690-9426-415D-8B65-26881E07B2D4}" type="datetime1">
               <a:rPr lang="en-US" smtClean="0"/>
-              <a:t>2/11/2021</a:t>
+              <a:t>2/12/2021</a:t>
             </a:fld>
             <a:endParaRPr lang="en-US" dirty="0"/>
           </a:p>
@@ -2553,7 +2553,7 @@
           <a:p>
             <a:fld id="{04C4989A-474C-40DE-95B9-011C28B71673}" type="datetime1">
               <a:rPr lang="en-US" smtClean="0"/>
-              <a:t>2/11/2021</a:t>
+              <a:t>2/12/2021</a:t>
             </a:fld>
             <a:endParaRPr lang="en-US" dirty="0"/>
           </a:p>
@@ -2676,7 +2676,7 @@
           <a:p>
             <a:fld id="{5DB4ED54-5B5E-4A04-93D3-5772E3CE3818}" type="datetime1">
               <a:rPr lang="en-US" smtClean="0"/>
-              <a:t>2/11/2021</a:t>
+              <a:t>2/12/2021</a:t>
             </a:fld>
             <a:endParaRPr lang="en-US" dirty="0"/>
           </a:p>
@@ -2771,7 +2771,7 @@
           <a:p>
             <a:fld id="{4EDE50D6-574B-40AF-946F-D52A04ADE379}" type="datetime1">
               <a:rPr lang="en-US" smtClean="0"/>
-              <a:t>2/11/2021</a:t>
+              <a:t>2/12/2021</a:t>
             </a:fld>
             <a:endParaRPr lang="en-US" dirty="0"/>
           </a:p>
@@ -3148,7 +3148,7 @@
           <a:p>
             <a:fld id="{D82884F1-FFEA-405F-9602-3DCA865EDA4E}" type="datetime1">
               <a:rPr lang="en-US" smtClean="0"/>
-              <a:t>2/11/2021</a:t>
+              <a:t>2/12/2021</a:t>
             </a:fld>
             <a:endParaRPr lang="en-US" dirty="0"/>
           </a:p>
@@ -3441,7 +3441,7 @@
           <a:p>
             <a:fld id="{7E18DB4A-8810-4A10-AD5C-D5E2C667F5B3}" type="datetime1">
               <a:rPr lang="en-US" smtClean="0"/>
-              <a:t>2/11/2021</a:t>
+              <a:t>2/12/2021</a:t>
             </a:fld>
             <a:endParaRPr lang="en-US" dirty="0"/>
           </a:p>
@@ -3656,7 +3656,7 @@
           <a:p>
             <a:fld id="{ED291B17-9318-49DB-B28B-6E5994AE9581}" type="datetime1">
               <a:rPr lang="en-US" smtClean="0"/>
-              <a:t>2/11/2021</a:t>
+              <a:t>2/12/2021</a:t>
             </a:fld>
             <a:endParaRPr lang="en-US" dirty="0"/>
           </a:p>
@@ -6780,7 +6780,7 @@
     <p:bg>
       <p:bgPr>
         <a:solidFill>
-          <a:schemeClr val="bg1"/>
+          <a:schemeClr val="bg2"/>
         </a:solidFill>
         <a:effectLst/>
       </p:bgPr>
@@ -6801,10 +6801,10 @@
       </p:grpSpPr>
       <p:sp>
         <p:nvSpPr>
-          <p:cNvPr id="11" name="Rectangle 10">
-            <a:extLst>
-              <a:ext uri="{FF2B5EF4-FFF2-40B4-BE49-F238E27FC236}">
-                <a16:creationId xmlns:a16="http://schemas.microsoft.com/office/drawing/2014/main" id="{E6C8E6EB-4C59-429B-97E4-72A058CFC4FB}"/>
+          <p:cNvPr id="34" name="Rectangle 33">
+            <a:extLst>
+              <a:ext uri="{FF2B5EF4-FFF2-40B4-BE49-F238E27FC236}">
+                <a16:creationId xmlns:a16="http://schemas.microsoft.com/office/drawing/2014/main" id="{DCF4EB5C-ED25-4675-8255-2F5B12CFFCF0}"/>
               </a:ext>
               <a:ext uri="{C183D7F6-B498-43B3-948B-1728B52AA6E4}">
                 <adec:decorative xmlns:adec="http://schemas.microsoft.com/office/drawing/2017/decorative" val="1"/>
@@ -6855,10 +6855,10 @@
       </p:sp>
       <p:sp>
         <p:nvSpPr>
-          <p:cNvPr id="13" name="Rectangle 12">
-            <a:extLst>
-              <a:ext uri="{FF2B5EF4-FFF2-40B4-BE49-F238E27FC236}">
-                <a16:creationId xmlns:a16="http://schemas.microsoft.com/office/drawing/2014/main" id="{B5B90362-AFCC-46A9-B41C-A257A8C5B314}"/>
+          <p:cNvPr id="36" name="Rectangle 35">
+            <a:extLst>
+              <a:ext uri="{FF2B5EF4-FFF2-40B4-BE49-F238E27FC236}">
+                <a16:creationId xmlns:a16="http://schemas.microsoft.com/office/drawing/2014/main" id="{9514EC6E-A557-42A2-BCDC-3ABFFC5E564D}"/>
               </a:ext>
               <a:ext uri="{C183D7F6-B498-43B3-948B-1728B52AA6E4}">
                 <adec:decorative xmlns:adec="http://schemas.microsoft.com/office/drawing/2017/decorative" val="1"/>
@@ -6909,10 +6909,10 @@
       </p:sp>
       <p:sp>
         <p:nvSpPr>
-          <p:cNvPr id="15" name="Rectangle 14">
-            <a:extLst>
-              <a:ext uri="{FF2B5EF4-FFF2-40B4-BE49-F238E27FC236}">
-                <a16:creationId xmlns:a16="http://schemas.microsoft.com/office/drawing/2014/main" id="{F71EF7F1-38BA-471D-8CD4-2A9AE8E35527}"/>
+          <p:cNvPr id="38" name="Rectangle 37">
+            <a:extLst>
+              <a:ext uri="{FF2B5EF4-FFF2-40B4-BE49-F238E27FC236}">
+                <a16:creationId xmlns:a16="http://schemas.microsoft.com/office/drawing/2014/main" id="{905482C9-EB42-4BFE-95BF-7FD661F07657}"/>
               </a:ext>
               <a:ext uri="{C183D7F6-B498-43B3-948B-1728B52AA6E4}">
                 <adec:decorative xmlns:adec="http://schemas.microsoft.com/office/drawing/2017/decorative" val="1"/>
@@ -6963,10 +6963,10 @@
       </p:sp>
       <p:sp>
         <p:nvSpPr>
-          <p:cNvPr id="17" name="Rectangle 16">
-            <a:extLst>
-              <a:ext uri="{FF2B5EF4-FFF2-40B4-BE49-F238E27FC236}">
-                <a16:creationId xmlns:a16="http://schemas.microsoft.com/office/drawing/2014/main" id="{C0524398-BFB4-4C4A-8317-83B8729F9B26}"/>
+          <p:cNvPr id="40" name="Rectangle 39">
+            <a:extLst>
+              <a:ext uri="{FF2B5EF4-FFF2-40B4-BE49-F238E27FC236}">
+                <a16:creationId xmlns:a16="http://schemas.microsoft.com/office/drawing/2014/main" id="{7539E646-A625-4A26-86ED-BD90EDD329F7}"/>
               </a:ext>
               <a:ext uri="{C183D7F6-B498-43B3-948B-1728B52AA6E4}">
                 <adec:decorative xmlns:adec="http://schemas.microsoft.com/office/drawing/2017/decorative" val="1"/>
@@ -7015,12 +7015,12 @@
           </a:fontRef>
         </p:style>
       </p:sp>
-      <p:sp useBgFill="1">
-        <p:nvSpPr>
-          <p:cNvPr id="19" name="Rectangle 18">
-            <a:extLst>
-              <a:ext uri="{FF2B5EF4-FFF2-40B4-BE49-F238E27FC236}">
-                <a16:creationId xmlns:a16="http://schemas.microsoft.com/office/drawing/2014/main" id="{D6D7A0BC-0046-4CAA-8E7F-DCAFE511EA0E}"/>
+      <p:sp>
+        <p:nvSpPr>
+          <p:cNvPr id="42" name="Rectangle 41">
+            <a:extLst>
+              <a:ext uri="{FF2B5EF4-FFF2-40B4-BE49-F238E27FC236}">
+                <a16:creationId xmlns:a16="http://schemas.microsoft.com/office/drawing/2014/main" id="{8E019540-1104-4B12-9F83-45F58674186F}"/>
               </a:ext>
               <a:ext uri="{C183D7F6-B498-43B3-948B-1728B52AA6E4}">
                 <adec:decorative xmlns:adec="http://schemas.microsoft.com/office/drawing/2017/decorative" val="1"/>
@@ -7046,6 +7046,9 @@
           <a:prstGeom prst="rect">
             <a:avLst/>
           </a:prstGeom>
+          <a:solidFill>
+            <a:srgbClr val="3C474C"/>
+          </a:solidFill>
           <a:ln>
             <a:noFill/>
           </a:ln>
@@ -7077,214 +7080,61 @@
       </p:sp>
       <p:sp>
         <p:nvSpPr>
-          <p:cNvPr id="2" name="Title 1">
-            <a:extLst>
-              <a:ext uri="{FF2B5EF4-FFF2-40B4-BE49-F238E27FC236}">
-                <a16:creationId xmlns:a16="http://schemas.microsoft.com/office/drawing/2014/main" id="{26F5B401-CE8D-4EB0-A846-EEB401443669}"/>
-              </a:ext>
-            </a:extLst>
-          </p:cNvPr>
-          <p:cNvSpPr>
-            <a:spLocks noGrp="1"/>
-          </p:cNvSpPr>
-          <p:nvPr>
-            <p:ph type="title"/>
-          </p:nvPr>
-        </p:nvSpPr>
-        <p:spPr>
-          <a:xfrm>
-            <a:off x="596715" y="736885"/>
-            <a:ext cx="3645115" cy="1588513"/>
-          </a:xfrm>
+          <p:cNvPr id="2" name="TextBox 1">
+            <a:extLst>
+              <a:ext uri="{FF2B5EF4-FFF2-40B4-BE49-F238E27FC236}">
+                <a16:creationId xmlns:a16="http://schemas.microsoft.com/office/drawing/2014/main" id="{C29C5EEF-7EA1-49A0-95F3-76D3555A2547}"/>
+              </a:ext>
+            </a:extLst>
+          </p:cNvPr>
+          <p:cNvSpPr txBox="1"/>
+          <p:nvPr/>
+        </p:nvSpPr>
+        <p:spPr>
+          <a:xfrm>
+            <a:off x="320131" y="426935"/>
+            <a:ext cx="11298932" cy="414313"/>
+          </a:xfrm>
+          <a:prstGeom prst="rect">
+            <a:avLst/>
+          </a:prstGeom>
         </p:spPr>
         <p:txBody>
-          <a:bodyPr vert="horz" lIns="91440" tIns="45720" rIns="91440" bIns="45720" rtlCol="0" anchor="b">
-            <a:normAutofit/>
+          <a:bodyPr vert="horz" lIns="91440" tIns="45720" rIns="91440" bIns="45720" rtlCol="0" anchor="ctr">
+            <a:normAutofit fontScale="62500" lnSpcReduction="20000"/>
           </a:bodyPr>
           <a:lstStyle/>
           <a:p>
+            <a:pPr algn="ctr" defTabSz="457200">
+              <a:spcBef>
+                <a:spcPct val="0"/>
+              </a:spcBef>
+              <a:spcAft>
+                <a:spcPts val="600"/>
+              </a:spcAft>
+            </a:pPr>
             <a:r>
-              <a:rPr lang="en-US" sz="3600" dirty="0">
+              <a:rPr lang="en-US" sz="4000" b="0" kern="1200" cap="all" dirty="0">
                 <a:solidFill>
-                  <a:schemeClr val="tx1">
-                    <a:lumMod val="75000"/>
-                    <a:lumOff val="25000"/>
-                  </a:schemeClr>
+                  <a:srgbClr val="FFFFFF">
+                    <a:alpha val="90000"/>
+                  </a:srgbClr>
                 </a:solidFill>
+                <a:latin typeface="+mj-lt"/>
+                <a:ea typeface="+mj-ea"/>
+                <a:cs typeface="+mj-cs"/>
               </a:rPr>
-              <a:t>Correlation map</a:t>
+              <a:t>Happiness Over Time – Top 10</a:t>
             </a:r>
           </a:p>
         </p:txBody>
-      </p:sp>
-      <p:sp>
-        <p:nvSpPr>
-          <p:cNvPr id="21" name="Rectangle 20">
-            <a:extLst>
-              <a:ext uri="{FF2B5EF4-FFF2-40B4-BE49-F238E27FC236}">
-                <a16:creationId xmlns:a16="http://schemas.microsoft.com/office/drawing/2014/main" id="{E7C6334F-6411-41EC-AD7D-179EDD8B58CB}"/>
-              </a:ext>
-              <a:ext uri="{C183D7F6-B498-43B3-948B-1728B52AA6E4}">
-                <adec:decorative xmlns:adec="http://schemas.microsoft.com/office/drawing/2017/decorative" val="1"/>
-              </a:ext>
-            </a:extLst>
-          </p:cNvPr>
-          <p:cNvSpPr>
-            <a:spLocks noGrp="1" noRot="1" noChangeAspect="1" noMove="1" noResize="1" noEditPoints="1" noAdjustHandles="1" noChangeArrowheads="1" noChangeShapeType="1" noTextEdit="1"/>
-          </p:cNvSpPr>
-          <p:nvPr>
-            <p:extLst>
-              <p:ext uri="{386F3935-93C4-4BCD-93E2-E3B085C9AB24}">
-                <p16:designElem xmlns:p16="http://schemas.microsoft.com/office/powerpoint/2015/main" val="1"/>
-              </p:ext>
-            </p:extLst>
-          </p:nvPr>
-        </p:nvSpPr>
-        <p:spPr>
-          <a:xfrm>
-            <a:off x="446534" y="457200"/>
-            <a:ext cx="3703320" cy="94997"/>
-          </a:xfrm>
-          <a:prstGeom prst="rect">
-            <a:avLst/>
-          </a:prstGeom>
-          <a:solidFill>
-            <a:srgbClr val="465359"/>
-          </a:solidFill>
-          <a:ln>
-            <a:noFill/>
-          </a:ln>
-          <a:effectLst/>
-        </p:spPr>
-        <p:style>
-          <a:lnRef idx="1">
-            <a:schemeClr val="accent1"/>
-          </a:lnRef>
-          <a:fillRef idx="3">
-            <a:schemeClr val="accent1"/>
-          </a:fillRef>
-          <a:effectRef idx="2">
-            <a:schemeClr val="accent1"/>
-          </a:effectRef>
-          <a:fontRef idx="minor">
-            <a:schemeClr val="lt1"/>
-          </a:fontRef>
-        </p:style>
-      </p:sp>
-      <p:sp>
-        <p:nvSpPr>
-          <p:cNvPr id="23" name="Rectangle 22">
-            <a:extLst>
-              <a:ext uri="{FF2B5EF4-FFF2-40B4-BE49-F238E27FC236}">
-                <a16:creationId xmlns:a16="http://schemas.microsoft.com/office/drawing/2014/main" id="{E6B02CEE-3AF8-4349-9B3E-8970E6DF62B3}"/>
-              </a:ext>
-              <a:ext uri="{C183D7F6-B498-43B3-948B-1728B52AA6E4}">
-                <adec:decorative xmlns:adec="http://schemas.microsoft.com/office/drawing/2017/decorative" val="1"/>
-              </a:ext>
-            </a:extLst>
-          </p:cNvPr>
-          <p:cNvSpPr>
-            <a:spLocks noGrp="1" noRot="1" noChangeAspect="1" noMove="1" noResize="1" noEditPoints="1" noAdjustHandles="1" noChangeArrowheads="1" noChangeShapeType="1" noTextEdit="1"/>
-          </p:cNvSpPr>
-          <p:nvPr>
-            <p:extLst>
-              <p:ext uri="{386F3935-93C4-4BCD-93E2-E3B085C9AB24}">
-                <p16:designElem xmlns:p16="http://schemas.microsoft.com/office/powerpoint/2015/main" val="1"/>
-              </p:ext>
-            </p:extLst>
-          </p:nvPr>
-        </p:nvSpPr>
-        <p:spPr>
-          <a:xfrm>
-            <a:off x="4241830" y="457200"/>
-            <a:ext cx="3703320" cy="91440"/>
-          </a:xfrm>
-          <a:prstGeom prst="rect">
-            <a:avLst/>
-          </a:prstGeom>
-          <a:solidFill>
-            <a:schemeClr val="accent1"/>
-          </a:solidFill>
-          <a:ln>
-            <a:noFill/>
-          </a:ln>
-          <a:effectLst/>
-        </p:spPr>
-        <p:style>
-          <a:lnRef idx="1">
-            <a:schemeClr val="accent1"/>
-          </a:lnRef>
-          <a:fillRef idx="3">
-            <a:schemeClr val="accent1"/>
-          </a:fillRef>
-          <a:effectRef idx="2">
-            <a:schemeClr val="accent1"/>
-          </a:effectRef>
-          <a:fontRef idx="minor">
-            <a:schemeClr val="lt1"/>
-          </a:fontRef>
-        </p:style>
-      </p:sp>
-      <p:sp>
-        <p:nvSpPr>
-          <p:cNvPr id="25" name="Rectangle 24">
-            <a:extLst>
-              <a:ext uri="{FF2B5EF4-FFF2-40B4-BE49-F238E27FC236}">
-                <a16:creationId xmlns:a16="http://schemas.microsoft.com/office/drawing/2014/main" id="{AAA01CF0-3FB5-44EB-B7DE-F2E86374C2FB}"/>
-              </a:ext>
-              <a:ext uri="{C183D7F6-B498-43B3-948B-1728B52AA6E4}">
-                <adec:decorative xmlns:adec="http://schemas.microsoft.com/office/drawing/2017/decorative" val="1"/>
-              </a:ext>
-            </a:extLst>
-          </p:cNvPr>
-          <p:cNvSpPr>
-            <a:spLocks noGrp="1" noRot="1" noChangeAspect="1" noMove="1" noResize="1" noEditPoints="1" noAdjustHandles="1" noChangeArrowheads="1" noChangeShapeType="1" noTextEdit="1"/>
-          </p:cNvSpPr>
-          <p:nvPr>
-            <p:extLst>
-              <p:ext uri="{386F3935-93C4-4BCD-93E2-E3B085C9AB24}">
-                <p16:designElem xmlns:p16="http://schemas.microsoft.com/office/powerpoint/2015/main" val="1"/>
-              </p:ext>
-            </p:extLst>
-          </p:nvPr>
-        </p:nvSpPr>
-        <p:spPr>
-          <a:xfrm>
-            <a:off x="8042147" y="453643"/>
-            <a:ext cx="3703320" cy="98554"/>
-          </a:xfrm>
-          <a:prstGeom prst="rect">
-            <a:avLst/>
-          </a:prstGeom>
-          <a:solidFill>
-            <a:srgbClr val="969FA7"/>
-          </a:solidFill>
-          <a:ln>
-            <a:noFill/>
-          </a:ln>
-          <a:effectLst/>
-        </p:spPr>
-        <p:style>
-          <a:lnRef idx="1">
-            <a:schemeClr val="accent1"/>
-          </a:lnRef>
-          <a:fillRef idx="3">
-            <a:schemeClr val="accent1"/>
-          </a:fillRef>
-          <a:effectRef idx="2">
-            <a:schemeClr val="accent1"/>
-          </a:effectRef>
-          <a:fontRef idx="minor">
-            <a:schemeClr val="lt1"/>
-          </a:fontRef>
-        </p:style>
       </p:sp>
       <p:pic>
         <p:nvPicPr>
-          <p:cNvPr id="8" name="Picture 7">
-            <a:extLst>
-              <a:ext uri="{FF2B5EF4-FFF2-40B4-BE49-F238E27FC236}">
-                <a16:creationId xmlns:a16="http://schemas.microsoft.com/office/drawing/2014/main" id="{45B31718-E9CF-4C0D-826F-3D40E8F1AE06}"/>
+          <p:cNvPr id="7" name="Picture 6">
+            <a:extLst>
+              <a:ext uri="{FF2B5EF4-FFF2-40B4-BE49-F238E27FC236}">
+                <a16:creationId xmlns:a16="http://schemas.microsoft.com/office/drawing/2014/main" id="{F9C74DA6-123E-4F9D-B27E-F11B986CCA74}"/>
               </a:ext>
             </a:extLst>
           </p:cNvPr>
@@ -7301,8 +7151,8 @@
         </p:blipFill>
         <p:spPr>
           <a:xfrm>
-            <a:off x="3523545" y="1017800"/>
-            <a:ext cx="7850088" cy="5794441"/>
+            <a:off x="2294947" y="867956"/>
+            <a:ext cx="7391366" cy="5727916"/>
           </a:xfrm>
           <a:prstGeom prst="rect">
             <a:avLst/>
@@ -7312,12 +7162,12 @@
     </p:spTree>
     <p:extLst>
       <p:ext uri="{BB962C8B-B14F-4D97-AF65-F5344CB8AC3E}">
-        <p14:creationId xmlns:p14="http://schemas.microsoft.com/office/powerpoint/2010/main" val="4189587326"/>
+        <p14:creationId xmlns:p14="http://schemas.microsoft.com/office/powerpoint/2010/main" val="4096695778"/>
       </p:ext>
     </p:extLst>
   </p:cSld>
   <p:clrMapOvr>
-    <a:masterClrMapping/>
+    <a:overrideClrMapping bg1="dk1" tx1="lt1" bg2="dk2" tx2="lt2" accent1="accent1" accent2="accent2" accent3="accent3" accent4="accent4" accent5="accent5" accent6="accent6" hlink="hlink" folHlink="folHlink"/>
   </p:clrMapOvr>
 </p:sld>
 </file>
@@ -7349,10 +7199,10 @@
       </p:grpSpPr>
       <p:sp>
         <p:nvSpPr>
-          <p:cNvPr id="9" name="Rectangle 8">
-            <a:extLst>
-              <a:ext uri="{FF2B5EF4-FFF2-40B4-BE49-F238E27FC236}">
-                <a16:creationId xmlns:a16="http://schemas.microsoft.com/office/drawing/2014/main" id="{DD651B61-325E-4E73-8445-38B0DE8AAAB6}"/>
+          <p:cNvPr id="11" name="Rectangle 10">
+            <a:extLst>
+              <a:ext uri="{FF2B5EF4-FFF2-40B4-BE49-F238E27FC236}">
+                <a16:creationId xmlns:a16="http://schemas.microsoft.com/office/drawing/2014/main" id="{E6C8E6EB-4C59-429B-97E4-72A058CFC4FB}"/>
               </a:ext>
               <a:ext uri="{C183D7F6-B498-43B3-948B-1728B52AA6E4}">
                 <adec:decorative xmlns:adec="http://schemas.microsoft.com/office/drawing/2017/decorative" val="1"/>
@@ -7403,10 +7253,10 @@
       </p:sp>
       <p:sp>
         <p:nvSpPr>
-          <p:cNvPr id="11" name="Rectangle 10">
-            <a:extLst>
-              <a:ext uri="{FF2B5EF4-FFF2-40B4-BE49-F238E27FC236}">
-                <a16:creationId xmlns:a16="http://schemas.microsoft.com/office/drawing/2014/main" id="{B42E5253-D3AC-4AC2-B766-8B34F13C2F5E}"/>
+          <p:cNvPr id="13" name="Rectangle 12">
+            <a:extLst>
+              <a:ext uri="{FF2B5EF4-FFF2-40B4-BE49-F238E27FC236}">
+                <a16:creationId xmlns:a16="http://schemas.microsoft.com/office/drawing/2014/main" id="{B5B90362-AFCC-46A9-B41C-A257A8C5B314}"/>
               </a:ext>
               <a:ext uri="{C183D7F6-B498-43B3-948B-1728B52AA6E4}">
                 <adec:decorative xmlns:adec="http://schemas.microsoft.com/office/drawing/2017/decorative" val="1"/>
@@ -7457,10 +7307,10 @@
       </p:sp>
       <p:sp>
         <p:nvSpPr>
-          <p:cNvPr id="13" name="Rectangle 12">
-            <a:extLst>
-              <a:ext uri="{FF2B5EF4-FFF2-40B4-BE49-F238E27FC236}">
-                <a16:creationId xmlns:a16="http://schemas.microsoft.com/office/drawing/2014/main" id="{10AE8D57-436A-4073-9A75-15BB5949F8B4}"/>
+          <p:cNvPr id="15" name="Rectangle 14">
+            <a:extLst>
+              <a:ext uri="{FF2B5EF4-FFF2-40B4-BE49-F238E27FC236}">
+                <a16:creationId xmlns:a16="http://schemas.microsoft.com/office/drawing/2014/main" id="{F71EF7F1-38BA-471D-8CD4-2A9AE8E35527}"/>
               </a:ext>
               <a:ext uri="{C183D7F6-B498-43B3-948B-1728B52AA6E4}">
                 <adec:decorative xmlns:adec="http://schemas.microsoft.com/office/drawing/2017/decorative" val="1"/>
@@ -7511,10 +7361,10 @@
       </p:sp>
       <p:sp>
         <p:nvSpPr>
-          <p:cNvPr id="15" name="Rectangle 14">
-            <a:extLst>
-              <a:ext uri="{FF2B5EF4-FFF2-40B4-BE49-F238E27FC236}">
-                <a16:creationId xmlns:a16="http://schemas.microsoft.com/office/drawing/2014/main" id="{E2852671-8EB6-4EAF-8AF8-65CF3FD66456}"/>
+          <p:cNvPr id="17" name="Rectangle 16">
+            <a:extLst>
+              <a:ext uri="{FF2B5EF4-FFF2-40B4-BE49-F238E27FC236}">
+                <a16:creationId xmlns:a16="http://schemas.microsoft.com/office/drawing/2014/main" id="{C0524398-BFB4-4C4A-8317-83B8729F9B26}"/>
               </a:ext>
               <a:ext uri="{C183D7F6-B498-43B3-948B-1728B52AA6E4}">
                 <adec:decorative xmlns:adec="http://schemas.microsoft.com/office/drawing/2017/decorative" val="1"/>
@@ -7565,10 +7415,10 @@
       </p:sp>
       <p:sp useBgFill="1">
         <p:nvSpPr>
-          <p:cNvPr id="17" name="Rectangle 16">
-            <a:extLst>
-              <a:ext uri="{FF2B5EF4-FFF2-40B4-BE49-F238E27FC236}">
-                <a16:creationId xmlns:a16="http://schemas.microsoft.com/office/drawing/2014/main" id="{963FC0CD-F19B-4D9C-9C47-EB7E9D16E444}"/>
+          <p:cNvPr id="19" name="Rectangle 18">
+            <a:extLst>
+              <a:ext uri="{FF2B5EF4-FFF2-40B4-BE49-F238E27FC236}">
+                <a16:creationId xmlns:a16="http://schemas.microsoft.com/office/drawing/2014/main" id="{D6D7A0BC-0046-4CAA-8E7F-DCAFE511EA0E}"/>
               </a:ext>
               <a:ext uri="{C183D7F6-B498-43B3-948B-1728B52AA6E4}">
                 <adec:decorative xmlns:adec="http://schemas.microsoft.com/office/drawing/2017/decorative" val="1"/>
@@ -7628,7 +7478,7 @@
           <p:cNvPr id="2" name="Title 1">
             <a:extLst>
               <a:ext uri="{FF2B5EF4-FFF2-40B4-BE49-F238E27FC236}">
-                <a16:creationId xmlns:a16="http://schemas.microsoft.com/office/drawing/2014/main" id="{817454E1-9483-4FD7-8B28-52A799E91058}"/>
+                <a16:creationId xmlns:a16="http://schemas.microsoft.com/office/drawing/2014/main" id="{26F5B401-CE8D-4EB0-A846-EEB401443669}"/>
               </a:ext>
             </a:extLst>
           </p:cNvPr>
@@ -7641,8 +7491,8 @@
         </p:nvSpPr>
         <p:spPr>
           <a:xfrm>
-            <a:off x="581191" y="723901"/>
-            <a:ext cx="10993549" cy="741644"/>
+            <a:off x="596715" y="736885"/>
+            <a:ext cx="3645115" cy="1588513"/>
           </a:xfrm>
         </p:spPr>
         <p:txBody>
@@ -7660,17 +7510,17 @@
                   </a:schemeClr>
                 </a:solidFill>
               </a:rPr>
-              <a:t>World Heat map</a:t>
+              <a:t>Correlation map</a:t>
             </a:r>
           </a:p>
         </p:txBody>
       </p:sp>
       <p:sp>
         <p:nvSpPr>
-          <p:cNvPr id="19" name="Rectangle 18">
-            <a:extLst>
-              <a:ext uri="{FF2B5EF4-FFF2-40B4-BE49-F238E27FC236}">
-                <a16:creationId xmlns:a16="http://schemas.microsoft.com/office/drawing/2014/main" id="{2E70159E-5269-4C18-AA0B-D50513DB3B3C}"/>
+          <p:cNvPr id="21" name="Rectangle 20">
+            <a:extLst>
+              <a:ext uri="{FF2B5EF4-FFF2-40B4-BE49-F238E27FC236}">
+                <a16:creationId xmlns:a16="http://schemas.microsoft.com/office/drawing/2014/main" id="{E7C6334F-6411-41EC-AD7D-179EDD8B58CB}"/>
               </a:ext>
               <a:ext uri="{C183D7F6-B498-43B3-948B-1728B52AA6E4}">
                 <adec:decorative xmlns:adec="http://schemas.microsoft.com/office/drawing/2017/decorative" val="1"/>
@@ -7721,10 +7571,10 @@
       </p:sp>
       <p:sp>
         <p:nvSpPr>
-          <p:cNvPr id="21" name="Rectangle 20">
-            <a:extLst>
-              <a:ext uri="{FF2B5EF4-FFF2-40B4-BE49-F238E27FC236}">
-                <a16:creationId xmlns:a16="http://schemas.microsoft.com/office/drawing/2014/main" id="{BBBE9C8C-98B2-41C2-B47B-9A396CBA2326}"/>
+          <p:cNvPr id="23" name="Rectangle 22">
+            <a:extLst>
+              <a:ext uri="{FF2B5EF4-FFF2-40B4-BE49-F238E27FC236}">
+                <a16:creationId xmlns:a16="http://schemas.microsoft.com/office/drawing/2014/main" id="{E6B02CEE-3AF8-4349-9B3E-8970E6DF62B3}"/>
               </a:ext>
               <a:ext uri="{C183D7F6-B498-43B3-948B-1728B52AA6E4}">
                 <adec:decorative xmlns:adec="http://schemas.microsoft.com/office/drawing/2017/decorative" val="1"/>
@@ -7775,10 +7625,10 @@
       </p:sp>
       <p:sp>
         <p:nvSpPr>
-          <p:cNvPr id="23" name="Rectangle 22">
-            <a:extLst>
-              <a:ext uri="{FF2B5EF4-FFF2-40B4-BE49-F238E27FC236}">
-                <a16:creationId xmlns:a16="http://schemas.microsoft.com/office/drawing/2014/main" id="{B2ECCA3D-5ECA-4A8B-B9D7-CE6DEB72B952}"/>
+          <p:cNvPr id="25" name="Rectangle 24">
+            <a:extLst>
+              <a:ext uri="{FF2B5EF4-FFF2-40B4-BE49-F238E27FC236}">
+                <a16:creationId xmlns:a16="http://schemas.microsoft.com/office/drawing/2014/main" id="{AAA01CF0-3FB5-44EB-B7DE-F2E86374C2FB}"/>
               </a:ext>
               <a:ext uri="{C183D7F6-B498-43B3-948B-1728B52AA6E4}">
                 <adec:decorative xmlns:adec="http://schemas.microsoft.com/office/drawing/2017/decorative" val="1"/>
@@ -7827,10 +7677,40 @@
           </a:fontRef>
         </p:style>
       </p:sp>
+      <p:pic>
+        <p:nvPicPr>
+          <p:cNvPr id="8" name="Picture 7">
+            <a:extLst>
+              <a:ext uri="{FF2B5EF4-FFF2-40B4-BE49-F238E27FC236}">
+                <a16:creationId xmlns:a16="http://schemas.microsoft.com/office/drawing/2014/main" id="{45B31718-E9CF-4C0D-826F-3D40E8F1AE06}"/>
+              </a:ext>
+            </a:extLst>
+          </p:cNvPr>
+          <p:cNvPicPr>
+            <a:picLocks noChangeAspect="1"/>
+          </p:cNvPicPr>
+          <p:nvPr/>
+        </p:nvPicPr>
+        <p:blipFill>
+          <a:blip r:embed="rId2"/>
+          <a:stretch>
+            <a:fillRect/>
+          </a:stretch>
+        </p:blipFill>
+        <p:spPr>
+          <a:xfrm>
+            <a:off x="3523545" y="1017800"/>
+            <a:ext cx="7850088" cy="5794441"/>
+          </a:xfrm>
+          <a:prstGeom prst="rect">
+            <a:avLst/>
+          </a:prstGeom>
+        </p:spPr>
+      </p:pic>
     </p:spTree>
     <p:extLst>
       <p:ext uri="{BB962C8B-B14F-4D97-AF65-F5344CB8AC3E}">
-        <p14:creationId xmlns:p14="http://schemas.microsoft.com/office/powerpoint/2010/main" val="881537250"/>
+        <p14:creationId xmlns:p14="http://schemas.microsoft.com/office/powerpoint/2010/main" val="4189587326"/>
       </p:ext>
     </p:extLst>
   </p:cSld>
@@ -10578,6 +10458,73 @@
           </a:prstGeom>
         </p:spPr>
       </p:pic>
+      <p:sp>
+        <p:nvSpPr>
+          <p:cNvPr id="15" name="TextBox 14">
+            <a:extLst>
+              <a:ext uri="{FF2B5EF4-FFF2-40B4-BE49-F238E27FC236}">
+                <a16:creationId xmlns:a16="http://schemas.microsoft.com/office/drawing/2014/main" id="{D16AC9CB-6C1A-49B4-A28F-F8501B74701A}"/>
+              </a:ext>
+            </a:extLst>
+          </p:cNvPr>
+          <p:cNvSpPr txBox="1"/>
+          <p:nvPr/>
+        </p:nvSpPr>
+        <p:spPr>
+          <a:xfrm>
+            <a:off x="4906792" y="3962294"/>
+            <a:ext cx="1649456" cy="861774"/>
+          </a:xfrm>
+          <a:prstGeom prst="rect">
+            <a:avLst/>
+          </a:prstGeom>
+          <a:solidFill>
+            <a:schemeClr val="accent1">
+              <a:lumMod val="20000"/>
+              <a:lumOff val="80000"/>
+            </a:schemeClr>
+          </a:solidFill>
+        </p:spPr>
+        <p:txBody>
+          <a:bodyPr wrap="square">
+            <a:spAutoFit/>
+          </a:bodyPr>
+          <a:lstStyle/>
+          <a:p>
+            <a:r>
+              <a:rPr lang="en-US" sz="1000" b="0" i="0" u="none" strike="noStrike" dirty="0">
+                <a:solidFill>
+                  <a:srgbClr val="000000"/>
+                </a:solidFill>
+                <a:effectLst/>
+                <a:latin typeface="Courier New" panose="02070309020205020404" pitchFamily="49" charset="0"/>
+              </a:rPr>
+              <a:t>The correlation coefficient between GDP Per </a:t>
+            </a:r>
+            <a:r>
+              <a:rPr lang="en-US" sz="1000" b="0" i="0" u="none" strike="noStrike" dirty="0" err="1">
+                <a:solidFill>
+                  <a:srgbClr val="000000"/>
+                </a:solidFill>
+                <a:effectLst/>
+                <a:latin typeface="Courier New" panose="02070309020205020404" pitchFamily="49" charset="0"/>
+              </a:rPr>
+              <a:t>Captia</a:t>
+            </a:r>
+            <a:r>
+              <a:rPr lang="en-US" sz="1000" b="0" i="0" u="none" strike="noStrike" dirty="0">
+                <a:solidFill>
+                  <a:srgbClr val="000000"/>
+                </a:solidFill>
+                <a:effectLst/>
+                <a:latin typeface="Courier New" panose="02070309020205020404" pitchFamily="49" charset="0"/>
+              </a:rPr>
+              <a:t> and Healthy Life Expectancy is 0.78</a:t>
+            </a:r>
+            <a:endParaRPr lang="en-US" sz="1000" dirty="0"/>
+          </a:p>
+        </p:txBody>
+      </p:sp>
     </p:spTree>
     <p:extLst>
       <p:ext uri="{BB962C8B-B14F-4D97-AF65-F5344CB8AC3E}">
@@ -11142,6 +11089,198 @@
           </a:prstGeom>
         </p:spPr>
       </p:pic>
+      <p:sp>
+        <p:nvSpPr>
+          <p:cNvPr id="14" name="TextBox 13">
+            <a:extLst>
+              <a:ext uri="{FF2B5EF4-FFF2-40B4-BE49-F238E27FC236}">
+                <a16:creationId xmlns:a16="http://schemas.microsoft.com/office/drawing/2014/main" id="{44B66B27-9E9B-48D6-B129-E165E69C1EA5}"/>
+              </a:ext>
+            </a:extLst>
+          </p:cNvPr>
+          <p:cNvSpPr txBox="1"/>
+          <p:nvPr/>
+        </p:nvSpPr>
+        <p:spPr>
+          <a:xfrm>
+            <a:off x="720600" y="2828502"/>
+            <a:ext cx="3006892" cy="400110"/>
+          </a:xfrm>
+          <a:prstGeom prst="rect">
+            <a:avLst/>
+          </a:prstGeom>
+          <a:noFill/>
+        </p:spPr>
+        <p:txBody>
+          <a:bodyPr wrap="square">
+            <a:spAutoFit/>
+          </a:bodyPr>
+          <a:lstStyle/>
+          <a:p>
+            <a:pPr algn="ctr"/>
+            <a:r>
+              <a:rPr lang="en-US" sz="1000" b="0" i="0" u="none" strike="noStrike" dirty="0">
+                <a:solidFill>
+                  <a:srgbClr val="000000"/>
+                </a:solidFill>
+                <a:effectLst/>
+                <a:latin typeface="Courier New" panose="02070309020205020404" pitchFamily="49" charset="0"/>
+              </a:rPr>
+              <a:t>The correlation coefficient between GDP Per </a:t>
+            </a:r>
+            <a:r>
+              <a:rPr lang="en-US" sz="1000" b="0" i="0" u="none" strike="noStrike" dirty="0" err="1">
+                <a:solidFill>
+                  <a:srgbClr val="000000"/>
+                </a:solidFill>
+                <a:effectLst/>
+                <a:latin typeface="Courier New" panose="02070309020205020404" pitchFamily="49" charset="0"/>
+              </a:rPr>
+              <a:t>Captia</a:t>
+            </a:r>
+            <a:r>
+              <a:rPr lang="en-US" sz="1000" b="0" i="0" u="none" strike="noStrike" dirty="0">
+                <a:solidFill>
+                  <a:srgbClr val="000000"/>
+                </a:solidFill>
+                <a:effectLst/>
+                <a:latin typeface="Courier New" panose="02070309020205020404" pitchFamily="49" charset="0"/>
+              </a:rPr>
+              <a:t> and Score is 0.79</a:t>
+            </a:r>
+            <a:endParaRPr lang="en-US" sz="1000" dirty="0"/>
+          </a:p>
+        </p:txBody>
+      </p:sp>
+      <p:sp>
+        <p:nvSpPr>
+          <p:cNvPr id="17" name="TextBox 16">
+            <a:extLst>
+              <a:ext uri="{FF2B5EF4-FFF2-40B4-BE49-F238E27FC236}">
+                <a16:creationId xmlns:a16="http://schemas.microsoft.com/office/drawing/2014/main" id="{14813C71-7B23-48C5-AF48-BDB649E3C61A}"/>
+              </a:ext>
+            </a:extLst>
+          </p:cNvPr>
+          <p:cNvSpPr txBox="1"/>
+          <p:nvPr/>
+        </p:nvSpPr>
+        <p:spPr>
+          <a:xfrm>
+            <a:off x="622549" y="5952652"/>
+            <a:ext cx="3170682" cy="400110"/>
+          </a:xfrm>
+          <a:prstGeom prst="rect">
+            <a:avLst/>
+          </a:prstGeom>
+          <a:noFill/>
+        </p:spPr>
+        <p:txBody>
+          <a:bodyPr wrap="square">
+            <a:spAutoFit/>
+          </a:bodyPr>
+          <a:lstStyle/>
+          <a:p>
+            <a:pPr algn="ctr"/>
+            <a:r>
+              <a:rPr lang="en-US" sz="1000" b="0" i="0" u="none" strike="noStrike" dirty="0">
+                <a:solidFill>
+                  <a:srgbClr val="000000"/>
+                </a:solidFill>
+                <a:effectLst/>
+                <a:latin typeface="Courier New" panose="02070309020205020404" pitchFamily="49" charset="0"/>
+              </a:rPr>
+              <a:t>The correlation coefficient between Social Support and Score is 0.65</a:t>
+            </a:r>
+            <a:endParaRPr lang="en-US" sz="1000" dirty="0"/>
+          </a:p>
+        </p:txBody>
+      </p:sp>
+      <p:sp>
+        <p:nvSpPr>
+          <p:cNvPr id="19" name="TextBox 18">
+            <a:extLst>
+              <a:ext uri="{FF2B5EF4-FFF2-40B4-BE49-F238E27FC236}">
+                <a16:creationId xmlns:a16="http://schemas.microsoft.com/office/drawing/2014/main" id="{6FAC5F11-BAAF-4DF9-A9EF-8C674AF5F616}"/>
+              </a:ext>
+            </a:extLst>
+          </p:cNvPr>
+          <p:cNvSpPr txBox="1"/>
+          <p:nvPr/>
+        </p:nvSpPr>
+        <p:spPr>
+          <a:xfrm>
+            <a:off x="8229007" y="2818109"/>
+            <a:ext cx="3421924" cy="400110"/>
+          </a:xfrm>
+          <a:prstGeom prst="rect">
+            <a:avLst/>
+          </a:prstGeom>
+          <a:noFill/>
+        </p:spPr>
+        <p:txBody>
+          <a:bodyPr wrap="square">
+            <a:spAutoFit/>
+          </a:bodyPr>
+          <a:lstStyle/>
+          <a:p>
+            <a:pPr algn="ctr"/>
+            <a:r>
+              <a:rPr lang="en-US" sz="1000" b="0" i="0" u="none" strike="noStrike" dirty="0">
+                <a:solidFill>
+                  <a:srgbClr val="000000"/>
+                </a:solidFill>
+                <a:effectLst/>
+                <a:latin typeface="Courier New" panose="02070309020205020404" pitchFamily="49" charset="0"/>
+              </a:rPr>
+              <a:t>The correlation coefficient between Healthy life expectancy and Score is 0.74</a:t>
+            </a:r>
+            <a:endParaRPr lang="en-US" sz="1000" dirty="0"/>
+          </a:p>
+        </p:txBody>
+      </p:sp>
+      <p:sp>
+        <p:nvSpPr>
+          <p:cNvPr id="21" name="TextBox 20">
+            <a:extLst>
+              <a:ext uri="{FF2B5EF4-FFF2-40B4-BE49-F238E27FC236}">
+                <a16:creationId xmlns:a16="http://schemas.microsoft.com/office/drawing/2014/main" id="{028C5B06-A783-4A65-A379-9F98BD377C4A}"/>
+              </a:ext>
+            </a:extLst>
+          </p:cNvPr>
+          <p:cNvSpPr txBox="1"/>
+          <p:nvPr/>
+        </p:nvSpPr>
+        <p:spPr>
+          <a:xfrm>
+            <a:off x="8189792" y="5880250"/>
+            <a:ext cx="3540877" cy="400110"/>
+          </a:xfrm>
+          <a:prstGeom prst="rect">
+            <a:avLst/>
+          </a:prstGeom>
+          <a:noFill/>
+        </p:spPr>
+        <p:txBody>
+          <a:bodyPr wrap="square">
+            <a:spAutoFit/>
+          </a:bodyPr>
+          <a:lstStyle/>
+          <a:p>
+            <a:pPr algn="ctr"/>
+            <a:r>
+              <a:rPr lang="en-US" sz="1000" b="0" i="0" u="none" strike="noStrike" dirty="0">
+                <a:solidFill>
+                  <a:srgbClr val="000000"/>
+                </a:solidFill>
+                <a:effectLst/>
+                <a:latin typeface="Courier New" panose="02070309020205020404" pitchFamily="49" charset="0"/>
+              </a:rPr>
+              <a:t>The correlation coefficient between Freedom to make life choices and Score is 0.54</a:t>
+            </a:r>
+            <a:endParaRPr lang="en-US" sz="1000" dirty="0"/>
+          </a:p>
+        </p:txBody>
+      </p:sp>
     </p:spTree>
     <p:extLst>
       <p:ext uri="{BB962C8B-B14F-4D97-AF65-F5344CB8AC3E}">
@@ -11654,6 +11793,92 @@
           </a:prstGeom>
         </p:spPr>
       </p:pic>
+      <p:sp>
+        <p:nvSpPr>
+          <p:cNvPr id="12" name="TextBox 11">
+            <a:extLst>
+              <a:ext uri="{FF2B5EF4-FFF2-40B4-BE49-F238E27FC236}">
+                <a16:creationId xmlns:a16="http://schemas.microsoft.com/office/drawing/2014/main" id="{8B7CF95E-CC90-43D3-998A-7BAF22847775}"/>
+              </a:ext>
+            </a:extLst>
+          </p:cNvPr>
+          <p:cNvSpPr txBox="1"/>
+          <p:nvPr/>
+        </p:nvSpPr>
+        <p:spPr>
+          <a:xfrm>
+            <a:off x="6833561" y="2953536"/>
+            <a:ext cx="4046220" cy="400110"/>
+          </a:xfrm>
+          <a:prstGeom prst="rect">
+            <a:avLst/>
+          </a:prstGeom>
+          <a:noFill/>
+        </p:spPr>
+        <p:txBody>
+          <a:bodyPr wrap="square">
+            <a:spAutoFit/>
+          </a:bodyPr>
+          <a:lstStyle/>
+          <a:p>
+            <a:pPr algn="ctr"/>
+            <a:r>
+              <a:rPr lang="en-US" sz="1000" b="0" i="0" u="none" strike="noStrike" dirty="0">
+                <a:solidFill>
+                  <a:srgbClr val="000000"/>
+                </a:solidFill>
+                <a:effectLst/>
+                <a:latin typeface="Courier New" panose="02070309020205020404" pitchFamily="49" charset="0"/>
+              </a:rPr>
+              <a:t>The correlation coefficient between Generosity and Score is 0.14</a:t>
+            </a:r>
+            <a:endParaRPr lang="en-US" sz="1000" dirty="0"/>
+          </a:p>
+        </p:txBody>
+      </p:sp>
+      <p:sp>
+        <p:nvSpPr>
+          <p:cNvPr id="15" name="TextBox 14">
+            <a:extLst>
+              <a:ext uri="{FF2B5EF4-FFF2-40B4-BE49-F238E27FC236}">
+                <a16:creationId xmlns:a16="http://schemas.microsoft.com/office/drawing/2014/main" id="{2B33CC99-1617-40CC-8922-8BED128D73DA}"/>
+              </a:ext>
+            </a:extLst>
+          </p:cNvPr>
+          <p:cNvSpPr txBox="1"/>
+          <p:nvPr/>
+        </p:nvSpPr>
+        <p:spPr>
+          <a:xfrm>
+            <a:off x="1001268" y="5836776"/>
+            <a:ext cx="4814316" cy="400110"/>
+          </a:xfrm>
+          <a:prstGeom prst="rect">
+            <a:avLst/>
+          </a:prstGeom>
+          <a:noFill/>
+        </p:spPr>
+        <p:txBody>
+          <a:bodyPr wrap="square">
+            <a:spAutoFit/>
+          </a:bodyPr>
+          <a:lstStyle/>
+          <a:p>
+            <a:pPr algn="ctr"/>
+            <a:r>
+              <a:rPr lang="en-US" sz="1000" b="0" i="0" u="none" strike="noStrike" dirty="0">
+                <a:solidFill>
+                  <a:srgbClr val="000000"/>
+                </a:solidFill>
+                <a:effectLst/>
+                <a:latin typeface="Courier New" panose="02070309020205020404" pitchFamily="49" charset="0"/>
+              </a:rPr>
+              <a:t>The correlation coefficient between Perceptions of corruption and Score is 0.42</a:t>
+            </a:r>
+            <a:endParaRPr lang="en-US" sz="1000" dirty="0"/>
+          </a:p>
+        </p:txBody>
+      </p:sp>
     </p:spTree>
     <p:extLst>
       <p:ext uri="{BB962C8B-B14F-4D97-AF65-F5344CB8AC3E}">
